--- a/PowerPoints/11 - Code Generation.pptx
+++ b/PowerPoints/11 - Code Generation.pptx
@@ -9107,7 +9107,7 @@
               <a:rPr lang="en-US" sz="1800" dirty="0">
                 <a:latin typeface="Consolas" panose="020B0609020204030204" pitchFamily="49" charset="0"/>
               </a:rPr>
-              <a:t>    Symbol </a:t>
+              <a:t>    var </a:t>
             </a:r>
             <a:r>
               <a:rPr lang="en-US" sz="1800" dirty="0" err="1">
@@ -10005,17 +10005,17 @@
               <a:rPr lang="en-US" dirty="0">
                 <a:latin typeface="Consolas" panose="020B0609020204030204" pitchFamily="49" charset="0"/>
               </a:rPr>
-              <a:t>LOADW</a:t>
-            </a:r>
-            <a:r>
-              <a:rPr lang="en-US" dirty="0"/>
-              <a:t> (load 4 bytes)	–  </a:t>
+              <a:t>LOADW </a:t>
+            </a:r>
+            <a:r>
+              <a:rPr lang="en-US" dirty="0"/>
+              <a:t>(load 4 bytes)	–  </a:t>
             </a:r>
             <a:r>
               <a:rPr lang="en-US" dirty="0">
                 <a:latin typeface="Consolas" panose="020B0609020204030204" pitchFamily="49" charset="0"/>
               </a:rPr>
-              <a:t>LOAD</a:t>
+              <a:t>LOAD  </a:t>
             </a:r>
             <a:r>
               <a:rPr lang="en-US" dirty="0"/>
@@ -10066,7 +10066,7 @@
             </a:r>
             <a:r>
               <a:rPr lang="en-US" dirty="0"/>
-              <a:t>  (store byte)	–  </a:t>
+              <a:t> (store byte)	–  </a:t>
             </a:r>
             <a:r>
               <a:rPr lang="en-US" dirty="0">
@@ -10338,49 +10338,7 @@
                 <a:latin typeface="Consolas" pitchFamily="49" charset="0"/>
                 <a:cs typeface="Consolas" pitchFamily="49" charset="0"/>
               </a:rPr>
-              <a:t>    </a:t>
-            </a:r>
-            <a:r>
-              <a:rPr lang="en-US" sz="1800" dirty="0" err="1">
-                <a:latin typeface="Consolas" pitchFamily="49" charset="0"/>
-                <a:cs typeface="Consolas" pitchFamily="49" charset="0"/>
-              </a:rPr>
-              <a:t>int</a:t>
-            </a:r>
-            <a:r>
-              <a:rPr lang="en-US" sz="1800" dirty="0">
-                <a:latin typeface="Consolas" pitchFamily="49" charset="0"/>
-                <a:cs typeface="Consolas" pitchFamily="49" charset="0"/>
-              </a:rPr>
-              <a:t> </a:t>
-            </a:r>
-            <a:r>
-              <a:rPr lang="en-US" sz="1800" dirty="0" err="1">
-                <a:latin typeface="Consolas" pitchFamily="49" charset="0"/>
-                <a:cs typeface="Consolas" pitchFamily="49" charset="0"/>
-              </a:rPr>
-              <a:t>numBytes</a:t>
-            </a:r>
-            <a:r>
-              <a:rPr lang="en-US" sz="1800" dirty="0">
-                <a:latin typeface="Consolas" pitchFamily="49" charset="0"/>
-                <a:cs typeface="Consolas" pitchFamily="49" charset="0"/>
-              </a:rPr>
-              <a:t> = </a:t>
-            </a:r>
-            <a:r>
-              <a:rPr lang="en-US" sz="1800" dirty="0" err="1">
-                <a:latin typeface="Consolas" pitchFamily="49" charset="0"/>
-                <a:cs typeface="Consolas" pitchFamily="49" charset="0"/>
-              </a:rPr>
-              <a:t>t.getSize</a:t>
-            </a:r>
-            <a:r>
-              <a:rPr lang="en-US" sz="1800" dirty="0">
-                <a:latin typeface="Consolas" pitchFamily="49" charset="0"/>
-                <a:cs typeface="Consolas" pitchFamily="49" charset="0"/>
-              </a:rPr>
-              <a:t>();</a:t>
+              <a:t>    switch (t.getSize())</a:t>
             </a:r>
           </a:p>
           <a:p>
@@ -10391,10 +10349,13 @@
               <a:buFontTx/>
               <a:buNone/>
             </a:pPr>
-            <a:endParaRPr lang="en-US" sz="1800" dirty="0">
-              <a:latin typeface="Consolas" pitchFamily="49" charset="0"/>
-              <a:cs typeface="Consolas" pitchFamily="49" charset="0"/>
-            </a:endParaRPr>
+            <a:r>
+              <a:rPr lang="en-US" sz="1800" dirty="0">
+                <a:latin typeface="Consolas" pitchFamily="49" charset="0"/>
+                <a:cs typeface="Consolas" pitchFamily="49" charset="0"/>
+              </a:rPr>
+              <a:t>      {</a:t>
+            </a:r>
           </a:p>
           <a:p>
             <a:pPr marL="182880" indent="0">
@@ -10409,35 +10370,7 @@
                 <a:latin typeface="Consolas" pitchFamily="49" charset="0"/>
                 <a:cs typeface="Consolas" pitchFamily="49" charset="0"/>
               </a:rPr>
-              <a:t>    if (</a:t>
-            </a:r>
-            <a:r>
-              <a:rPr lang="en-US" sz="1800" dirty="0" err="1">
-                <a:latin typeface="Consolas" pitchFamily="49" charset="0"/>
-                <a:cs typeface="Consolas" pitchFamily="49" charset="0"/>
-              </a:rPr>
-              <a:t>numBytes</a:t>
-            </a:r>
-            <a:r>
-              <a:rPr lang="en-US" sz="1800" dirty="0">
-                <a:latin typeface="Consolas" pitchFamily="49" charset="0"/>
-                <a:cs typeface="Consolas" pitchFamily="49" charset="0"/>
-              </a:rPr>
-              <a:t> == </a:t>
-            </a:r>
-            <a:r>
-              <a:rPr lang="en-US" sz="1800" dirty="0" err="1">
-                <a:latin typeface="Consolas" pitchFamily="49" charset="0"/>
-                <a:cs typeface="Consolas" pitchFamily="49" charset="0"/>
-              </a:rPr>
-              <a:t>Constants.BYTES_PER_WORD</a:t>
-            </a:r>
-            <a:r>
-              <a:rPr lang="en-US" sz="1800" dirty="0">
-                <a:latin typeface="Consolas" pitchFamily="49" charset="0"/>
-                <a:cs typeface="Consolas" pitchFamily="49" charset="0"/>
-              </a:rPr>
-              <a:t>)</a:t>
+              <a:t>        case 4  -&gt; emit("LOADW");</a:t>
             </a:r>
           </a:p>
           <a:p>
@@ -10453,7 +10386,7 @@
                 <a:latin typeface="Consolas" pitchFamily="49" charset="0"/>
                 <a:cs typeface="Consolas" pitchFamily="49" charset="0"/>
               </a:rPr>
-              <a:t>        emit("LOADW");</a:t>
+              <a:t>        case 2  -&gt; emit("LOAD2B");</a:t>
             </a:r>
           </a:p>
           <a:p>
@@ -10469,21 +10402,7 @@
                 <a:latin typeface="Consolas" pitchFamily="49" charset="0"/>
                 <a:cs typeface="Consolas" pitchFamily="49" charset="0"/>
               </a:rPr>
-              <a:t>    else if (</a:t>
-            </a:r>
-            <a:r>
-              <a:rPr lang="en-US" sz="1800" dirty="0" err="1">
-                <a:latin typeface="Consolas" pitchFamily="49" charset="0"/>
-                <a:cs typeface="Consolas" pitchFamily="49" charset="0"/>
-              </a:rPr>
-              <a:t>numBytes</a:t>
-            </a:r>
-            <a:r>
-              <a:rPr lang="en-US" sz="1800" dirty="0">
-                <a:latin typeface="Consolas" pitchFamily="49" charset="0"/>
-                <a:cs typeface="Consolas" pitchFamily="49" charset="0"/>
-              </a:rPr>
-              <a:t> == 2)</a:t>
+              <a:t>        case 1  -&gt; emit("LOADB");</a:t>
             </a:r>
           </a:p>
           <a:p>
@@ -10499,7 +10418,7 @@
                 <a:latin typeface="Consolas" pitchFamily="49" charset="0"/>
                 <a:cs typeface="Consolas" pitchFamily="49" charset="0"/>
               </a:rPr>
-              <a:t>        emit("LOAD2B");</a:t>
+              <a:t>        default -&gt; emit("LOAD " + t.getSize());</a:t>
             </a:r>
           </a:p>
           <a:p>
@@ -10515,83 +10434,7 @@
                 <a:latin typeface="Consolas" pitchFamily="49" charset="0"/>
                 <a:cs typeface="Consolas" pitchFamily="49" charset="0"/>
               </a:rPr>
-              <a:t>    else if (</a:t>
-            </a:r>
-            <a:r>
-              <a:rPr lang="en-US" sz="1800" dirty="0" err="1">
-                <a:latin typeface="Consolas" pitchFamily="49" charset="0"/>
-                <a:cs typeface="Consolas" pitchFamily="49" charset="0"/>
-              </a:rPr>
-              <a:t>numBytes</a:t>
-            </a:r>
-            <a:r>
-              <a:rPr lang="en-US" sz="1800" dirty="0">
-                <a:latin typeface="Consolas" pitchFamily="49" charset="0"/>
-                <a:cs typeface="Consolas" pitchFamily="49" charset="0"/>
-              </a:rPr>
-              <a:t> == 1)</a:t>
-            </a:r>
-          </a:p>
-          <a:p>
-            <a:pPr marL="182880" indent="0">
-              <a:spcBef>
-                <a:spcPts val="200"/>
-              </a:spcBef>
-              <a:buFontTx/>
-              <a:buNone/>
-            </a:pPr>
-            <a:r>
-              <a:rPr lang="en-US" sz="1800" dirty="0">
-                <a:latin typeface="Consolas" pitchFamily="49" charset="0"/>
-                <a:cs typeface="Consolas" pitchFamily="49" charset="0"/>
-              </a:rPr>
-              <a:t>        emit("LOADB");</a:t>
-            </a:r>
-          </a:p>
-          <a:p>
-            <a:pPr marL="182880" indent="0">
-              <a:spcBef>
-                <a:spcPts val="200"/>
-              </a:spcBef>
-              <a:buFontTx/>
-              <a:buNone/>
-            </a:pPr>
-            <a:r>
-              <a:rPr lang="en-US" sz="1800" dirty="0">
-                <a:latin typeface="Consolas" pitchFamily="49" charset="0"/>
-                <a:cs typeface="Consolas" pitchFamily="49" charset="0"/>
-              </a:rPr>
-              <a:t>    else</a:t>
-            </a:r>
-          </a:p>
-          <a:p>
-            <a:pPr marL="182880" indent="0">
-              <a:spcBef>
-                <a:spcPts val="200"/>
-              </a:spcBef>
-              <a:buFontTx/>
-              <a:buNone/>
-            </a:pPr>
-            <a:r>
-              <a:rPr lang="en-US" sz="1800" dirty="0">
-                <a:latin typeface="Consolas" pitchFamily="49" charset="0"/>
-                <a:cs typeface="Consolas" pitchFamily="49" charset="0"/>
-              </a:rPr>
-              <a:t>        emit("LOAD " + </a:t>
-            </a:r>
-            <a:r>
-              <a:rPr lang="en-US" sz="1800" dirty="0" err="1">
-                <a:latin typeface="Consolas" pitchFamily="49" charset="0"/>
-                <a:cs typeface="Consolas" pitchFamily="49" charset="0"/>
-              </a:rPr>
-              <a:t>numBytes</a:t>
-            </a:r>
-            <a:r>
-              <a:rPr lang="en-US" sz="1800" dirty="0">
-                <a:latin typeface="Consolas" pitchFamily="49" charset="0"/>
-                <a:cs typeface="Consolas" pitchFamily="49" charset="0"/>
-              </a:rPr>
-              <a:t>);</a:t>
+              <a:t>      }</a:t>
             </a:r>
           </a:p>
           <a:p>
@@ -10932,7 +10775,7 @@
         </p:nvSpPr>
         <p:spPr>
           <a:xfrm>
-            <a:off x="458787" y="1363663"/>
+            <a:off x="381000" y="1363663"/>
             <a:ext cx="8503920" cy="4935537"/>
           </a:xfrm>
         </p:spPr>
@@ -11129,7 +10972,7 @@
               <a:rPr lang="en-US" sz="1750" dirty="0">
                 <a:latin typeface="Consolas" panose="020B0609020204030204" pitchFamily="49" charset="0"/>
               </a:rPr>
-              <a:t> VarDecl)</a:t>
+              <a:t> VarDecl varDecl)</a:t>
             </a:r>
           </a:p>
           <a:p>
@@ -11171,31 +11014,43 @@
               <a:rPr lang="en-US" sz="1750" dirty="0">
                 <a:latin typeface="Consolas" panose="020B0609020204030204" pitchFamily="49" charset="0"/>
               </a:rPr>
-              <a:t>            VarDecl </a:t>
+              <a:t>            for (</a:t>
             </a:r>
             <a:r>
               <a:rPr lang="en-US" sz="1750" dirty="0" err="1">
                 <a:latin typeface="Consolas" panose="020B0609020204030204" pitchFamily="49" charset="0"/>
               </a:rPr>
-              <a:t>varDecl</a:t>
+              <a:t>SingleVarDecl</a:t>
             </a:r>
             <a:r>
               <a:rPr lang="en-US" sz="1750" dirty="0">
                 <a:latin typeface="Consolas" panose="020B0609020204030204" pitchFamily="49" charset="0"/>
               </a:rPr>
-              <a:t> = (VarDecl) </a:t>
+              <a:t> </a:t>
             </a:r>
             <a:r>
               <a:rPr lang="en-US" sz="1750" dirty="0" err="1">
                 <a:latin typeface="Consolas" panose="020B0609020204030204" pitchFamily="49" charset="0"/>
               </a:rPr>
-              <a:t>decl</a:t>
+              <a:t>svDecl</a:t>
             </a:r>
             <a:r>
               <a:rPr lang="en-US" sz="1750" dirty="0">
                 <a:latin typeface="Consolas" panose="020B0609020204030204" pitchFamily="49" charset="0"/>
               </a:rPr>
-              <a:t>;</a:t>
+              <a:t> : </a:t>
+            </a:r>
+            <a:r>
+              <a:rPr lang="en-US" sz="1750" dirty="0" err="1">
+                <a:latin typeface="Consolas" panose="020B0609020204030204" pitchFamily="49" charset="0"/>
+              </a:rPr>
+              <a:t>varDecl.getSingleVarDecls</a:t>
+            </a:r>
+            <a:r>
+              <a:rPr lang="en-US" sz="1750" dirty="0">
+                <a:latin typeface="Consolas" panose="020B0609020204030204" pitchFamily="49" charset="0"/>
+              </a:rPr>
+              <a:t>())</a:t>
             </a:r>
           </a:p>
           <a:p>
@@ -11209,31 +11064,45 @@
               <a:rPr lang="en-US" sz="1750" dirty="0">
                 <a:latin typeface="Consolas" panose="020B0609020204030204" pitchFamily="49" charset="0"/>
               </a:rPr>
-              <a:t>            for (</a:t>
+              <a:t>              {</a:t>
+            </a:r>
+          </a:p>
+          <a:p>
+            <a:pPr marL="0" indent="0">
+              <a:spcBef>
+                <a:spcPts val="0"/>
+              </a:spcBef>
+              <a:buNone/>
+            </a:pPr>
+            <a:r>
+              <a:rPr lang="en-US" sz="1750" dirty="0">
+                <a:latin typeface="Consolas" panose="020B0609020204030204" pitchFamily="49" charset="0"/>
+              </a:rPr>
+              <a:t>                </a:t>
             </a:r>
             <a:r>
               <a:rPr lang="en-US" sz="1750" dirty="0" err="1">
                 <a:latin typeface="Consolas" panose="020B0609020204030204" pitchFamily="49" charset="0"/>
               </a:rPr>
-              <a:t>SingleVarDecl</a:t>
+              <a:t>svDecl.setRelAddr</a:t>
             </a:r>
             <a:r>
               <a:rPr lang="en-US" sz="1750" dirty="0">
                 <a:latin typeface="Consolas" panose="020B0609020204030204" pitchFamily="49" charset="0"/>
               </a:rPr>
-              <a:t> </a:t>
+              <a:t>(</a:t>
             </a:r>
             <a:r>
               <a:rPr lang="en-US" sz="1750" dirty="0" err="1">
                 <a:latin typeface="Consolas" panose="020B0609020204030204" pitchFamily="49" charset="0"/>
               </a:rPr>
-              <a:t>singleVarDecl</a:t>
+              <a:t>currentAddr</a:t>
             </a:r>
             <a:r>
               <a:rPr lang="en-US" sz="1750" dirty="0">
                 <a:latin typeface="Consolas" panose="020B0609020204030204" pitchFamily="49" charset="0"/>
               </a:rPr>
-              <a:t> :</a:t>
+              <a:t>);</a:t>
             </a:r>
           </a:p>
           <a:p>
@@ -11247,115 +11116,37 @@
               <a:rPr lang="en-US" sz="1750" dirty="0">
                 <a:latin typeface="Consolas" panose="020B0609020204030204" pitchFamily="49" charset="0"/>
               </a:rPr>
-              <a:t>                                        </a:t>
+              <a:t>                </a:t>
             </a:r>
             <a:r>
               <a:rPr lang="en-US" sz="1750" dirty="0" err="1">
                 <a:latin typeface="Consolas" panose="020B0609020204030204" pitchFamily="49" charset="0"/>
               </a:rPr>
-              <a:t>varDecl.getSingleVarDecls</a:t>
+              <a:t>currentAddr</a:t>
             </a:r>
             <a:r>
               <a:rPr lang="en-US" sz="1750" dirty="0">
                 <a:latin typeface="Consolas" panose="020B0609020204030204" pitchFamily="49" charset="0"/>
               </a:rPr>
-              <a:t>())</a:t>
-            </a:r>
-          </a:p>
-          <a:p>
-            <a:pPr marL="0" indent="0">
-              <a:spcBef>
-                <a:spcPts val="0"/>
-              </a:spcBef>
-              <a:buNone/>
-            </a:pPr>
+              <a:t> = </a:t>
+            </a:r>
+            <a:r>
+              <a:rPr lang="en-US" sz="1750" dirty="0" err="1">
+                <a:latin typeface="Consolas" panose="020B0609020204030204" pitchFamily="49" charset="0"/>
+              </a:rPr>
+              <a:t>currentAddr</a:t>
+            </a:r>
             <a:r>
               <a:rPr lang="en-US" sz="1750" dirty="0">
                 <a:latin typeface="Consolas" panose="020B0609020204030204" pitchFamily="49" charset="0"/>
               </a:rPr>
-              <a:t>              {</a:t>
-            </a:r>
-          </a:p>
-          <a:p>
-            <a:pPr marL="0" indent="0">
-              <a:spcBef>
-                <a:spcPts val="0"/>
-              </a:spcBef>
-              <a:buNone/>
-            </a:pPr>
-            <a:r>
-              <a:rPr lang="en-US" sz="1750" dirty="0">
-                <a:latin typeface="Consolas" panose="020B0609020204030204" pitchFamily="49" charset="0"/>
-              </a:rPr>
-              <a:t>                </a:t>
+              <a:t> + </a:t>
             </a:r>
             <a:r>
               <a:rPr lang="en-US" sz="1750" dirty="0" err="1">
                 <a:latin typeface="Consolas" panose="020B0609020204030204" pitchFamily="49" charset="0"/>
               </a:rPr>
-              <a:t>singleVarDecl.setRelAddr</a:t>
-            </a:r>
-            <a:r>
-              <a:rPr lang="en-US" sz="1750" dirty="0">
-                <a:latin typeface="Consolas" panose="020B0609020204030204" pitchFamily="49" charset="0"/>
-              </a:rPr>
-              <a:t>(</a:t>
-            </a:r>
-            <a:r>
-              <a:rPr lang="en-US" sz="1750" dirty="0" err="1">
-                <a:latin typeface="Consolas" panose="020B0609020204030204" pitchFamily="49" charset="0"/>
-              </a:rPr>
-              <a:t>currentAddr</a:t>
-            </a:r>
-            <a:r>
-              <a:rPr lang="en-US" sz="1750" dirty="0">
-                <a:latin typeface="Consolas" panose="020B0609020204030204" pitchFamily="49" charset="0"/>
-              </a:rPr>
-              <a:t>);</a:t>
-            </a:r>
-          </a:p>
-          <a:p>
-            <a:pPr marL="0" indent="0">
-              <a:spcBef>
-                <a:spcPts val="0"/>
-              </a:spcBef>
-              <a:buNone/>
-            </a:pPr>
-            <a:r>
-              <a:rPr lang="en-US" sz="1750" dirty="0">
-                <a:latin typeface="Consolas" panose="020B0609020204030204" pitchFamily="49" charset="0"/>
-              </a:rPr>
-              <a:t>                </a:t>
-            </a:r>
-            <a:r>
-              <a:rPr lang="en-US" sz="1750" dirty="0" err="1">
-                <a:latin typeface="Consolas" panose="020B0609020204030204" pitchFamily="49" charset="0"/>
-              </a:rPr>
-              <a:t>currentAddr</a:t>
-            </a:r>
-            <a:r>
-              <a:rPr lang="en-US" sz="1750" dirty="0">
-                <a:latin typeface="Consolas" panose="020B0609020204030204" pitchFamily="49" charset="0"/>
-              </a:rPr>
-              <a:t> = </a:t>
-            </a:r>
-            <a:r>
-              <a:rPr lang="en-US" sz="1750" dirty="0" err="1">
-                <a:latin typeface="Consolas" panose="020B0609020204030204" pitchFamily="49" charset="0"/>
-              </a:rPr>
-              <a:t>currentAddr</a:t>
-            </a:r>
-            <a:r>
-              <a:rPr lang="en-US" sz="1750" dirty="0">
-                <a:latin typeface="Consolas" panose="020B0609020204030204" pitchFamily="49" charset="0"/>
-              </a:rPr>
-              <a:t> + </a:t>
-            </a:r>
-            <a:r>
-              <a:rPr lang="en-US" sz="1750" dirty="0" err="1">
-                <a:latin typeface="Consolas" panose="020B0609020204030204" pitchFamily="49" charset="0"/>
-              </a:rPr>
-              <a:t>singleVarDecl.getSize</a:t>
+              <a:t>svDecl.getSize</a:t>
             </a:r>
             <a:r>
               <a:rPr lang="en-US" sz="1750" dirty="0">
@@ -12708,7 +12499,7 @@
                 <a:latin typeface="Consolas" pitchFamily="49" charset="0"/>
                 <a:cs typeface="Consolas" pitchFamily="49" charset="0"/>
               </a:rPr>
-              <a:t>    Type </a:t>
+              <a:t>    var </a:t>
             </a:r>
             <a:r>
               <a:rPr lang="en-US" sz="1800" dirty="0" err="1">
@@ -14209,101 +14000,13 @@
                 <a:latin typeface="Consolas" pitchFamily="49" charset="0"/>
                 <a:cs typeface="Consolas" pitchFamily="49" charset="0"/>
               </a:rPr>
-              <a:t>    Expression </a:t>
+              <a:t>    var </a:t>
             </a:r>
             <a:r>
               <a:rPr lang="en-US" sz="1800" dirty="0" err="1">
                 <a:latin typeface="Consolas" pitchFamily="49" charset="0"/>
                 <a:cs typeface="Consolas" pitchFamily="49" charset="0"/>
               </a:rPr>
-              <a:t>leftOperand</a:t>
-            </a:r>
-            <a:r>
-              <a:rPr lang="en-US" sz="1800" dirty="0">
-                <a:latin typeface="Consolas" pitchFamily="49" charset="0"/>
-                <a:cs typeface="Consolas" pitchFamily="49" charset="0"/>
-              </a:rPr>
-              <a:t>  = </a:t>
-            </a:r>
-            <a:r>
-              <a:rPr lang="en-US" sz="1800" dirty="0" err="1">
-                <a:latin typeface="Consolas" pitchFamily="49" charset="0"/>
-                <a:cs typeface="Consolas" pitchFamily="49" charset="0"/>
-              </a:rPr>
-              <a:t>getLeftOperand</a:t>
-            </a:r>
-            <a:r>
-              <a:rPr lang="en-US" sz="1800" dirty="0">
-                <a:latin typeface="Consolas" pitchFamily="49" charset="0"/>
-                <a:cs typeface="Consolas" pitchFamily="49" charset="0"/>
-              </a:rPr>
-              <a:t>();</a:t>
-            </a:r>
-          </a:p>
-          <a:p>
-            <a:pPr marL="274320" indent="0">
-              <a:spcBef>
-                <a:spcPts val="100"/>
-              </a:spcBef>
-              <a:buFontTx/>
-              <a:buNone/>
-            </a:pPr>
-            <a:r>
-              <a:rPr lang="en-US" sz="1800" dirty="0">
-                <a:latin typeface="Consolas" pitchFamily="49" charset="0"/>
-                <a:cs typeface="Consolas" pitchFamily="49" charset="0"/>
-              </a:rPr>
-              <a:t>    Expression </a:t>
-            </a:r>
-            <a:r>
-              <a:rPr lang="en-US" sz="1800" dirty="0" err="1">
-                <a:latin typeface="Consolas" pitchFamily="49" charset="0"/>
-                <a:cs typeface="Consolas" pitchFamily="49" charset="0"/>
-              </a:rPr>
-              <a:t>rightOperand</a:t>
-            </a:r>
-            <a:r>
-              <a:rPr lang="en-US" sz="1800" dirty="0">
-                <a:latin typeface="Consolas" pitchFamily="49" charset="0"/>
-                <a:cs typeface="Consolas" pitchFamily="49" charset="0"/>
-              </a:rPr>
-              <a:t> = </a:t>
-            </a:r>
-            <a:r>
-              <a:rPr lang="en-US" sz="1800" dirty="0" err="1">
-                <a:latin typeface="Consolas" pitchFamily="49" charset="0"/>
-                <a:cs typeface="Consolas" pitchFamily="49" charset="0"/>
-              </a:rPr>
-              <a:t>getRightOperand</a:t>
-            </a:r>
-            <a:r>
-              <a:rPr lang="en-US" sz="1800" dirty="0">
-                <a:latin typeface="Consolas" pitchFamily="49" charset="0"/>
-                <a:cs typeface="Consolas" pitchFamily="49" charset="0"/>
-              </a:rPr>
-              <a:t>();</a:t>
-            </a:r>
-          </a:p>
-          <a:p>
-            <a:pPr marL="274320" indent="0">
-              <a:spcBef>
-                <a:spcPts val="100"/>
-              </a:spcBef>
-              <a:buFontTx/>
-              <a:buNone/>
-            </a:pPr>
-            <a:r>
-              <a:rPr lang="en-US" sz="1800" dirty="0">
-                <a:latin typeface="Consolas" pitchFamily="49" charset="0"/>
-                <a:cs typeface="Consolas" pitchFamily="49" charset="0"/>
-              </a:rPr>
-              <a:t>    Symbol     </a:t>
-            </a:r>
-            <a:r>
-              <a:rPr lang="en-US" sz="1800" dirty="0" err="1">
-                <a:latin typeface="Consolas" pitchFamily="49" charset="0"/>
-                <a:cs typeface="Consolas" pitchFamily="49" charset="0"/>
-              </a:rPr>
               <a:t>operatorSym</a:t>
             </a:r>
             <a:r>
@@ -14311,21 +14014,7 @@
                 <a:latin typeface="Consolas" pitchFamily="49" charset="0"/>
                 <a:cs typeface="Consolas" pitchFamily="49" charset="0"/>
               </a:rPr>
-              <a:t>  = </a:t>
-            </a:r>
-            <a:r>
-              <a:rPr lang="en-US" sz="1800" dirty="0" err="1">
-                <a:latin typeface="Consolas" pitchFamily="49" charset="0"/>
-                <a:cs typeface="Consolas" pitchFamily="49" charset="0"/>
-              </a:rPr>
-              <a:t>getOperator</a:t>
-            </a:r>
-            <a:r>
-              <a:rPr lang="en-US" sz="1800" dirty="0">
-                <a:latin typeface="Consolas" pitchFamily="49" charset="0"/>
-                <a:cs typeface="Consolas" pitchFamily="49" charset="0"/>
-              </a:rPr>
-              <a:t>().</a:t>
+              <a:t> = getOperator().</a:t>
             </a:r>
             <a:r>
               <a:rPr lang="en-US" sz="1800" dirty="0" err="1">
@@ -14375,7 +14064,7 @@
                 <a:latin typeface="Consolas" pitchFamily="49" charset="0"/>
                 <a:cs typeface="Consolas" pitchFamily="49" charset="0"/>
               </a:rPr>
-              <a:t>leftOperand.emit</a:t>
+              <a:t>getLeftOperand.emit</a:t>
             </a:r>
             <a:r>
               <a:rPr lang="en-US" sz="1800" dirty="0">
@@ -14405,7 +14094,7 @@
                 <a:latin typeface="Consolas" pitchFamily="49" charset="0"/>
                 <a:cs typeface="Consolas" pitchFamily="49" charset="0"/>
               </a:rPr>
-              <a:t>rightOperand.emit</a:t>
+              <a:t>getRightOperand.emit</a:t>
             </a:r>
             <a:r>
               <a:rPr lang="en-US" sz="1800" dirty="0">
@@ -15543,8 +15232,8 @@
         </p:nvSpPr>
         <p:spPr>
           <a:xfrm>
-            <a:off x="1435565" y="4711005"/>
-            <a:ext cx="6272871" cy="1384995"/>
+            <a:off x="1149493" y="4863405"/>
+            <a:ext cx="6845015" cy="1384995"/>
           </a:xfrm>
           <a:prstGeom prst="rect">
             <a:avLst/>
@@ -15565,35 +15254,29 @@
             <a:pPr algn="l"/>
             <a:r>
               <a:rPr lang="en-US" sz="2100" dirty="0"/>
-              <a:t>Note: When the instruction </a:t>
-            </a:r>
-            <a:r>
-              <a:rPr lang="en-US" sz="2100" dirty="0">
-                <a:latin typeface="Consolas" panose="020B0609020204030204" pitchFamily="49" charset="0"/>
-              </a:rPr>
-              <a:t>BNZ L1</a:t>
-            </a:r>
+              <a:t>Note: When the branch instruction emitted above is</a:t>
+            </a:r>
+          </a:p>
+          <a:p>
+            <a:pPr algn="l"/>
             <a:r>
               <a:rPr lang="en-US" sz="2100" dirty="0"/>
-              <a:t> is executed, the</a:t>
-            </a:r>
-          </a:p>
-          <a:p>
-            <a:pPr algn="l"/>
+              <a:t>executed, the </a:t>
+            </a:r>
             <a:r>
               <a:rPr lang="en-US" sz="2100" dirty="0" err="1"/>
               <a:t>boolean</a:t>
             </a:r>
             <a:r>
               <a:rPr lang="en-US" sz="2100" dirty="0"/>
-              <a:t> value on the top of the stack is popped off.</a:t>
+              <a:t> value on the top of the stack is</a:t>
             </a:r>
           </a:p>
           <a:p>
             <a:pPr algn="l"/>
             <a:r>
               <a:rPr lang="en-US" sz="2100" dirty="0"/>
-              <a:t>The instruction </a:t>
+              <a:t>popped off.  The instruction </a:t>
             </a:r>
             <a:r>
               <a:rPr lang="en-US" sz="2100" dirty="0">
@@ -15603,14 +15286,14 @@
             </a:r>
             <a:r>
               <a:rPr lang="en-US" sz="2100" dirty="0"/>
-              <a:t> is needed to restore the</a:t>
+              <a:t> is needed to restore</a:t>
             </a:r>
           </a:p>
           <a:p>
             <a:pPr algn="l"/>
             <a:r>
               <a:rPr lang="en-US" sz="2100" dirty="0"/>
-              <a:t>expression value </a:t>
+              <a:t>the expression value </a:t>
             </a:r>
             <a:r>
               <a:rPr lang="en-US" sz="2100" dirty="0">
@@ -17846,22 +17529,6 @@
                 <a:latin typeface="Consolas" pitchFamily="49" charset="0"/>
                 <a:cs typeface="Consolas" pitchFamily="49" charset="0"/>
               </a:rPr>
-              <a:t>    // L1:</a:t>
-            </a:r>
-          </a:p>
-          <a:p>
-            <a:pPr marL="182880" indent="0">
-              <a:spcBef>
-                <a:spcPts val="100"/>
-              </a:spcBef>
-              <a:buFontTx/>
-              <a:buNone/>
-            </a:pPr>
-            <a:r>
-              <a:rPr lang="en-US" sz="1800" dirty="0">
-                <a:latin typeface="Consolas" pitchFamily="49" charset="0"/>
-                <a:cs typeface="Consolas" pitchFamily="49" charset="0"/>
-              </a:rPr>
               <a:t>    </a:t>
             </a:r>
             <a:r>
@@ -18023,22 +17690,6 @@
               <a:latin typeface="Consolas" pitchFamily="49" charset="0"/>
               <a:cs typeface="Consolas" pitchFamily="49" charset="0"/>
             </a:endParaRPr>
-          </a:p>
-          <a:p>
-            <a:pPr marL="182880" indent="0">
-              <a:spcBef>
-                <a:spcPts val="100"/>
-              </a:spcBef>
-              <a:buFontTx/>
-              <a:buNone/>
-            </a:pPr>
-            <a:r>
-              <a:rPr lang="en-US" sz="1800" dirty="0">
-                <a:latin typeface="Consolas" pitchFamily="49" charset="0"/>
-                <a:cs typeface="Consolas" pitchFamily="49" charset="0"/>
-              </a:rPr>
-              <a:t>    // L2:</a:t>
-            </a:r>
           </a:p>
           <a:p>
             <a:pPr marL="182880" indent="0">
@@ -18880,7 +18531,7 @@
               <a:rPr lang="en-US" sz="1800" dirty="0">
                 <a:latin typeface="Consolas" panose="020B0609020204030204" pitchFamily="49" charset="0"/>
               </a:rPr>
-              <a:t>    String </a:t>
+              <a:t>    var </a:t>
             </a:r>
             <a:r>
               <a:rPr lang="en-US" sz="1800" dirty="0" err="1">
@@ -19720,7 +19371,7 @@
             </a:r>
             <a:r>
               <a:rPr lang="en-US" sz="2350" dirty="0"/>
-              <a:t> methods, most of the AST classes delegate some or all code generation to component classes within the tree (structural references only).</a:t>
+              <a:t> methods, most of the AST classes delegate some or all code generation to component classes within the tree.</a:t>
             </a:r>
           </a:p>
           <a:p>
@@ -22387,7 +22038,37 @@
             <a:pPr lvl="1"/>
             <a:r>
               <a:rPr lang="en-US" dirty="0"/>
-              <a:t>e. g., BR L5 could translate to branch -12 (backward 12 bytes)</a:t>
+              <a:t>e. g., </a:t>
+            </a:r>
+            <a:r>
+              <a:rPr lang="en-US" dirty="0">
+                <a:latin typeface="Consolas" panose="020B0609020204030204" pitchFamily="49" charset="0"/>
+              </a:rPr>
+              <a:t>BR L5</a:t>
+            </a:r>
+            <a:r>
+              <a:rPr lang="en-US" dirty="0"/>
+              <a:t> could translate to branch </a:t>
+            </a:r>
+            <a:r>
+              <a:rPr lang="en-US" dirty="0">
+                <a:latin typeface="Consolas" panose="020B0609020204030204" pitchFamily="49" charset="0"/>
+              </a:rPr>
+              <a:t>-12</a:t>
+            </a:r>
+            <a:r>
+              <a:rPr lang="en-US" dirty="0"/>
+              <a:t> (backward </a:t>
+            </a:r>
+            <a:r>
+              <a:rPr lang="en-US" dirty="0">
+                <a:latin typeface="Consolas" panose="020B0609020204030204" pitchFamily="49" charset="0"/>
+              </a:rPr>
+              <a:t>12</a:t>
+            </a:r>
+            <a:r>
+              <a:rPr lang="en-US" dirty="0"/>
+              <a:t> bytes)</a:t>
             </a:r>
           </a:p>
         </p:txBody>
@@ -22620,7 +22301,7 @@
               <a:t>Labels are strings of the form “</a:t>
             </a:r>
             <a:r>
-              <a:rPr lang="en-US" dirty="0">
+              <a:rPr lang="en-US" sz="2200" dirty="0">
                 <a:latin typeface="Consolas" panose="020B0609020204030204" pitchFamily="49" charset="0"/>
               </a:rPr>
               <a:t>L1</a:t>
@@ -22630,7 +22311,7 @@
               <a:t>”, “</a:t>
             </a:r>
             <a:r>
-              <a:rPr lang="en-US" dirty="0">
+              <a:rPr lang="en-US" sz="2200" dirty="0">
                 <a:latin typeface="Consolas" panose="020B0609020204030204" pitchFamily="49" charset="0"/>
               </a:rPr>
               <a:t>L2</a:t>
@@ -22640,7 +22321,7 @@
               <a:t>”, “</a:t>
             </a:r>
             <a:r>
-              <a:rPr lang="en-US" dirty="0">
+              <a:rPr lang="en-US" sz="2200" dirty="0">
                 <a:latin typeface="Consolas" panose="020B0609020204030204" pitchFamily="49" charset="0"/>
               </a:rPr>
               <a:t>L3</a:t>
@@ -22963,7 +22644,17 @@
             <a:pPr algn="l"/>
             <a:r>
               <a:rPr lang="en-US" sz="2200" dirty="0"/>
-              <a:t>and L2 could be different; e.g., “</a:t>
+              <a:t>and </a:t>
+            </a:r>
+            <a:r>
+              <a:rPr lang="en-US" sz="2200" dirty="0">
+                <a:latin typeface="Consolas" panose="020B0609020204030204" pitchFamily="49" charset="0"/>
+              </a:rPr>
+              <a:t>L2</a:t>
+            </a:r>
+            <a:r>
+              <a:rPr lang="en-US" sz="2200" dirty="0"/>
+              <a:t> could be different; e.g., “</a:t>
             </a:r>
             <a:r>
               <a:rPr lang="en-US" sz="2200" dirty="0">

--- a/PowerPoints/11 - Code Generation.pptx
+++ b/PowerPoints/11 - Code Generation.pptx
@@ -8573,7 +8573,7 @@
               <a:rPr lang="en-US" sz="1800" dirty="0">
                 <a:latin typeface="Consolas" panose="020B0609020204030204" pitchFamily="49" charset="0"/>
               </a:rPr>
-              <a:t>    emit();  // leaves </a:t>
+              <a:t>    emit();   // leaves </a:t>
             </a:r>
             <a:r>
               <a:rPr lang="en-US" sz="1800" dirty="0" err="1">
@@ -9726,6 +9726,54 @@
               <a:t>19</a:t>
             </a:fld>
             <a:endParaRPr lang="en-US"/>
+          </a:p>
+        </p:txBody>
+      </p:sp>
+      <p:sp>
+        <p:nvSpPr>
+          <p:cNvPr id="6" name="TextBox 5">
+            <a:extLst>
+              <a:ext uri="{FF2B5EF4-FFF2-40B4-BE49-F238E27FC236}">
+                <a16:creationId xmlns:a16="http://schemas.microsoft.com/office/drawing/2014/main" id="{0C5F3820-DF8A-1857-9D11-4597D30DDA2F}"/>
+              </a:ext>
+            </a:extLst>
+          </p:cNvPr>
+          <p:cNvSpPr txBox="1"/>
+          <p:nvPr/>
+        </p:nvSpPr>
+        <p:spPr>
+          <a:xfrm>
+            <a:off x="875315" y="5257800"/>
+            <a:ext cx="7393371" cy="769441"/>
+          </a:xfrm>
+          <a:prstGeom prst="rect">
+            <a:avLst/>
+          </a:prstGeom>
+          <a:noFill/>
+          <a:ln>
+            <a:solidFill>
+              <a:schemeClr val="tx1"/>
+            </a:solidFill>
+          </a:ln>
+        </p:spPr>
+        <p:txBody>
+          <a:bodyPr wrap="none" rtlCol="0">
+            <a:spAutoFit/>
+          </a:bodyPr>
+          <a:lstStyle/>
+          <a:p>
+            <a:pPr algn="l"/>
+            <a:r>
+              <a:rPr lang="en-US" sz="2200" dirty="0"/>
+              <a:t>Both methods assume that the target address for the load</a:t>
+            </a:r>
+          </a:p>
+          <a:p>
+            <a:pPr algn="l"/>
+            <a:r>
+              <a:rPr lang="en-US" sz="2200" dirty="0"/>
+              <a:t>or store instruction is already on the top of the stack.</a:t>
+            </a:r>
           </a:p>
         </p:txBody>
       </p:sp>

--- a/PowerPoints/11 - Code Generation.pptx
+++ b/PowerPoints/11 - Code Generation.pptx
@@ -1,6 +1,6 @@
 
 <file path=ppt/presentation.xml><?xml version="1.0" encoding="utf-8"?>
-<p:presentation xmlns:a="http://schemas.openxmlformats.org/drawingml/2006/main" xmlns:r="http://schemas.openxmlformats.org/officeDocument/2006/relationships" xmlns:p="http://schemas.openxmlformats.org/presentationml/2006/main" saveSubsetFonts="1">
+<p:presentation xmlns:a="http://schemas.openxmlformats.org/drawingml/2006/main" xmlns:r="http://schemas.openxmlformats.org/officeDocument/2006/relationships" xmlns:p="http://schemas.openxmlformats.org/presentationml/2006/main" saveSubsetFonts="1" autoCompressPictures="0">
   <p:sldMasterIdLst>
     <p:sldMasterId id="2147483651" r:id="rId1"/>
   </p:sldMasterIdLst>
@@ -7761,7 +7761,7 @@
             </a:r>
             <a:r>
               <a:rPr lang="en-US" dirty="0"/>
-              <a:t>, we want to generate code to jump over the statements in the body of the loop; i.e., we want to generate code similar to the following.</a:t>
+              <a:t>, we want to generate code to jump over the statement in the body of the loop; i.e., we want to generate code similar to the following.</a:t>
             </a:r>
             <a:br>
               <a:rPr lang="en-US" dirty="0"/>
@@ -8002,7 +8002,7 @@
               <a:rPr lang="en-US" sz="2000" dirty="0">
                 <a:latin typeface="Consolas" panose="020B0609020204030204" pitchFamily="49" charset="0"/>
               </a:rPr>
-              <a:t>  BG L1</a:t>
+              <a:t>  BLE L1</a:t>
             </a:r>
           </a:p>
         </p:txBody>
@@ -10063,7 +10063,7 @@
               <a:rPr lang="en-US" dirty="0">
                 <a:latin typeface="Consolas" panose="020B0609020204030204" pitchFamily="49" charset="0"/>
               </a:rPr>
-              <a:t>LOAD  </a:t>
+              <a:t>LOAD n</a:t>
             </a:r>
             <a:r>
               <a:rPr lang="en-US" dirty="0"/>
@@ -12129,14 +12129,14 @@
             <a:pPr lvl="2"/>
             <a:r>
               <a:rPr lang="en-US" dirty="0"/>
-              <a:t>4 for the length of the string</a:t>
+              <a:t>4 for the length of the string plus</a:t>
             </a:r>
           </a:p>
           <a:p>
             <a:pPr lvl="2"/>
             <a:r>
               <a:rPr lang="en-US" dirty="0"/>
-              <a:t>2 for each character plus</a:t>
+              <a:t>2 for each character</a:t>
             </a:r>
           </a:p>
         </p:txBody>
@@ -13082,7 +13082,16 @@
             <a:pPr lvl="1"/>
             <a:r>
               <a:rPr lang="en-US" dirty="0"/>
-              <a:t>no arrays, strings, or records</a:t>
+              <a:t>no array, string, or record types</a:t>
+            </a:r>
+          </a:p>
+          <a:p>
+            <a:pPr marL="914400" lvl="2" indent="0">
+              <a:buNone/>
+            </a:pPr>
+            <a:r>
+              <a:rPr lang="en-US" dirty="0"/>
+              <a:t>(but string literals are allowed)</a:t>
             </a:r>
           </a:p>
           <a:p>
@@ -14981,18 +14990,18 @@
           <a:lstStyle/>
           <a:p>
             <a:r>
-              <a:rPr lang="en-US" dirty="0"/>
-              <a:t>CPRL Code Template for Logical </a:t>
-            </a:r>
-            <a:r>
-              <a:rPr lang="en-US" dirty="0">
+              <a:rPr lang="en-US" sz="2700" dirty="0"/>
+              <a:t>CPRL Code Template for Logical operator </a:t>
+            </a:r>
+            <a:r>
+              <a:rPr lang="en-US" sz="2700" dirty="0">
                 <a:latin typeface="Consolas" pitchFamily="49" charset="0"/>
                 <a:cs typeface="Consolas" pitchFamily="49" charset="0"/>
               </a:rPr>
               <a:t>and</a:t>
             </a:r>
             <a:br>
-              <a:rPr lang="en-US" dirty="0"/>
+              <a:rPr lang="en-US" sz="2700" dirty="0"/>
             </a:br>
             <a:r>
               <a:rPr lang="en-US" sz="2400" dirty="0"/>
@@ -22073,7 +22082,27 @@
             <a:pPr lvl="1"/>
             <a:r>
               <a:rPr lang="en-US" dirty="0"/>
-              <a:t>An if statement with an else part needs to branch to the else part if the condition is false.  If the condition is true, it needs to execute the then statements and then branch over the else part.</a:t>
+              <a:t>An if statement with an </a:t>
+            </a:r>
+            <a:r>
+              <a:rPr lang="en-US" dirty="0">
+                <a:latin typeface="Consolas" panose="020B0609020204030204" pitchFamily="49" charset="0"/>
+              </a:rPr>
+              <a:t>else</a:t>
+            </a:r>
+            <a:r>
+              <a:rPr lang="en-US" dirty="0"/>
+              <a:t> part needs to branch to the else part if the condition is false.  If the condition is true, it needs to execute the </a:t>
+            </a:r>
+            <a:r>
+              <a:rPr lang="en-US" dirty="0">
+                <a:latin typeface="Consolas" panose="020B0609020204030204" pitchFamily="49" charset="0"/>
+              </a:rPr>
+              <a:t>then</a:t>
+            </a:r>
+            <a:r>
+              <a:rPr lang="en-US" dirty="0"/>
+              <a:t> statement and then branch over the else part.</a:t>
             </a:r>
           </a:p>
           <a:p>

--- a/PowerPoints/11 - Code Generation.pptx
+++ b/PowerPoints/11 - Code Generation.pptx
@@ -65,7 +65,7 @@
     <p:sldId id="306" r:id="rId53"/>
   </p:sldIdLst>
   <p:sldSz cx="9144000" cy="6858000" type="screen4x3"/>
-  <p:notesSz cx="7010400" cy="9296400"/>
+  <p:notesSz cx="7315200" cy="9601200"/>
   <p:defaultTextStyle>
     <a:defPPr>
       <a:defRPr lang="en-US"/>
@@ -208,12 +208,12 @@
     </p:ext>
     <p:ext uri="{2D200454-40CA-4A62-9FC3-DE9A4176ACB9}">
       <p15:notesGuideLst xmlns:p15="http://schemas.microsoft.com/office/powerpoint/2012/main">
-        <p15:guide id="1" orient="horz" pos="2928" userDrawn="1">
+        <p15:guide id="1" orient="horz" pos="3024" userDrawn="1">
           <p15:clr>
             <a:srgbClr val="A4A3A4"/>
           </p15:clr>
         </p15:guide>
-        <p15:guide id="2" pos="2208" userDrawn="1">
+        <p15:guide id="2" pos="2304" userDrawn="1">
           <p15:clr>
             <a:srgbClr val="A4A3A4"/>
           </p15:clr>
@@ -261,8 +261,8 @@
         </p:nvSpPr>
         <p:spPr bwMode="auto">
           <a:xfrm>
-            <a:off x="3971926" y="0"/>
-            <a:ext cx="3038475" cy="465138"/>
+            <a:off x="4144619" y="0"/>
+            <a:ext cx="3170583" cy="480388"/>
           </a:xfrm>
           <a:prstGeom prst="rect">
             <a:avLst/>
@@ -277,13 +277,13 @@
           <a:effectLst/>
         </p:spPr>
         <p:txBody>
-          <a:bodyPr vert="horz" wrap="square" lIns="93164" tIns="46582" rIns="93164" bIns="46582" numCol="1" anchor="t" anchorCtr="0" compatLnSpc="1">
+          <a:bodyPr vert="horz" wrap="square" lIns="96639" tIns="48320" rIns="96639" bIns="48320" numCol="1" anchor="t" anchorCtr="0" compatLnSpc="1">
             <a:prstTxWarp prst="textNoShape">
               <a:avLst/>
             </a:prstTxWarp>
           </a:bodyPr>
           <a:lstStyle>
-            <a:lvl1pPr algn="r" defTabSz="931726">
+            <a:lvl1pPr algn="r" defTabSz="966479">
               <a:defRPr sz="1200"/>
             </a:lvl1pPr>
           </a:lstStyle>
@@ -312,8 +312,8 @@
         </p:nvSpPr>
         <p:spPr bwMode="auto">
           <a:xfrm>
-            <a:off x="3971926" y="8831264"/>
-            <a:ext cx="3038475" cy="465137"/>
+            <a:off x="4144619" y="9120814"/>
+            <a:ext cx="3170583" cy="480387"/>
           </a:xfrm>
           <a:prstGeom prst="rect">
             <a:avLst/>
@@ -328,13 +328,13 @@
           <a:effectLst/>
         </p:spPr>
         <p:txBody>
-          <a:bodyPr vert="horz" wrap="square" lIns="93164" tIns="46582" rIns="93164" bIns="46582" numCol="1" anchor="b" anchorCtr="0" compatLnSpc="1">
+          <a:bodyPr vert="horz" wrap="square" lIns="96639" tIns="48320" rIns="96639" bIns="48320" numCol="1" anchor="b" anchorCtr="0" compatLnSpc="1">
             <a:prstTxWarp prst="textNoShape">
               <a:avLst/>
             </a:prstTxWarp>
           </a:bodyPr>
           <a:lstStyle>
-            <a:lvl1pPr algn="r" defTabSz="931726">
+            <a:lvl1pPr algn="r" defTabSz="966479">
               <a:defRPr sz="1200"/>
             </a:lvl1pPr>
           </a:lstStyle>
@@ -412,7 +412,7 @@
         <p:spPr bwMode="auto">
           <a:xfrm>
             <a:off x="1" y="0"/>
-            <a:ext cx="3038475" cy="465138"/>
+            <a:ext cx="3170583" cy="480388"/>
           </a:xfrm>
           <a:prstGeom prst="rect">
             <a:avLst/>
@@ -427,13 +427,13 @@
           <a:effectLst/>
         </p:spPr>
         <p:txBody>
-          <a:bodyPr vert="horz" wrap="square" lIns="93164" tIns="46582" rIns="93164" bIns="46582" numCol="1" anchor="t" anchorCtr="0" compatLnSpc="1">
+          <a:bodyPr vert="horz" wrap="square" lIns="96639" tIns="48320" rIns="96639" bIns="48320" numCol="1" anchor="t" anchorCtr="0" compatLnSpc="1">
             <a:prstTxWarp prst="textNoShape">
               <a:avLst/>
             </a:prstTxWarp>
           </a:bodyPr>
           <a:lstStyle>
-            <a:lvl1pPr algn="l" defTabSz="931726">
+            <a:lvl1pPr algn="l" defTabSz="966479">
               <a:defRPr sz="1200"/>
             </a:lvl1pPr>
           </a:lstStyle>
@@ -460,8 +460,8 @@
         </p:nvSpPr>
         <p:spPr bwMode="auto">
           <a:xfrm>
-            <a:off x="3971926" y="0"/>
-            <a:ext cx="3038475" cy="465138"/>
+            <a:off x="4144619" y="0"/>
+            <a:ext cx="3170583" cy="480388"/>
           </a:xfrm>
           <a:prstGeom prst="rect">
             <a:avLst/>
@@ -476,13 +476,13 @@
           <a:effectLst/>
         </p:spPr>
         <p:txBody>
-          <a:bodyPr vert="horz" wrap="square" lIns="93164" tIns="46582" rIns="93164" bIns="46582" numCol="1" anchor="t" anchorCtr="0" compatLnSpc="1">
+          <a:bodyPr vert="horz" wrap="square" lIns="96639" tIns="48320" rIns="96639" bIns="48320" numCol="1" anchor="t" anchorCtr="0" compatLnSpc="1">
             <a:prstTxWarp prst="textNoShape">
               <a:avLst/>
             </a:prstTxWarp>
           </a:bodyPr>
           <a:lstStyle>
-            <a:lvl1pPr algn="r" defTabSz="931726">
+            <a:lvl1pPr algn="r" defTabSz="966479">
               <a:defRPr sz="1200"/>
             </a:lvl1pPr>
           </a:lstStyle>
@@ -506,8 +506,8 @@
         </p:nvSpPr>
         <p:spPr bwMode="auto">
           <a:xfrm>
-            <a:off x="1181100" y="696913"/>
-            <a:ext cx="4648200" cy="3486150"/>
+            <a:off x="1257300" y="719138"/>
+            <a:ext cx="4800600" cy="3600450"/>
           </a:xfrm>
           <a:prstGeom prst="rect">
             <a:avLst/>
@@ -535,8 +535,8 @@
         </p:nvSpPr>
         <p:spPr bwMode="auto">
           <a:xfrm>
-            <a:off x="935039" y="4416426"/>
-            <a:ext cx="5140325" cy="4183063"/>
+            <a:off x="975694" y="4561227"/>
+            <a:ext cx="5363817" cy="4320213"/>
           </a:xfrm>
           <a:prstGeom prst="rect">
             <a:avLst/>
@@ -551,7 +551,7 @@
           <a:effectLst/>
         </p:spPr>
         <p:txBody>
-          <a:bodyPr vert="horz" wrap="square" lIns="93164" tIns="46582" rIns="93164" bIns="46582" numCol="1" anchor="t" anchorCtr="0" compatLnSpc="1">
+          <a:bodyPr vert="horz" wrap="square" lIns="96639" tIns="48320" rIns="96639" bIns="48320" numCol="1" anchor="t" anchorCtr="0" compatLnSpc="1">
             <a:prstTxWarp prst="textNoShape">
               <a:avLst/>
             </a:prstTxWarp>
@@ -606,8 +606,8 @@
         </p:nvSpPr>
         <p:spPr bwMode="auto">
           <a:xfrm>
-            <a:off x="1" y="8831264"/>
-            <a:ext cx="3038475" cy="465137"/>
+            <a:off x="1" y="9120814"/>
+            <a:ext cx="3170583" cy="480387"/>
           </a:xfrm>
           <a:prstGeom prst="rect">
             <a:avLst/>
@@ -622,13 +622,13 @@
           <a:effectLst/>
         </p:spPr>
         <p:txBody>
-          <a:bodyPr vert="horz" wrap="square" lIns="93164" tIns="46582" rIns="93164" bIns="46582" numCol="1" anchor="b" anchorCtr="0" compatLnSpc="1">
+          <a:bodyPr vert="horz" wrap="square" lIns="96639" tIns="48320" rIns="96639" bIns="48320" numCol="1" anchor="b" anchorCtr="0" compatLnSpc="1">
             <a:prstTxWarp prst="textNoShape">
               <a:avLst/>
             </a:prstTxWarp>
           </a:bodyPr>
           <a:lstStyle>
-            <a:lvl1pPr algn="l" defTabSz="931726">
+            <a:lvl1pPr algn="l" defTabSz="966479">
               <a:defRPr sz="1200"/>
             </a:lvl1pPr>
           </a:lstStyle>
@@ -652,8 +652,8 @@
         </p:nvSpPr>
         <p:spPr bwMode="auto">
           <a:xfrm>
-            <a:off x="3971926" y="8831264"/>
-            <a:ext cx="3038475" cy="465137"/>
+            <a:off x="4144619" y="9120814"/>
+            <a:ext cx="3170583" cy="480387"/>
           </a:xfrm>
           <a:prstGeom prst="rect">
             <a:avLst/>
@@ -668,13 +668,13 @@
           <a:effectLst/>
         </p:spPr>
         <p:txBody>
-          <a:bodyPr vert="horz" wrap="square" lIns="93164" tIns="46582" rIns="93164" bIns="46582" numCol="1" anchor="b" anchorCtr="0" compatLnSpc="1">
+          <a:bodyPr vert="horz" wrap="square" lIns="96639" tIns="48320" rIns="96639" bIns="48320" numCol="1" anchor="b" anchorCtr="0" compatLnSpc="1">
             <a:prstTxWarp prst="textNoShape">
               <a:avLst/>
             </a:prstTxWarp>
           </a:bodyPr>
           <a:lstStyle>
-            <a:lvl1pPr algn="r" defTabSz="931726">
+            <a:lvl1pPr algn="r" defTabSz="966479">
               <a:defRPr sz="1200"/>
             </a:lvl1pPr>
           </a:lstStyle>
@@ -11655,7 +11655,7 @@
             </a:r>
             <a:r>
               <a:rPr lang="en-US" dirty="0"/>
-              <a:t>, all variables can use this instruction since they all have PROGRAM scope.</a:t>
+              <a:t>, all variables can use this instruction since they all have GLOBAL scope.</a:t>
             </a:r>
           </a:p>
           <a:p>
@@ -11946,7 +11946,7 @@
               <a:rPr lang="en-US" dirty="0">
                 <a:latin typeface="Consolas" panose="020B0609020204030204" pitchFamily="49" charset="0"/>
               </a:rPr>
-              <a:t>SUBPROGRAM</a:t>
+              <a:t>LOCAL</a:t>
             </a:r>
             <a:r>
               <a:rPr lang="en-US" dirty="0"/>

--- a/PowerPoints/11 - Code Generation.pptx
+++ b/PowerPoints/11 - Code Generation.pptx
@@ -19090,7 +19090,7 @@
                 <a:latin typeface="Consolas" pitchFamily="49" charset="0"/>
                 <a:cs typeface="Consolas" pitchFamily="49" charset="0"/>
               </a:rPr>
-              <a:t>    ...  //     emit label L2:</a:t>
+              <a:t>L2:</a:t>
             </a:r>
           </a:p>
         </p:txBody>

--- a/PowerPoints/11 - Code Generation.pptx
+++ b/PowerPoints/11 - Code Generation.pptx
@@ -8002,8 +8002,17 @@
               <a:rPr lang="en-US" sz="2000" dirty="0">
                 <a:latin typeface="Consolas" panose="020B0609020204030204" pitchFamily="49" charset="0"/>
               </a:rPr>
-              <a:t>  BLE L1</a:t>
-            </a:r>
+              <a:t>  </a:t>
+            </a:r>
+            <a:r>
+              <a:rPr lang="en-US" sz="2000">
+                <a:latin typeface="Consolas" panose="020B0609020204030204" pitchFamily="49" charset="0"/>
+              </a:rPr>
+              <a:t>BLE L2</a:t>
+            </a:r>
+            <a:endParaRPr lang="en-US" sz="2000" dirty="0">
+              <a:latin typeface="Consolas" panose="020B0609020204030204" pitchFamily="49" charset="0"/>
+            </a:endParaRPr>
           </a:p>
         </p:txBody>
       </p:sp>

--- a/PowerPoints/11 - Code Generation.pptx
+++ b/PowerPoints/11 - Code Generation.pptx
@@ -21794,24 +21794,29 @@
             <p:ph idx="1"/>
           </p:nvPr>
         </p:nvSpPr>
-        <p:spPr/>
-        <p:txBody>
-          <a:bodyPr/>
-          <a:lstStyle/>
-          <a:p>
-            <a:r>
-              <a:rPr lang="en-US" sz="2350" dirty="0"/>
+        <p:spPr>
+          <a:xfrm>
+            <a:off x="458788" y="1363663"/>
+            <a:ext cx="8321040" cy="4935537"/>
+          </a:xfrm>
+        </p:spPr>
+        <p:txBody>
+          <a:bodyPr/>
+          <a:lstStyle/>
+          <a:p>
+            <a:r>
+              <a:rPr lang="en-US" dirty="0"/>
               <a:t>Class </a:t>
             </a:r>
             <a:r>
-              <a:rPr lang="en-US" sz="2350" dirty="0">
+              <a:rPr lang="en-US" dirty="0">
                 <a:latin typeface="Consolas" pitchFamily="49" charset="0"/>
                 <a:cs typeface="Consolas" pitchFamily="49" charset="0"/>
               </a:rPr>
               <a:t>AST</a:t>
             </a:r>
             <a:r>
-              <a:rPr lang="en-US" sz="2350" dirty="0"/>
+              <a:rPr lang="en-US" dirty="0"/>
               <a:t> defines four methods that write assembly language to the target file.</a:t>
             </a:r>
           </a:p>
@@ -21920,34 +21925,23 @@
           </a:p>
           <a:p>
             <a:r>
-              <a:rPr lang="en-US" sz="2350" dirty="0"/>
-              <a:t>Since all AST classes are subclasses (either directly or indirectly) of class </a:t>
-            </a:r>
-            <a:r>
-              <a:rPr lang="en-US" sz="2350" dirty="0">
-                <a:latin typeface="Consolas" pitchFamily="49" charset="0"/>
-                <a:cs typeface="Consolas" pitchFamily="49" charset="0"/>
-              </a:rPr>
-              <a:t>AST</a:t>
-            </a:r>
-            <a:r>
-              <a:rPr lang="en-US" sz="2350" dirty="0"/>
-              <a:t>, then all AST classes inherit these code-generation methods.</a:t>
-            </a:r>
-          </a:p>
-          <a:p>
-            <a:r>
-              <a:rPr lang="en-US" sz="2350" dirty="0"/>
+              <a:rPr lang="en-US" dirty="0"/>
+              <a:t>All AST classes inherit these code-generation methods.</a:t>
+            </a:r>
+          </a:p>
+          <a:p>
+            <a:r>
+              <a:rPr lang="en-US" dirty="0"/>
               <a:t>All </a:t>
             </a:r>
             <a:r>
-              <a:rPr lang="en-US" sz="2350" dirty="0">
+              <a:rPr lang="en-US" dirty="0">
                 <a:latin typeface="Consolas" panose="020B0609020204030204" pitchFamily="49" charset="0"/>
               </a:rPr>
               <a:t>emit()</a:t>
             </a:r>
             <a:r>
-              <a:rPr lang="en-US" sz="2350" dirty="0"/>
+              <a:rPr lang="en-US" dirty="0"/>
               <a:t> methods involved in code generation must call one or more of these methods, or they must call another method that calls one or more of these methods, to write out the assembly language during code generation.</a:t>
             </a:r>
           </a:p>

--- a/PowerPoints/11 - Code Generation.pptx
+++ b/PowerPoints/11 - Code Generation.pptx
@@ -12325,7 +12325,7 @@
                 <a:latin typeface="Consolas" pitchFamily="49" charset="0"/>
                 <a:cs typeface="Consolas" pitchFamily="49" charset="0"/>
               </a:rPr>
-              <a:t>getLiteralIntValue</a:t>
+              <a:t>getIntValue</a:t>
             </a:r>
             <a:r>
               <a:rPr lang="en-US" dirty="0">
@@ -12664,7 +12664,7 @@
                 <a:latin typeface="Consolas" pitchFamily="49" charset="0"/>
                 <a:cs typeface="Consolas" pitchFamily="49" charset="0"/>
               </a:rPr>
-              <a:t>getLiteralIntValue</a:t>
+              <a:t>getIntValue</a:t>
             </a:r>
             <a:r>
               <a:rPr lang="en-US" sz="1800" dirty="0">
@@ -12731,7 +12731,21 @@
                 <a:latin typeface="Consolas" pitchFamily="49" charset="0"/>
                 <a:cs typeface="Consolas" pitchFamily="49" charset="0"/>
               </a:rPr>
-              <a:t>        emit("LDCB " + getLiteralIntValue());</a:t>
+              <a:t>        emit("LDCB " + </a:t>
+            </a:r>
+            <a:r>
+              <a:rPr lang="en-US" sz="1800">
+                <a:latin typeface="Consolas" pitchFamily="49" charset="0"/>
+                <a:cs typeface="Consolas" pitchFamily="49" charset="0"/>
+              </a:rPr>
+              <a:t>getIntValue</a:t>
+            </a:r>
+            <a:r>
+              <a:rPr lang="en-US" sz="1800" dirty="0">
+                <a:latin typeface="Consolas" pitchFamily="49" charset="0"/>
+                <a:cs typeface="Consolas" pitchFamily="49" charset="0"/>
+              </a:rPr>
+              <a:t>());</a:t>
             </a:r>
           </a:p>
           <a:p>

--- a/PowerPoints/11 - Code Generation.pptx
+++ b/PowerPoints/11 - Code Generation.pptx
@@ -5,10 +5,10 @@
     <p:sldMasterId id="2147483651" r:id="rId1"/>
   </p:sldMasterIdLst>
   <p:notesMasterIdLst>
-    <p:notesMasterId r:id="rId54"/>
+    <p:notesMasterId r:id="rId55"/>
   </p:notesMasterIdLst>
   <p:handoutMasterIdLst>
-    <p:handoutMasterId r:id="rId55"/>
+    <p:handoutMasterId r:id="rId56"/>
   </p:handoutMasterIdLst>
   <p:sldIdLst>
     <p:sldId id="256" r:id="rId2"/>
@@ -42,27 +42,28 @@
     <p:sldId id="272" r:id="rId30"/>
     <p:sldId id="274" r:id="rId31"/>
     <p:sldId id="300" r:id="rId32"/>
-    <p:sldId id="273" r:id="rId33"/>
-    <p:sldId id="275" r:id="rId34"/>
-    <p:sldId id="326" r:id="rId35"/>
-    <p:sldId id="276" r:id="rId36"/>
-    <p:sldId id="280" r:id="rId37"/>
-    <p:sldId id="281" r:id="rId38"/>
-    <p:sldId id="284" r:id="rId39"/>
-    <p:sldId id="290" r:id="rId40"/>
-    <p:sldId id="285" r:id="rId41"/>
-    <p:sldId id="288" r:id="rId42"/>
-    <p:sldId id="260" r:id="rId43"/>
-    <p:sldId id="319" r:id="rId44"/>
-    <p:sldId id="317" r:id="rId45"/>
-    <p:sldId id="286" r:id="rId46"/>
-    <p:sldId id="287" r:id="rId47"/>
-    <p:sldId id="320" r:id="rId48"/>
-    <p:sldId id="289" r:id="rId49"/>
-    <p:sldId id="303" r:id="rId50"/>
-    <p:sldId id="301" r:id="rId51"/>
-    <p:sldId id="302" r:id="rId52"/>
-    <p:sldId id="306" r:id="rId53"/>
+    <p:sldId id="335" r:id="rId33"/>
+    <p:sldId id="273" r:id="rId34"/>
+    <p:sldId id="275" r:id="rId35"/>
+    <p:sldId id="326" r:id="rId36"/>
+    <p:sldId id="276" r:id="rId37"/>
+    <p:sldId id="280" r:id="rId38"/>
+    <p:sldId id="281" r:id="rId39"/>
+    <p:sldId id="284" r:id="rId40"/>
+    <p:sldId id="290" r:id="rId41"/>
+    <p:sldId id="285" r:id="rId42"/>
+    <p:sldId id="288" r:id="rId43"/>
+    <p:sldId id="260" r:id="rId44"/>
+    <p:sldId id="319" r:id="rId45"/>
+    <p:sldId id="317" r:id="rId46"/>
+    <p:sldId id="286" r:id="rId47"/>
+    <p:sldId id="287" r:id="rId48"/>
+    <p:sldId id="320" r:id="rId49"/>
+    <p:sldId id="289" r:id="rId50"/>
+    <p:sldId id="303" r:id="rId51"/>
+    <p:sldId id="301" r:id="rId52"/>
+    <p:sldId id="302" r:id="rId53"/>
+    <p:sldId id="306" r:id="rId54"/>
   </p:sldIdLst>
   <p:sldSz cx="9144000" cy="6858000" type="screen4x3"/>
   <p:notesSz cx="7315200" cy="9601200"/>
@@ -2338,7 +2339,7 @@
     </p:spTree>
     <p:extLst>
       <p:ext uri="{BB962C8B-B14F-4D97-AF65-F5344CB8AC3E}">
-        <p14:creationId xmlns:p14="http://schemas.microsoft.com/office/powerpoint/2010/main" val="306554791"/>
+        <p14:creationId xmlns:p14="http://schemas.microsoft.com/office/powerpoint/2010/main" val="3462826072"/>
       </p:ext>
     </p:extLst>
   </p:cSld>
@@ -2455,7 +2456,7 @@
     </p:spTree>
     <p:extLst>
       <p:ext uri="{BB962C8B-B14F-4D97-AF65-F5344CB8AC3E}">
-        <p14:creationId xmlns:p14="http://schemas.microsoft.com/office/powerpoint/2010/main" val="2586156093"/>
+        <p14:creationId xmlns:p14="http://schemas.microsoft.com/office/powerpoint/2010/main" val="306554791"/>
       </p:ext>
     </p:extLst>
   </p:cSld>
@@ -2572,7 +2573,7 @@
     </p:spTree>
     <p:extLst>
       <p:ext uri="{BB962C8B-B14F-4D97-AF65-F5344CB8AC3E}">
-        <p14:creationId xmlns:p14="http://schemas.microsoft.com/office/powerpoint/2010/main" val="1489467784"/>
+        <p14:creationId xmlns:p14="http://schemas.microsoft.com/office/powerpoint/2010/main" val="2586156093"/>
       </p:ext>
     </p:extLst>
   </p:cSld>
@@ -2689,7 +2690,7 @@
     </p:spTree>
     <p:extLst>
       <p:ext uri="{BB962C8B-B14F-4D97-AF65-F5344CB8AC3E}">
-        <p14:creationId xmlns:p14="http://schemas.microsoft.com/office/powerpoint/2010/main" val="1451762111"/>
+        <p14:creationId xmlns:p14="http://schemas.microsoft.com/office/powerpoint/2010/main" val="1489467784"/>
       </p:ext>
     </p:extLst>
   </p:cSld>
@@ -2806,7 +2807,7 @@
     </p:spTree>
     <p:extLst>
       <p:ext uri="{BB962C8B-B14F-4D97-AF65-F5344CB8AC3E}">
-        <p14:creationId xmlns:p14="http://schemas.microsoft.com/office/powerpoint/2010/main" val="1395301088"/>
+        <p14:creationId xmlns:p14="http://schemas.microsoft.com/office/powerpoint/2010/main" val="1451762111"/>
       </p:ext>
     </p:extLst>
   </p:cSld>
@@ -2923,7 +2924,7 @@
     </p:spTree>
     <p:extLst>
       <p:ext uri="{BB962C8B-B14F-4D97-AF65-F5344CB8AC3E}">
-        <p14:creationId xmlns:p14="http://schemas.microsoft.com/office/powerpoint/2010/main" val="2494908541"/>
+        <p14:creationId xmlns:p14="http://schemas.microsoft.com/office/powerpoint/2010/main" val="1395301088"/>
       </p:ext>
     </p:extLst>
   </p:cSld>
@@ -3040,7 +3041,7 @@
     </p:spTree>
     <p:extLst>
       <p:ext uri="{BB962C8B-B14F-4D97-AF65-F5344CB8AC3E}">
-        <p14:creationId xmlns:p14="http://schemas.microsoft.com/office/powerpoint/2010/main" val="1235235938"/>
+        <p14:creationId xmlns:p14="http://schemas.microsoft.com/office/powerpoint/2010/main" val="2494908541"/>
       </p:ext>
     </p:extLst>
   </p:cSld>
@@ -3157,7 +3158,7 @@
     </p:spTree>
     <p:extLst>
       <p:ext uri="{BB962C8B-B14F-4D97-AF65-F5344CB8AC3E}">
-        <p14:creationId xmlns:p14="http://schemas.microsoft.com/office/powerpoint/2010/main" val="487262764"/>
+        <p14:creationId xmlns:p14="http://schemas.microsoft.com/office/powerpoint/2010/main" val="1235235938"/>
       </p:ext>
     </p:extLst>
   </p:cSld>
@@ -3274,7 +3275,7 @@
     </p:spTree>
     <p:extLst>
       <p:ext uri="{BB962C8B-B14F-4D97-AF65-F5344CB8AC3E}">
-        <p14:creationId xmlns:p14="http://schemas.microsoft.com/office/powerpoint/2010/main" val="1788462113"/>
+        <p14:creationId xmlns:p14="http://schemas.microsoft.com/office/powerpoint/2010/main" val="487262764"/>
       </p:ext>
     </p:extLst>
   </p:cSld>
@@ -3391,7 +3392,7 @@
     </p:spTree>
     <p:extLst>
       <p:ext uri="{BB962C8B-B14F-4D97-AF65-F5344CB8AC3E}">
-        <p14:creationId xmlns:p14="http://schemas.microsoft.com/office/powerpoint/2010/main" val="4111898914"/>
+        <p14:creationId xmlns:p14="http://schemas.microsoft.com/office/powerpoint/2010/main" val="1788462113"/>
       </p:ext>
     </p:extLst>
   </p:cSld>
@@ -3625,7 +3626,7 @@
     </p:spTree>
     <p:extLst>
       <p:ext uri="{BB962C8B-B14F-4D97-AF65-F5344CB8AC3E}">
-        <p14:creationId xmlns:p14="http://schemas.microsoft.com/office/powerpoint/2010/main" val="1787867720"/>
+        <p14:creationId xmlns:p14="http://schemas.microsoft.com/office/powerpoint/2010/main" val="4111898914"/>
       </p:ext>
     </p:extLst>
   </p:cSld>
@@ -3742,7 +3743,7 @@
     </p:spTree>
     <p:extLst>
       <p:ext uri="{BB962C8B-B14F-4D97-AF65-F5344CB8AC3E}">
-        <p14:creationId xmlns:p14="http://schemas.microsoft.com/office/powerpoint/2010/main" val="194541578"/>
+        <p14:creationId xmlns:p14="http://schemas.microsoft.com/office/powerpoint/2010/main" val="1787867720"/>
       </p:ext>
     </p:extLst>
   </p:cSld>
@@ -3859,7 +3860,7 @@
     </p:spTree>
     <p:extLst>
       <p:ext uri="{BB962C8B-B14F-4D97-AF65-F5344CB8AC3E}">
-        <p14:creationId xmlns:p14="http://schemas.microsoft.com/office/powerpoint/2010/main" val="3680637619"/>
+        <p14:creationId xmlns:p14="http://schemas.microsoft.com/office/powerpoint/2010/main" val="194541578"/>
       </p:ext>
     </p:extLst>
   </p:cSld>
@@ -3976,7 +3977,7 @@
     </p:spTree>
     <p:extLst>
       <p:ext uri="{BB962C8B-B14F-4D97-AF65-F5344CB8AC3E}">
-        <p14:creationId xmlns:p14="http://schemas.microsoft.com/office/powerpoint/2010/main" val="3265227592"/>
+        <p14:creationId xmlns:p14="http://schemas.microsoft.com/office/powerpoint/2010/main" val="3680637619"/>
       </p:ext>
     </p:extLst>
   </p:cSld>
@@ -4084,7 +4085,7 @@
               <a:pPr>
                 <a:defRPr/>
               </a:pPr>
-              <a:t>48</a:t>
+              <a:t>47</a:t>
             </a:fld>
             <a:endParaRPr lang="en-US"/>
           </a:p>
@@ -4093,7 +4094,7 @@
     </p:spTree>
     <p:extLst>
       <p:ext uri="{BB962C8B-B14F-4D97-AF65-F5344CB8AC3E}">
-        <p14:creationId xmlns:p14="http://schemas.microsoft.com/office/powerpoint/2010/main" val="754861413"/>
+        <p14:creationId xmlns:p14="http://schemas.microsoft.com/office/powerpoint/2010/main" val="3265227592"/>
       </p:ext>
     </p:extLst>
   </p:cSld>
@@ -4210,7 +4211,7 @@
     </p:spTree>
     <p:extLst>
       <p:ext uri="{BB962C8B-B14F-4D97-AF65-F5344CB8AC3E}">
-        <p14:creationId xmlns:p14="http://schemas.microsoft.com/office/powerpoint/2010/main" val="233137191"/>
+        <p14:creationId xmlns:p14="http://schemas.microsoft.com/office/powerpoint/2010/main" val="754861413"/>
       </p:ext>
     </p:extLst>
   </p:cSld>
@@ -4327,7 +4328,7 @@
     </p:spTree>
     <p:extLst>
       <p:ext uri="{BB962C8B-B14F-4D97-AF65-F5344CB8AC3E}">
-        <p14:creationId xmlns:p14="http://schemas.microsoft.com/office/powerpoint/2010/main" val="195309284"/>
+        <p14:creationId xmlns:p14="http://schemas.microsoft.com/office/powerpoint/2010/main" val="233137191"/>
       </p:ext>
     </p:extLst>
   </p:cSld>
@@ -4444,7 +4445,7 @@
     </p:spTree>
     <p:extLst>
       <p:ext uri="{BB962C8B-B14F-4D97-AF65-F5344CB8AC3E}">
-        <p14:creationId xmlns:p14="http://schemas.microsoft.com/office/powerpoint/2010/main" val="1891633924"/>
+        <p14:creationId xmlns:p14="http://schemas.microsoft.com/office/powerpoint/2010/main" val="195309284"/>
       </p:ext>
     </p:extLst>
   </p:cSld>
@@ -4553,6 +4554,123 @@
                 <a:defRPr/>
               </a:pPr>
               <a:t>52</a:t>
+            </a:fld>
+            <a:endParaRPr lang="en-US"/>
+          </a:p>
+        </p:txBody>
+      </p:sp>
+    </p:spTree>
+    <p:extLst>
+      <p:ext uri="{BB962C8B-B14F-4D97-AF65-F5344CB8AC3E}">
+        <p14:creationId xmlns:p14="http://schemas.microsoft.com/office/powerpoint/2010/main" val="1891633924"/>
+      </p:ext>
+    </p:extLst>
+  </p:cSld>
+  <p:clrMapOvr>
+    <a:masterClrMapping/>
+  </p:clrMapOvr>
+</p:notes>
+</file>
+
+<file path=ppt/notesSlides/notesSlide39.xml><?xml version="1.0" encoding="utf-8"?>
+<p:notes xmlns:a="http://schemas.openxmlformats.org/drawingml/2006/main" xmlns:r="http://schemas.openxmlformats.org/officeDocument/2006/relationships" xmlns:p="http://schemas.openxmlformats.org/presentationml/2006/main">
+  <p:cSld>
+    <p:spTree>
+      <p:nvGrpSpPr>
+        <p:cNvPr id="1" name=""/>
+        <p:cNvGrpSpPr/>
+        <p:nvPr/>
+      </p:nvGrpSpPr>
+      <p:grpSpPr>
+        <a:xfrm>
+          <a:off x="0" y="0"/>
+          <a:ext cx="0" cy="0"/>
+          <a:chOff x="0" y="0"/>
+          <a:chExt cx="0" cy="0"/>
+        </a:xfrm>
+      </p:grpSpPr>
+      <p:sp>
+        <p:nvSpPr>
+          <p:cNvPr id="2" name="Slide Image Placeholder 1"/>
+          <p:cNvSpPr>
+            <a:spLocks noGrp="1" noRot="1" noChangeAspect="1"/>
+          </p:cNvSpPr>
+          <p:nvPr>
+            <p:ph type="sldImg"/>
+          </p:nvPr>
+        </p:nvSpPr>
+        <p:spPr/>
+      </p:sp>
+      <p:sp>
+        <p:nvSpPr>
+          <p:cNvPr id="3" name="Notes Placeholder 2"/>
+          <p:cNvSpPr>
+            <a:spLocks noGrp="1"/>
+          </p:cNvSpPr>
+          <p:nvPr>
+            <p:ph type="body" idx="1"/>
+          </p:nvPr>
+        </p:nvSpPr>
+        <p:spPr/>
+        <p:txBody>
+          <a:bodyPr>
+            <a:normAutofit/>
+          </a:bodyPr>
+          <a:lstStyle/>
+          <a:p>
+            <a:endParaRPr lang="en-US"/>
+          </a:p>
+        </p:txBody>
+      </p:sp>
+      <p:sp>
+        <p:nvSpPr>
+          <p:cNvPr id="4" name="Header Placeholder 3"/>
+          <p:cNvSpPr>
+            <a:spLocks noGrp="1"/>
+          </p:cNvSpPr>
+          <p:nvPr>
+            <p:ph type="hdr" sz="quarter" idx="10"/>
+          </p:nvPr>
+        </p:nvSpPr>
+        <p:spPr/>
+        <p:txBody>
+          <a:bodyPr/>
+          <a:lstStyle/>
+          <a:p>
+            <a:pPr>
+              <a:defRPr/>
+            </a:pPr>
+            <a:r>
+              <a:rPr lang="en-US"/>
+              <a:t>Overview</a:t>
+            </a:r>
+          </a:p>
+        </p:txBody>
+      </p:sp>
+      <p:sp>
+        <p:nvSpPr>
+          <p:cNvPr id="5" name="Slide Number Placeholder 4"/>
+          <p:cNvSpPr>
+            <a:spLocks noGrp="1"/>
+          </p:cNvSpPr>
+          <p:nvPr>
+            <p:ph type="sldNum" sz="quarter" idx="11"/>
+          </p:nvPr>
+        </p:nvSpPr>
+        <p:spPr/>
+        <p:txBody>
+          <a:bodyPr/>
+          <a:lstStyle/>
+          <a:p>
+            <a:pPr>
+              <a:defRPr/>
+            </a:pPr>
+            <a:fld id="{A9A3E3F4-74BB-4CD8-9DF4-40BEA0848B65}" type="slidenum">
+              <a:rPr lang="en-US" smtClean="0"/>
+              <a:pPr>
+                <a:defRPr/>
+              </a:pPr>
+              <a:t>53</a:t>
             </a:fld>
             <a:endParaRPr lang="en-US"/>
           </a:p>
@@ -13818,8 +13936,8 @@
           <a:lstStyle/>
           <a:p>
             <a:r>
-              <a:rPr lang="en-US"/>
-              <a:t>Code Generation for Binary Expressions</a:t>
+              <a:rPr lang="en-US" dirty="0"/>
+              <a:t>Code Generation for Unary Expressions</a:t>
             </a:r>
           </a:p>
         </p:txBody>
@@ -13841,40 +13959,55 @@
           <a:p>
             <a:r>
               <a:rPr lang="en-US" dirty="0"/>
-              <a:t>A binary expression contains an operator and two operands, each of which is an expression.</a:t>
-            </a:r>
-          </a:p>
-          <a:p>
-            <a:r>
-              <a:rPr lang="en-US" dirty="0"/>
-              <a:t>Code generation for a binary expression usually follows the following pattern.</a:t>
+              <a:t>A binary expression contains an operator and one operand, where the operand is an expression.</a:t>
+            </a:r>
+          </a:p>
+          <a:p>
+            <a:r>
+              <a:rPr lang="en-US" dirty="0"/>
+              <a:t>Examples</a:t>
             </a:r>
           </a:p>
           <a:p>
             <a:pPr lvl="1"/>
             <a:r>
               <a:rPr lang="en-US" dirty="0"/>
-              <a:t>emit code for the left operand</a:t>
+              <a:t>unary negation for integer expressions</a:t>
             </a:r>
           </a:p>
           <a:p>
             <a:pPr lvl="1"/>
             <a:r>
               <a:rPr lang="en-US" dirty="0"/>
-              <a:t>emit code for the right operand</a:t>
+              <a:t>not for </a:t>
+            </a:r>
+            <a:r>
+              <a:rPr lang="en-US" dirty="0" err="1"/>
+              <a:t>boolean</a:t>
+            </a:r>
+            <a:r>
+              <a:rPr lang="en-US" dirty="0"/>
+              <a:t> expressions. </a:t>
+            </a:r>
+          </a:p>
+          <a:p>
+            <a:r>
+              <a:rPr lang="en-US" dirty="0"/>
+              <a:t>Code generation for a unary expression follows the following pattern.</a:t>
             </a:r>
           </a:p>
           <a:p>
             <a:pPr lvl="1"/>
             <a:r>
               <a:rPr lang="en-US" dirty="0"/>
+              <a:t>emit code for the operand</a:t>
+            </a:r>
+          </a:p>
+          <a:p>
+            <a:pPr lvl="1"/>
+            <a:r>
+              <a:rPr lang="en-US" dirty="0"/>
               <a:t>emit code to perform the operation</a:t>
-            </a:r>
-          </a:p>
-          <a:p>
-            <a:r>
-              <a:rPr lang="en-US" dirty="0"/>
-              <a:t>Note that we are generating code that will evaluate the expression using a “postfix” (a.k.a. “reverse polish”) notation approach.</a:t>
             </a:r>
           </a:p>
           <a:p>
@@ -13963,7 +14096,7 @@
       </p:grpSpPr>
       <p:sp>
         <p:nvSpPr>
-          <p:cNvPr id="25602" name="Title 1"/>
+          <p:cNvPr id="24578" name="Title 1"/>
           <p:cNvSpPr>
             <a:spLocks noGrp="1"/>
           </p:cNvSpPr>
@@ -13977,37 +14110,15 @@
           <a:lstStyle/>
           <a:p>
             <a:r>
-              <a:rPr lang="en-US" dirty="0"/>
-              <a:t>Method </a:t>
-            </a:r>
-            <a:r>
-              <a:rPr lang="en-US" dirty="0">
-                <a:latin typeface="Consolas" pitchFamily="49" charset="0"/>
-                <a:cs typeface="Consolas" pitchFamily="49" charset="0"/>
-              </a:rPr>
-              <a:t>emit()</a:t>
-            </a:r>
-            <a:r>
-              <a:rPr lang="en-US" dirty="0"/>
-              <a:t> for Class </a:t>
-            </a:r>
-            <a:r>
-              <a:rPr lang="en-US" dirty="0" err="1">
-                <a:latin typeface="Consolas" pitchFamily="49" charset="0"/>
-                <a:cs typeface="Consolas" pitchFamily="49" charset="0"/>
-              </a:rPr>
-              <a:t>AddingExpr</a:t>
-            </a:r>
-            <a:endParaRPr lang="en-US" dirty="0">
-              <a:latin typeface="Consolas" pitchFamily="49" charset="0"/>
-              <a:cs typeface="Consolas" pitchFamily="49" charset="0"/>
-            </a:endParaRPr>
-          </a:p>
-        </p:txBody>
-      </p:sp>
-      <p:sp>
-        <p:nvSpPr>
-          <p:cNvPr id="25603" name="Content Placeholder 2"/>
+              <a:rPr lang="en-US"/>
+              <a:t>Code Generation for Binary Expressions</a:t>
+            </a:r>
+          </a:p>
+        </p:txBody>
+      </p:sp>
+      <p:sp>
+        <p:nvSpPr>
+          <p:cNvPr id="24579" name="Content Placeholder 2"/>
           <p:cNvSpPr>
             <a:spLocks noGrp="1"/>
           </p:cNvSpPr>
@@ -14015,315 +14126,57 @@
             <p:ph idx="1"/>
           </p:nvPr>
         </p:nvSpPr>
-        <p:spPr>
-          <a:xfrm>
-            <a:off x="458787" y="1363663"/>
-            <a:ext cx="8229600" cy="4935537"/>
-          </a:xfrm>
-        </p:spPr>
-        <p:txBody>
-          <a:bodyPr/>
-          <a:lstStyle/>
-          <a:p>
-            <a:pPr marL="274320" indent="0">
-              <a:spcBef>
-                <a:spcPts val="100"/>
-              </a:spcBef>
-              <a:buFontTx/>
-              <a:buNone/>
-            </a:pPr>
-            <a:r>
-              <a:rPr lang="en-US" sz="1800" dirty="0">
-                <a:latin typeface="Consolas" pitchFamily="49" charset="0"/>
-                <a:cs typeface="Consolas" pitchFamily="49" charset="0"/>
-              </a:rPr>
-              <a:t>public void emit() throws </a:t>
-            </a:r>
-            <a:r>
-              <a:rPr lang="en-US" sz="1800" dirty="0" err="1">
-                <a:latin typeface="Consolas" pitchFamily="49" charset="0"/>
-                <a:cs typeface="Consolas" pitchFamily="49" charset="0"/>
-              </a:rPr>
-              <a:t>CodeGenException</a:t>
-            </a:r>
-            <a:endParaRPr lang="en-US" sz="1800" dirty="0">
-              <a:latin typeface="Consolas" pitchFamily="49" charset="0"/>
-              <a:cs typeface="Consolas" pitchFamily="49" charset="0"/>
-            </a:endParaRPr>
-          </a:p>
-          <a:p>
-            <a:pPr marL="274320" indent="0">
-              <a:spcBef>
-                <a:spcPts val="100"/>
-              </a:spcBef>
-              <a:buFontTx/>
-              <a:buNone/>
-            </a:pPr>
-            <a:r>
-              <a:rPr lang="en-US" sz="1800" dirty="0">
-                <a:latin typeface="Consolas" pitchFamily="49" charset="0"/>
-                <a:cs typeface="Consolas" pitchFamily="49" charset="0"/>
-              </a:rPr>
-              <a:t>  {</a:t>
-            </a:r>
-          </a:p>
-          <a:p>
-            <a:pPr marL="274320" indent="0">
-              <a:spcBef>
-                <a:spcPts val="100"/>
-              </a:spcBef>
-              <a:buFontTx/>
-              <a:buNone/>
-            </a:pPr>
-            <a:r>
-              <a:rPr lang="en-US" sz="1800" dirty="0">
-                <a:latin typeface="Consolas" pitchFamily="49" charset="0"/>
-                <a:cs typeface="Consolas" pitchFamily="49" charset="0"/>
-              </a:rPr>
-              <a:t>    var </a:t>
-            </a:r>
-            <a:r>
-              <a:rPr lang="en-US" sz="1800" dirty="0" err="1">
-                <a:latin typeface="Consolas" pitchFamily="49" charset="0"/>
-                <a:cs typeface="Consolas" pitchFamily="49" charset="0"/>
-              </a:rPr>
-              <a:t>operatorSym</a:t>
-            </a:r>
-            <a:r>
-              <a:rPr lang="en-US" sz="1800" dirty="0">
-                <a:latin typeface="Consolas" pitchFamily="49" charset="0"/>
-                <a:cs typeface="Consolas" pitchFamily="49" charset="0"/>
-              </a:rPr>
-              <a:t> = getOperator().</a:t>
-            </a:r>
-            <a:r>
-              <a:rPr lang="en-US" sz="1800" dirty="0" err="1">
-                <a:latin typeface="Consolas" pitchFamily="49" charset="0"/>
-                <a:cs typeface="Consolas" pitchFamily="49" charset="0"/>
-              </a:rPr>
-              <a:t>getSymbol</a:t>
-            </a:r>
-            <a:r>
-              <a:rPr lang="en-US" sz="1800" dirty="0">
-                <a:latin typeface="Consolas" pitchFamily="49" charset="0"/>
-                <a:cs typeface="Consolas" pitchFamily="49" charset="0"/>
-              </a:rPr>
-              <a:t>();</a:t>
-            </a:r>
-          </a:p>
-          <a:p>
-            <a:pPr marL="274320" indent="0">
-              <a:spcBef>
-                <a:spcPts val="100"/>
-              </a:spcBef>
-              <a:buFontTx/>
-              <a:buNone/>
-            </a:pPr>
-            <a:endParaRPr lang="en-US" sz="1800" dirty="0">
-              <a:latin typeface="Consolas" pitchFamily="49" charset="0"/>
-              <a:cs typeface="Consolas" pitchFamily="49" charset="0"/>
-            </a:endParaRPr>
-          </a:p>
-          <a:p>
-            <a:pPr marL="274320" indent="0">
-              <a:spcBef>
-                <a:spcPts val="100"/>
-              </a:spcBef>
-              <a:buFontTx/>
-              <a:buNone/>
-            </a:pPr>
-            <a:r>
-              <a:rPr lang="en-US" sz="1800" dirty="0">
-                <a:latin typeface="Consolas" pitchFamily="49" charset="0"/>
-                <a:cs typeface="Consolas" pitchFamily="49" charset="0"/>
-              </a:rPr>
-              <a:t>    </a:t>
-            </a:r>
-            <a:r>
-              <a:rPr lang="en-US" sz="1800" dirty="0" err="1">
-                <a:latin typeface="Consolas" pitchFamily="49" charset="0"/>
-                <a:cs typeface="Consolas" pitchFamily="49" charset="0"/>
-              </a:rPr>
-              <a:t>getLeftOperand.emit</a:t>
-            </a:r>
-            <a:r>
-              <a:rPr lang="en-US" sz="1800" dirty="0">
-                <a:latin typeface="Consolas" pitchFamily="49" charset="0"/>
-                <a:cs typeface="Consolas" pitchFamily="49" charset="0"/>
-              </a:rPr>
-              <a:t>();</a:t>
-            </a:r>
-          </a:p>
-          <a:p>
-            <a:pPr marL="274320" indent="0">
-              <a:spcBef>
-                <a:spcPts val="100"/>
-              </a:spcBef>
-              <a:buFontTx/>
-              <a:buNone/>
-            </a:pPr>
-            <a:r>
-              <a:rPr lang="en-US" sz="1800" dirty="0">
-                <a:latin typeface="Consolas" pitchFamily="49" charset="0"/>
-                <a:cs typeface="Consolas" pitchFamily="49" charset="0"/>
-              </a:rPr>
-              <a:t>    </a:t>
-            </a:r>
-            <a:r>
-              <a:rPr lang="en-US" sz="1800" dirty="0" err="1">
-                <a:latin typeface="Consolas" pitchFamily="49" charset="0"/>
-                <a:cs typeface="Consolas" pitchFamily="49" charset="0"/>
-              </a:rPr>
-              <a:t>getRightOperand.emit</a:t>
-            </a:r>
-            <a:r>
-              <a:rPr lang="en-US" sz="1800" dirty="0">
-                <a:latin typeface="Consolas" pitchFamily="49" charset="0"/>
-                <a:cs typeface="Consolas" pitchFamily="49" charset="0"/>
-              </a:rPr>
-              <a:t>();</a:t>
-            </a:r>
-          </a:p>
-          <a:p>
-            <a:pPr marL="274320" indent="0">
-              <a:spcBef>
-                <a:spcPts val="100"/>
-              </a:spcBef>
-              <a:buFontTx/>
-              <a:buNone/>
-            </a:pPr>
-            <a:endParaRPr lang="en-US" sz="1800" dirty="0">
-              <a:latin typeface="Consolas" pitchFamily="49" charset="0"/>
-              <a:cs typeface="Consolas" pitchFamily="49" charset="0"/>
-            </a:endParaRPr>
-          </a:p>
-          <a:p>
-            <a:pPr marL="274320" indent="0">
-              <a:spcBef>
-                <a:spcPts val="100"/>
-              </a:spcBef>
-              <a:buFontTx/>
-              <a:buNone/>
-            </a:pPr>
-            <a:r>
-              <a:rPr lang="en-US" sz="1800" dirty="0">
-                <a:latin typeface="Consolas" pitchFamily="49" charset="0"/>
-                <a:cs typeface="Consolas" pitchFamily="49" charset="0"/>
-              </a:rPr>
-              <a:t>    if (</a:t>
-            </a:r>
-            <a:r>
-              <a:rPr lang="en-US" sz="1800" dirty="0" err="1">
-                <a:latin typeface="Consolas" pitchFamily="49" charset="0"/>
-                <a:cs typeface="Consolas" pitchFamily="49" charset="0"/>
-              </a:rPr>
-              <a:t>operatorSym</a:t>
-            </a:r>
-            <a:r>
-              <a:rPr lang="en-US" sz="1800" dirty="0">
-                <a:latin typeface="Consolas" pitchFamily="49" charset="0"/>
-                <a:cs typeface="Consolas" pitchFamily="49" charset="0"/>
-              </a:rPr>
-              <a:t> == Symbol.plus)</a:t>
-            </a:r>
-          </a:p>
-          <a:p>
-            <a:pPr marL="274320" indent="0">
-              <a:spcBef>
-                <a:spcPts val="100"/>
-              </a:spcBef>
-              <a:buFontTx/>
-              <a:buNone/>
-            </a:pPr>
-            <a:r>
-              <a:rPr lang="en-US" sz="1800" dirty="0">
-                <a:latin typeface="Consolas" pitchFamily="49" charset="0"/>
-                <a:cs typeface="Consolas" pitchFamily="49" charset="0"/>
-              </a:rPr>
-              <a:t>        emit("ADD");</a:t>
-            </a:r>
-          </a:p>
-          <a:p>
-            <a:pPr marL="274320" indent="0">
-              <a:spcBef>
-                <a:spcPts val="100"/>
-              </a:spcBef>
-              <a:buFontTx/>
-              <a:buNone/>
-            </a:pPr>
-            <a:r>
-              <a:rPr lang="en-US" sz="1800" dirty="0">
-                <a:latin typeface="Consolas" pitchFamily="49" charset="0"/>
-                <a:cs typeface="Consolas" pitchFamily="49" charset="0"/>
-              </a:rPr>
-              <a:t>    else if (</a:t>
-            </a:r>
-            <a:r>
-              <a:rPr lang="en-US" sz="1800" dirty="0" err="1">
-                <a:latin typeface="Consolas" pitchFamily="49" charset="0"/>
-                <a:cs typeface="Consolas" pitchFamily="49" charset="0"/>
-              </a:rPr>
-              <a:t>operatorSym</a:t>
-            </a:r>
-            <a:r>
-              <a:rPr lang="en-US" sz="1800" dirty="0">
-                <a:latin typeface="Consolas" pitchFamily="49" charset="0"/>
-                <a:cs typeface="Consolas" pitchFamily="49" charset="0"/>
-              </a:rPr>
-              <a:t> == </a:t>
-            </a:r>
-            <a:r>
-              <a:rPr lang="en-US" sz="1800" dirty="0" err="1">
-                <a:latin typeface="Consolas" pitchFamily="49" charset="0"/>
-                <a:cs typeface="Consolas" pitchFamily="49" charset="0"/>
-              </a:rPr>
-              <a:t>Symbol.minus</a:t>
-            </a:r>
-            <a:r>
-              <a:rPr lang="en-US" sz="1800" dirty="0">
-                <a:latin typeface="Consolas" pitchFamily="49" charset="0"/>
-                <a:cs typeface="Consolas" pitchFamily="49" charset="0"/>
-              </a:rPr>
-              <a:t>)</a:t>
-            </a:r>
-          </a:p>
-          <a:p>
-            <a:pPr marL="274320" indent="0">
-              <a:spcBef>
-                <a:spcPts val="100"/>
-              </a:spcBef>
-              <a:buFontTx/>
-              <a:buNone/>
-            </a:pPr>
-            <a:r>
-              <a:rPr lang="en-US" sz="1800" dirty="0">
-                <a:latin typeface="Consolas" pitchFamily="49" charset="0"/>
-                <a:cs typeface="Consolas" pitchFamily="49" charset="0"/>
-              </a:rPr>
-              <a:t>        emit("SUB");</a:t>
-            </a:r>
-          </a:p>
-          <a:p>
-            <a:pPr marL="274320" indent="0">
-              <a:spcBef>
-                <a:spcPts val="100"/>
-              </a:spcBef>
-              <a:buFontTx/>
-              <a:buNone/>
-            </a:pPr>
-            <a:r>
-              <a:rPr lang="en-US" sz="1800" dirty="0">
-                <a:latin typeface="Consolas" pitchFamily="49" charset="0"/>
-                <a:cs typeface="Consolas" pitchFamily="49" charset="0"/>
-              </a:rPr>
-              <a:t>  }</a:t>
-            </a:r>
-          </a:p>
-        </p:txBody>
-      </p:sp>
-      <p:sp>
-        <p:nvSpPr>
-          <p:cNvPr id="25604" name="Footer Placeholder 3"/>
+        <p:spPr/>
+        <p:txBody>
+          <a:bodyPr/>
+          <a:lstStyle/>
+          <a:p>
+            <a:r>
+              <a:rPr lang="en-US" dirty="0"/>
+              <a:t>A binary expression contains an operator and two operands, each of which is an expression.</a:t>
+            </a:r>
+          </a:p>
+          <a:p>
+            <a:r>
+              <a:rPr lang="en-US" dirty="0"/>
+              <a:t>Code generation for a binary expression usually follows the following pattern.</a:t>
+            </a:r>
+          </a:p>
+          <a:p>
+            <a:pPr lvl="1"/>
+            <a:r>
+              <a:rPr lang="en-US" dirty="0"/>
+              <a:t>emit code for the left operand</a:t>
+            </a:r>
+          </a:p>
+          <a:p>
+            <a:pPr lvl="1"/>
+            <a:r>
+              <a:rPr lang="en-US" dirty="0"/>
+              <a:t>emit code for the right operand</a:t>
+            </a:r>
+          </a:p>
+          <a:p>
+            <a:pPr lvl="1"/>
+            <a:r>
+              <a:rPr lang="en-US" dirty="0"/>
+              <a:t>emit code to perform the operation</a:t>
+            </a:r>
+          </a:p>
+          <a:p>
+            <a:r>
+              <a:rPr lang="en-US" dirty="0"/>
+              <a:t>Note that we are generating code that will evaluate the expression using a “postfix” (a.k.a. “reverse polish”) notation approach.</a:t>
+            </a:r>
+          </a:p>
+          <a:p>
+            <a:endParaRPr lang="en-US" dirty="0"/>
+          </a:p>
+        </p:txBody>
+      </p:sp>
+      <p:sp>
+        <p:nvSpPr>
+          <p:cNvPr id="24580" name="Footer Placeholder 3"/>
           <p:cNvSpPr>
             <a:spLocks noGrp="1"/>
           </p:cNvSpPr>
@@ -14347,7 +14200,7 @@
       </p:sp>
       <p:sp>
         <p:nvSpPr>
-          <p:cNvPr id="25605" name="Slide Number Placeholder 4"/>
+          <p:cNvPr id="24581" name="Slide Number Placeholder 4"/>
           <p:cNvSpPr>
             <a:spLocks noGrp="1"/>
           </p:cNvSpPr>
@@ -14366,7 +14219,7 @@
               <a:rPr lang="en-US"/>
               <a:t>Slide </a:t>
             </a:r>
-            <a:fld id="{06EFD33E-BC9A-46DE-B1DD-0119E7C5019E}" type="slidenum">
+            <a:fld id="{C4A41716-0AF2-49D0-8E68-B0AEAC60E53A}" type="slidenum">
               <a:rPr lang="en-US" smtClean="0"/>
               <a:pPr/>
               <a:t>33</a:t>
@@ -14402,7 +14255,7 @@
       </p:grpSpPr>
       <p:sp>
         <p:nvSpPr>
-          <p:cNvPr id="26626" name="Title 1"/>
+          <p:cNvPr id="25602" name="Title 1"/>
           <p:cNvSpPr>
             <a:spLocks noGrp="1"/>
           </p:cNvSpPr>
@@ -14417,21 +14270,36 @@
           <a:p>
             <a:r>
               <a:rPr lang="en-US" dirty="0"/>
-              <a:t>Short Circuit Evaluation of</a:t>
-            </a:r>
-            <a:br>
-              <a:rPr lang="en-US" dirty="0"/>
-            </a:br>
-            <a:r>
-              <a:rPr lang="en-US" dirty="0"/>
-              <a:t>Logical Expressions</a:t>
-            </a:r>
-          </a:p>
-        </p:txBody>
-      </p:sp>
-      <p:sp>
-        <p:nvSpPr>
-          <p:cNvPr id="26627" name="Content Placeholder 2"/>
+              <a:t>Method </a:t>
+            </a:r>
+            <a:r>
+              <a:rPr lang="en-US" dirty="0">
+                <a:latin typeface="Consolas" pitchFamily="49" charset="0"/>
+                <a:cs typeface="Consolas" pitchFamily="49" charset="0"/>
+              </a:rPr>
+              <a:t>emit()</a:t>
+            </a:r>
+            <a:r>
+              <a:rPr lang="en-US" dirty="0"/>
+              <a:t> for Class </a:t>
+            </a:r>
+            <a:r>
+              <a:rPr lang="en-US" dirty="0" err="1">
+                <a:latin typeface="Consolas" pitchFamily="49" charset="0"/>
+                <a:cs typeface="Consolas" pitchFamily="49" charset="0"/>
+              </a:rPr>
+              <a:t>AddingExpr</a:t>
+            </a:r>
+            <a:endParaRPr lang="en-US" dirty="0">
+              <a:latin typeface="Consolas" pitchFamily="49" charset="0"/>
+              <a:cs typeface="Consolas" pitchFamily="49" charset="0"/>
+            </a:endParaRPr>
+          </a:p>
+        </p:txBody>
+      </p:sp>
+      <p:sp>
+        <p:nvSpPr>
+          <p:cNvPr id="25603" name="Content Placeholder 2"/>
           <p:cNvSpPr>
             <a:spLocks noGrp="1"/>
           </p:cNvSpPr>
@@ -14439,315 +14307,315 @@
             <p:ph idx="1"/>
           </p:nvPr>
         </p:nvSpPr>
-        <p:spPr/>
-        <p:txBody>
-          <a:bodyPr/>
-          <a:lstStyle/>
-          <a:p>
-            <a:r>
-              <a:rPr lang="en-US" dirty="0"/>
-              <a:t>Given an expression of the form </a:t>
-            </a:r>
-            <a:r>
-              <a:rPr lang="en-US" dirty="0">
-                <a:latin typeface="Consolas" panose="020B0609020204030204" pitchFamily="49" charset="0"/>
-              </a:rPr>
-              <a:t>expr</a:t>
-            </a:r>
-            <a:r>
-              <a:rPr lang="en-US" baseline="-25000" dirty="0">
-                <a:latin typeface="Consolas" panose="020B0609020204030204" pitchFamily="49" charset="0"/>
-              </a:rPr>
-              <a:t>1</a:t>
-            </a:r>
-            <a:r>
-              <a:rPr lang="en-US" dirty="0">
-                <a:latin typeface="Consolas" panose="020B0609020204030204" pitchFamily="49" charset="0"/>
-              </a:rPr>
-              <a:t> and expr</a:t>
-            </a:r>
-            <a:r>
-              <a:rPr lang="en-US" baseline="-25000" dirty="0">
-                <a:latin typeface="Consolas" panose="020B0609020204030204" pitchFamily="49" charset="0"/>
-              </a:rPr>
-              <a:t>2</a:t>
-            </a:r>
-            <a:endParaRPr lang="en-US" dirty="0"/>
-          </a:p>
-          <a:p>
-            <a:pPr lvl="1"/>
-            <a:r>
-              <a:rPr lang="en-US" dirty="0"/>
-              <a:t>The left operand (</a:t>
-            </a:r>
-            <a:r>
-              <a:rPr lang="en-US" dirty="0">
-                <a:latin typeface="Consolas" panose="020B0609020204030204" pitchFamily="49" charset="0"/>
-              </a:rPr>
-              <a:t>expr</a:t>
-            </a:r>
-            <a:r>
-              <a:rPr lang="en-US" baseline="-25000" dirty="0">
-                <a:latin typeface="Consolas" panose="020B0609020204030204" pitchFamily="49" charset="0"/>
-              </a:rPr>
-              <a:t>1</a:t>
-            </a:r>
-            <a:r>
-              <a:rPr lang="en-US" dirty="0"/>
-              <a:t>) is evaluated.</a:t>
-            </a:r>
-          </a:p>
-          <a:p>
-            <a:pPr lvl="1"/>
-            <a:r>
-              <a:rPr lang="en-US" dirty="0"/>
-              <a:t>If </a:t>
-            </a:r>
-            <a:r>
-              <a:rPr lang="en-US" dirty="0">
-                <a:latin typeface="Consolas" panose="020B0609020204030204" pitchFamily="49" charset="0"/>
-              </a:rPr>
-              <a:t>expr</a:t>
-            </a:r>
-            <a:r>
-              <a:rPr lang="en-US" baseline="-25000" dirty="0">
-                <a:latin typeface="Consolas" panose="020B0609020204030204" pitchFamily="49" charset="0"/>
-              </a:rPr>
-              <a:t>1</a:t>
-            </a:r>
-            <a:r>
-              <a:rPr lang="en-US" dirty="0"/>
-              <a:t> is false, then </a:t>
-            </a:r>
-            <a:r>
-              <a:rPr lang="en-US" dirty="0">
-                <a:latin typeface="Consolas" panose="020B0609020204030204" pitchFamily="49" charset="0"/>
-              </a:rPr>
-              <a:t>expr</a:t>
-            </a:r>
-            <a:r>
-              <a:rPr lang="en-US" baseline="-25000" dirty="0">
-                <a:latin typeface="Consolas" panose="020B0609020204030204" pitchFamily="49" charset="0"/>
-              </a:rPr>
-              <a:t>2</a:t>
-            </a:r>
-            <a:r>
-              <a:rPr lang="en-US" dirty="0"/>
-              <a:t> </a:t>
-            </a:r>
-            <a:r>
-              <a:rPr lang="en-US" b="1" dirty="0"/>
-              <a:t>is not</a:t>
-            </a:r>
-            <a:r>
-              <a:rPr lang="en-US" dirty="0"/>
-              <a:t> evaluated and the truth value for the compound expression is considered to be false.</a:t>
-            </a:r>
-          </a:p>
-          <a:p>
-            <a:pPr lvl="1"/>
-            <a:r>
-              <a:rPr lang="en-US" dirty="0"/>
-              <a:t>If </a:t>
-            </a:r>
-            <a:r>
-              <a:rPr lang="en-US" dirty="0">
-                <a:latin typeface="Consolas" panose="020B0609020204030204" pitchFamily="49" charset="0"/>
-              </a:rPr>
-              <a:t>expr</a:t>
-            </a:r>
-            <a:r>
-              <a:rPr lang="en-US" baseline="-25000" dirty="0">
-                <a:latin typeface="Consolas" panose="020B0609020204030204" pitchFamily="49" charset="0"/>
-              </a:rPr>
-              <a:t>1</a:t>
-            </a:r>
-            <a:r>
-              <a:rPr lang="en-US" dirty="0"/>
-              <a:t> is true, then </a:t>
-            </a:r>
-            <a:r>
-              <a:rPr lang="en-US" dirty="0">
-                <a:latin typeface="Consolas" panose="020B0609020204030204" pitchFamily="49" charset="0"/>
-              </a:rPr>
-              <a:t>expr</a:t>
-            </a:r>
-            <a:r>
-              <a:rPr lang="en-US" baseline="-25000" dirty="0">
-                <a:latin typeface="Consolas" panose="020B0609020204030204" pitchFamily="49" charset="0"/>
-              </a:rPr>
-              <a:t>2</a:t>
-            </a:r>
-            <a:r>
-              <a:rPr lang="en-US" dirty="0"/>
-              <a:t> </a:t>
-            </a:r>
-            <a:r>
-              <a:rPr lang="en-US" b="1" dirty="0"/>
-              <a:t>is</a:t>
-            </a:r>
-            <a:r>
-              <a:rPr lang="en-US" dirty="0"/>
-              <a:t> evaluated, and its value becomes the truth value for the compound expression.</a:t>
-            </a:r>
-          </a:p>
-          <a:p>
-            <a:r>
-              <a:rPr lang="en-US" dirty="0"/>
-              <a:t>Given an expression of the form </a:t>
-            </a:r>
-            <a:r>
-              <a:rPr lang="en-US" dirty="0">
-                <a:latin typeface="Consolas" panose="020B0609020204030204" pitchFamily="49" charset="0"/>
-              </a:rPr>
-              <a:t>expr</a:t>
-            </a:r>
-            <a:r>
-              <a:rPr lang="en-US" baseline="-25000" dirty="0">
-                <a:latin typeface="Consolas" panose="020B0609020204030204" pitchFamily="49" charset="0"/>
-              </a:rPr>
-              <a:t>1</a:t>
-            </a:r>
-            <a:r>
-              <a:rPr lang="en-US" dirty="0">
-                <a:latin typeface="Consolas" panose="020B0609020204030204" pitchFamily="49" charset="0"/>
-              </a:rPr>
-              <a:t> or expr</a:t>
-            </a:r>
-            <a:r>
-              <a:rPr lang="en-US" baseline="-25000" dirty="0">
-                <a:latin typeface="Consolas" panose="020B0609020204030204" pitchFamily="49" charset="0"/>
-              </a:rPr>
-              <a:t>2</a:t>
-            </a:r>
-            <a:endParaRPr lang="en-US" dirty="0"/>
-          </a:p>
-          <a:p>
-            <a:pPr lvl="1"/>
-            <a:r>
-              <a:rPr lang="en-US" dirty="0"/>
-              <a:t>The left operand (</a:t>
-            </a:r>
-            <a:r>
-              <a:rPr lang="en-US" dirty="0">
-                <a:latin typeface="Consolas" panose="020B0609020204030204" pitchFamily="49" charset="0"/>
-              </a:rPr>
-              <a:t>expr</a:t>
-            </a:r>
-            <a:r>
-              <a:rPr lang="en-US" baseline="-25000" dirty="0">
-                <a:latin typeface="Consolas" panose="020B0609020204030204" pitchFamily="49" charset="0"/>
-              </a:rPr>
-              <a:t>1</a:t>
-            </a:r>
-            <a:r>
-              <a:rPr lang="en-US" dirty="0"/>
-              <a:t>) is evaluated.</a:t>
-            </a:r>
-          </a:p>
-          <a:p>
-            <a:pPr lvl="1"/>
-            <a:r>
-              <a:rPr lang="en-US" dirty="0"/>
-              <a:t>If </a:t>
-            </a:r>
-            <a:r>
-              <a:rPr lang="en-US" dirty="0">
-                <a:latin typeface="Consolas" panose="020B0609020204030204" pitchFamily="49" charset="0"/>
-              </a:rPr>
-              <a:t>expr</a:t>
-            </a:r>
-            <a:r>
-              <a:rPr lang="en-US" baseline="-25000" dirty="0">
-                <a:latin typeface="Consolas" panose="020B0609020204030204" pitchFamily="49" charset="0"/>
-              </a:rPr>
-              <a:t>1</a:t>
-            </a:r>
-            <a:r>
-              <a:rPr lang="en-US" dirty="0"/>
-              <a:t> is true, then </a:t>
-            </a:r>
-            <a:r>
-              <a:rPr lang="en-US" dirty="0">
-                <a:latin typeface="Consolas" panose="020B0609020204030204" pitchFamily="49" charset="0"/>
-              </a:rPr>
-              <a:t>expr</a:t>
-            </a:r>
-            <a:r>
-              <a:rPr lang="en-US" baseline="-25000" dirty="0">
-                <a:latin typeface="Consolas" panose="020B0609020204030204" pitchFamily="49" charset="0"/>
-              </a:rPr>
-              <a:t>2</a:t>
-            </a:r>
-            <a:r>
-              <a:rPr lang="en-US" dirty="0"/>
-              <a:t> </a:t>
-            </a:r>
-            <a:r>
-              <a:rPr lang="en-US" b="1" dirty="0"/>
-              <a:t>is not</a:t>
-            </a:r>
-            <a:r>
-              <a:rPr lang="en-US" dirty="0"/>
-              <a:t> evaluated and the truth value for the compound expression is considered to be true.</a:t>
-            </a:r>
-          </a:p>
-          <a:p>
-            <a:pPr lvl="1"/>
-            <a:r>
-              <a:rPr lang="en-US" dirty="0"/>
-              <a:t>If </a:t>
-            </a:r>
-            <a:r>
-              <a:rPr lang="en-US" dirty="0">
-                <a:latin typeface="Consolas" panose="020B0609020204030204" pitchFamily="49" charset="0"/>
-              </a:rPr>
-              <a:t>expr</a:t>
-            </a:r>
-            <a:r>
-              <a:rPr lang="en-US" baseline="-25000" dirty="0">
-                <a:latin typeface="Consolas" panose="020B0609020204030204" pitchFamily="49" charset="0"/>
-              </a:rPr>
-              <a:t>1</a:t>
-            </a:r>
-            <a:r>
-              <a:rPr lang="en-US" dirty="0"/>
-              <a:t> is false, then </a:t>
-            </a:r>
-            <a:r>
-              <a:rPr lang="en-US" dirty="0">
-                <a:latin typeface="Consolas" panose="020B0609020204030204" pitchFamily="49" charset="0"/>
-              </a:rPr>
-              <a:t>expr</a:t>
-            </a:r>
-            <a:r>
-              <a:rPr lang="en-US" baseline="-25000" dirty="0">
-                <a:latin typeface="Consolas" panose="020B0609020204030204" pitchFamily="49" charset="0"/>
-              </a:rPr>
-              <a:t>2</a:t>
-            </a:r>
-            <a:r>
-              <a:rPr lang="en-US" dirty="0"/>
-              <a:t> </a:t>
-            </a:r>
-            <a:r>
-              <a:rPr lang="en-US" b="1" dirty="0"/>
-              <a:t>is</a:t>
-            </a:r>
-            <a:r>
-              <a:rPr lang="en-US" dirty="0"/>
-              <a:t> evaluated, and value becomes the truth value for the compound expression.</a:t>
-            </a:r>
-          </a:p>
-          <a:p>
-            <a:pPr lvl="1"/>
-            <a:endParaRPr lang="en-US" dirty="0"/>
-          </a:p>
-        </p:txBody>
-      </p:sp>
-      <p:sp>
-        <p:nvSpPr>
-          <p:cNvPr id="26628" name="Footer Placeholder 3"/>
+        <p:spPr>
+          <a:xfrm>
+            <a:off x="458787" y="1363663"/>
+            <a:ext cx="8229600" cy="4935537"/>
+          </a:xfrm>
+        </p:spPr>
+        <p:txBody>
+          <a:bodyPr/>
+          <a:lstStyle/>
+          <a:p>
+            <a:pPr marL="274320" indent="0">
+              <a:spcBef>
+                <a:spcPts val="100"/>
+              </a:spcBef>
+              <a:buFontTx/>
+              <a:buNone/>
+            </a:pPr>
+            <a:r>
+              <a:rPr lang="en-US" sz="1800" dirty="0">
+                <a:latin typeface="Consolas" pitchFamily="49" charset="0"/>
+                <a:cs typeface="Consolas" pitchFamily="49" charset="0"/>
+              </a:rPr>
+              <a:t>public void emit() throws </a:t>
+            </a:r>
+            <a:r>
+              <a:rPr lang="en-US" sz="1800" dirty="0" err="1">
+                <a:latin typeface="Consolas" pitchFamily="49" charset="0"/>
+                <a:cs typeface="Consolas" pitchFamily="49" charset="0"/>
+              </a:rPr>
+              <a:t>CodeGenException</a:t>
+            </a:r>
+            <a:endParaRPr lang="en-US" sz="1800" dirty="0">
+              <a:latin typeface="Consolas" pitchFamily="49" charset="0"/>
+              <a:cs typeface="Consolas" pitchFamily="49" charset="0"/>
+            </a:endParaRPr>
+          </a:p>
+          <a:p>
+            <a:pPr marL="274320" indent="0">
+              <a:spcBef>
+                <a:spcPts val="100"/>
+              </a:spcBef>
+              <a:buFontTx/>
+              <a:buNone/>
+            </a:pPr>
+            <a:r>
+              <a:rPr lang="en-US" sz="1800" dirty="0">
+                <a:latin typeface="Consolas" pitchFamily="49" charset="0"/>
+                <a:cs typeface="Consolas" pitchFamily="49" charset="0"/>
+              </a:rPr>
+              <a:t>  {</a:t>
+            </a:r>
+          </a:p>
+          <a:p>
+            <a:pPr marL="274320" indent="0">
+              <a:spcBef>
+                <a:spcPts val="100"/>
+              </a:spcBef>
+              <a:buFontTx/>
+              <a:buNone/>
+            </a:pPr>
+            <a:r>
+              <a:rPr lang="en-US" sz="1800" dirty="0">
+                <a:latin typeface="Consolas" pitchFamily="49" charset="0"/>
+                <a:cs typeface="Consolas" pitchFamily="49" charset="0"/>
+              </a:rPr>
+              <a:t>    var </a:t>
+            </a:r>
+            <a:r>
+              <a:rPr lang="en-US" sz="1800" dirty="0" err="1">
+                <a:latin typeface="Consolas" pitchFamily="49" charset="0"/>
+                <a:cs typeface="Consolas" pitchFamily="49" charset="0"/>
+              </a:rPr>
+              <a:t>operatorSym</a:t>
+            </a:r>
+            <a:r>
+              <a:rPr lang="en-US" sz="1800" dirty="0">
+                <a:latin typeface="Consolas" pitchFamily="49" charset="0"/>
+                <a:cs typeface="Consolas" pitchFamily="49" charset="0"/>
+              </a:rPr>
+              <a:t> = getOperator().</a:t>
+            </a:r>
+            <a:r>
+              <a:rPr lang="en-US" sz="1800" dirty="0" err="1">
+                <a:latin typeface="Consolas" pitchFamily="49" charset="0"/>
+                <a:cs typeface="Consolas" pitchFamily="49" charset="0"/>
+              </a:rPr>
+              <a:t>getSymbol</a:t>
+            </a:r>
+            <a:r>
+              <a:rPr lang="en-US" sz="1800" dirty="0">
+                <a:latin typeface="Consolas" pitchFamily="49" charset="0"/>
+                <a:cs typeface="Consolas" pitchFamily="49" charset="0"/>
+              </a:rPr>
+              <a:t>();</a:t>
+            </a:r>
+          </a:p>
+          <a:p>
+            <a:pPr marL="274320" indent="0">
+              <a:spcBef>
+                <a:spcPts val="100"/>
+              </a:spcBef>
+              <a:buFontTx/>
+              <a:buNone/>
+            </a:pPr>
+            <a:endParaRPr lang="en-US" sz="1800" dirty="0">
+              <a:latin typeface="Consolas" pitchFamily="49" charset="0"/>
+              <a:cs typeface="Consolas" pitchFamily="49" charset="0"/>
+            </a:endParaRPr>
+          </a:p>
+          <a:p>
+            <a:pPr marL="274320" indent="0">
+              <a:spcBef>
+                <a:spcPts val="100"/>
+              </a:spcBef>
+              <a:buFontTx/>
+              <a:buNone/>
+            </a:pPr>
+            <a:r>
+              <a:rPr lang="en-US" sz="1800" dirty="0">
+                <a:latin typeface="Consolas" pitchFamily="49" charset="0"/>
+                <a:cs typeface="Consolas" pitchFamily="49" charset="0"/>
+              </a:rPr>
+              <a:t>    </a:t>
+            </a:r>
+            <a:r>
+              <a:rPr lang="en-US" sz="1800" dirty="0" err="1">
+                <a:latin typeface="Consolas" pitchFamily="49" charset="0"/>
+                <a:cs typeface="Consolas" pitchFamily="49" charset="0"/>
+              </a:rPr>
+              <a:t>getLeftOperand.emit</a:t>
+            </a:r>
+            <a:r>
+              <a:rPr lang="en-US" sz="1800" dirty="0">
+                <a:latin typeface="Consolas" pitchFamily="49" charset="0"/>
+                <a:cs typeface="Consolas" pitchFamily="49" charset="0"/>
+              </a:rPr>
+              <a:t>();</a:t>
+            </a:r>
+          </a:p>
+          <a:p>
+            <a:pPr marL="274320" indent="0">
+              <a:spcBef>
+                <a:spcPts val="100"/>
+              </a:spcBef>
+              <a:buFontTx/>
+              <a:buNone/>
+            </a:pPr>
+            <a:r>
+              <a:rPr lang="en-US" sz="1800" dirty="0">
+                <a:latin typeface="Consolas" pitchFamily="49" charset="0"/>
+                <a:cs typeface="Consolas" pitchFamily="49" charset="0"/>
+              </a:rPr>
+              <a:t>    </a:t>
+            </a:r>
+            <a:r>
+              <a:rPr lang="en-US" sz="1800" dirty="0" err="1">
+                <a:latin typeface="Consolas" pitchFamily="49" charset="0"/>
+                <a:cs typeface="Consolas" pitchFamily="49" charset="0"/>
+              </a:rPr>
+              <a:t>getRightOperand.emit</a:t>
+            </a:r>
+            <a:r>
+              <a:rPr lang="en-US" sz="1800" dirty="0">
+                <a:latin typeface="Consolas" pitchFamily="49" charset="0"/>
+                <a:cs typeface="Consolas" pitchFamily="49" charset="0"/>
+              </a:rPr>
+              <a:t>();</a:t>
+            </a:r>
+          </a:p>
+          <a:p>
+            <a:pPr marL="274320" indent="0">
+              <a:spcBef>
+                <a:spcPts val="100"/>
+              </a:spcBef>
+              <a:buFontTx/>
+              <a:buNone/>
+            </a:pPr>
+            <a:endParaRPr lang="en-US" sz="1800" dirty="0">
+              <a:latin typeface="Consolas" pitchFamily="49" charset="0"/>
+              <a:cs typeface="Consolas" pitchFamily="49" charset="0"/>
+            </a:endParaRPr>
+          </a:p>
+          <a:p>
+            <a:pPr marL="274320" indent="0">
+              <a:spcBef>
+                <a:spcPts val="100"/>
+              </a:spcBef>
+              <a:buFontTx/>
+              <a:buNone/>
+            </a:pPr>
+            <a:r>
+              <a:rPr lang="en-US" sz="1800" dirty="0">
+                <a:latin typeface="Consolas" pitchFamily="49" charset="0"/>
+                <a:cs typeface="Consolas" pitchFamily="49" charset="0"/>
+              </a:rPr>
+              <a:t>    if (</a:t>
+            </a:r>
+            <a:r>
+              <a:rPr lang="en-US" sz="1800" dirty="0" err="1">
+                <a:latin typeface="Consolas" pitchFamily="49" charset="0"/>
+                <a:cs typeface="Consolas" pitchFamily="49" charset="0"/>
+              </a:rPr>
+              <a:t>operatorSym</a:t>
+            </a:r>
+            <a:r>
+              <a:rPr lang="en-US" sz="1800" dirty="0">
+                <a:latin typeface="Consolas" pitchFamily="49" charset="0"/>
+                <a:cs typeface="Consolas" pitchFamily="49" charset="0"/>
+              </a:rPr>
+              <a:t> == Symbol.plus)</a:t>
+            </a:r>
+          </a:p>
+          <a:p>
+            <a:pPr marL="274320" indent="0">
+              <a:spcBef>
+                <a:spcPts val="100"/>
+              </a:spcBef>
+              <a:buFontTx/>
+              <a:buNone/>
+            </a:pPr>
+            <a:r>
+              <a:rPr lang="en-US" sz="1800" dirty="0">
+                <a:latin typeface="Consolas" pitchFamily="49" charset="0"/>
+                <a:cs typeface="Consolas" pitchFamily="49" charset="0"/>
+              </a:rPr>
+              <a:t>        emit("ADD");</a:t>
+            </a:r>
+          </a:p>
+          <a:p>
+            <a:pPr marL="274320" indent="0">
+              <a:spcBef>
+                <a:spcPts val="100"/>
+              </a:spcBef>
+              <a:buFontTx/>
+              <a:buNone/>
+            </a:pPr>
+            <a:r>
+              <a:rPr lang="en-US" sz="1800" dirty="0">
+                <a:latin typeface="Consolas" pitchFamily="49" charset="0"/>
+                <a:cs typeface="Consolas" pitchFamily="49" charset="0"/>
+              </a:rPr>
+              <a:t>    else if (</a:t>
+            </a:r>
+            <a:r>
+              <a:rPr lang="en-US" sz="1800" dirty="0" err="1">
+                <a:latin typeface="Consolas" pitchFamily="49" charset="0"/>
+                <a:cs typeface="Consolas" pitchFamily="49" charset="0"/>
+              </a:rPr>
+              <a:t>operatorSym</a:t>
+            </a:r>
+            <a:r>
+              <a:rPr lang="en-US" sz="1800" dirty="0">
+                <a:latin typeface="Consolas" pitchFamily="49" charset="0"/>
+                <a:cs typeface="Consolas" pitchFamily="49" charset="0"/>
+              </a:rPr>
+              <a:t> == </a:t>
+            </a:r>
+            <a:r>
+              <a:rPr lang="en-US" sz="1800" dirty="0" err="1">
+                <a:latin typeface="Consolas" pitchFamily="49" charset="0"/>
+                <a:cs typeface="Consolas" pitchFamily="49" charset="0"/>
+              </a:rPr>
+              <a:t>Symbol.minus</a:t>
+            </a:r>
+            <a:r>
+              <a:rPr lang="en-US" sz="1800" dirty="0">
+                <a:latin typeface="Consolas" pitchFamily="49" charset="0"/>
+                <a:cs typeface="Consolas" pitchFamily="49" charset="0"/>
+              </a:rPr>
+              <a:t>)</a:t>
+            </a:r>
+          </a:p>
+          <a:p>
+            <a:pPr marL="274320" indent="0">
+              <a:spcBef>
+                <a:spcPts val="100"/>
+              </a:spcBef>
+              <a:buFontTx/>
+              <a:buNone/>
+            </a:pPr>
+            <a:r>
+              <a:rPr lang="en-US" sz="1800" dirty="0">
+                <a:latin typeface="Consolas" pitchFamily="49" charset="0"/>
+                <a:cs typeface="Consolas" pitchFamily="49" charset="0"/>
+              </a:rPr>
+              <a:t>        emit("SUB");</a:t>
+            </a:r>
+          </a:p>
+          <a:p>
+            <a:pPr marL="274320" indent="0">
+              <a:spcBef>
+                <a:spcPts val="100"/>
+              </a:spcBef>
+              <a:buFontTx/>
+              <a:buNone/>
+            </a:pPr>
+            <a:r>
+              <a:rPr lang="en-US" sz="1800" dirty="0">
+                <a:latin typeface="Consolas" pitchFamily="49" charset="0"/>
+                <a:cs typeface="Consolas" pitchFamily="49" charset="0"/>
+              </a:rPr>
+              <a:t>  }</a:t>
+            </a:r>
+          </a:p>
+        </p:txBody>
+      </p:sp>
+      <p:sp>
+        <p:nvSpPr>
+          <p:cNvPr id="25604" name="Footer Placeholder 3"/>
           <p:cNvSpPr>
             <a:spLocks noGrp="1"/>
           </p:cNvSpPr>
@@ -14771,7 +14639,7 @@
       </p:sp>
       <p:sp>
         <p:nvSpPr>
-          <p:cNvPr id="26629" name="Slide Number Placeholder 4"/>
+          <p:cNvPr id="25605" name="Slide Number Placeholder 4"/>
           <p:cNvSpPr>
             <a:spLocks noGrp="1"/>
           </p:cNvSpPr>
@@ -14790,7 +14658,7 @@
               <a:rPr lang="en-US"/>
               <a:t>Slide </a:t>
             </a:r>
-            <a:fld id="{24876B46-0EEB-4C37-90F4-F31245340255}" type="slidenum">
+            <a:fld id="{06EFD33E-BC9A-46DE-B1DD-0119E7C5019E}" type="slidenum">
               <a:rPr lang="en-US" smtClean="0"/>
               <a:pPr/>
               <a:t>34</a:t>
@@ -14800,11 +14668,6 @@
         </p:txBody>
       </p:sp>
     </p:spTree>
-    <p:extLst>
-      <p:ext uri="{BB962C8B-B14F-4D97-AF65-F5344CB8AC3E}">
-        <p14:creationId xmlns:p14="http://schemas.microsoft.com/office/powerpoint/2010/main" val="3293066775"/>
-      </p:ext>
-    </p:extLst>
   </p:cSld>
   <p:clrMapOvr>
     <a:masterClrMapping/>
@@ -14845,8 +14708,15 @@
           <a:lstStyle/>
           <a:p>
             <a:r>
-              <a:rPr lang="en-US"/>
-              <a:t>Generating Code for Logical Expressions</a:t>
+              <a:rPr lang="en-US" dirty="0"/>
+              <a:t>Short Circuit Evaluation of</a:t>
+            </a:r>
+            <a:br>
+              <a:rPr lang="en-US" dirty="0"/>
+            </a:br>
+            <a:r>
+              <a:rPr lang="en-US" dirty="0"/>
+              <a:t>Logical Expressions</a:t>
             </a:r>
           </a:p>
         </p:txBody>
@@ -14868,53 +14738,302 @@
           <a:p>
             <a:r>
               <a:rPr lang="en-US" dirty="0"/>
-              <a:t>In general, code generation needs to consider whether or not the language requires logical expressions to use short-circuit evaluation (a.k.a., early exit).  Similar to most high-level languages, CPRL has such a requirement.</a:t>
-            </a:r>
-          </a:p>
-          <a:p>
-            <a:r>
-              <a:rPr lang="en-US" dirty="0"/>
-              <a:t>Using a code generation approach similar that for </a:t>
+              <a:t>Given an expression of the form </a:t>
             </a:r>
             <a:r>
               <a:rPr lang="en-US" dirty="0">
-                <a:latin typeface="Consolas" pitchFamily="49" charset="0"/>
-                <a:cs typeface="Consolas" pitchFamily="49" charset="0"/>
-              </a:rPr>
-              <a:t>AddingExpr</a:t>
-            </a:r>
-            <a:r>
-              <a:rPr lang="en-US" dirty="0"/>
-              <a:t> will </a:t>
+                <a:latin typeface="Consolas" panose="020B0609020204030204" pitchFamily="49" charset="0"/>
+              </a:rPr>
+              <a:t>expr</a:t>
+            </a:r>
+            <a:r>
+              <a:rPr lang="en-US" baseline="-25000" dirty="0">
+                <a:latin typeface="Consolas" panose="020B0609020204030204" pitchFamily="49" charset="0"/>
+              </a:rPr>
+              <a:t>1</a:t>
+            </a:r>
+            <a:r>
+              <a:rPr lang="en-US" dirty="0">
+                <a:latin typeface="Consolas" panose="020B0609020204030204" pitchFamily="49" charset="0"/>
+              </a:rPr>
+              <a:t> and expr</a:t>
+            </a:r>
+            <a:r>
+              <a:rPr lang="en-US" baseline="-25000" dirty="0">
+                <a:latin typeface="Consolas" panose="020B0609020204030204" pitchFamily="49" charset="0"/>
+              </a:rPr>
+              <a:t>2</a:t>
+            </a:r>
+            <a:endParaRPr lang="en-US" dirty="0"/>
+          </a:p>
+          <a:p>
+            <a:pPr lvl="1"/>
+            <a:r>
+              <a:rPr lang="en-US" dirty="0"/>
+              <a:t>The left operand (</a:t>
+            </a:r>
+            <a:r>
+              <a:rPr lang="en-US" dirty="0">
+                <a:latin typeface="Consolas" panose="020B0609020204030204" pitchFamily="49" charset="0"/>
+              </a:rPr>
+              <a:t>expr</a:t>
+            </a:r>
+            <a:r>
+              <a:rPr lang="en-US" baseline="-25000" dirty="0">
+                <a:latin typeface="Consolas" panose="020B0609020204030204" pitchFamily="49" charset="0"/>
+              </a:rPr>
+              <a:t>1</a:t>
+            </a:r>
+            <a:r>
+              <a:rPr lang="en-US" dirty="0"/>
+              <a:t>) is evaluated.</a:t>
+            </a:r>
+          </a:p>
+          <a:p>
+            <a:pPr lvl="1"/>
+            <a:r>
+              <a:rPr lang="en-US" dirty="0"/>
+              <a:t>If </a:t>
+            </a:r>
+            <a:r>
+              <a:rPr lang="en-US" dirty="0">
+                <a:latin typeface="Consolas" panose="020B0609020204030204" pitchFamily="49" charset="0"/>
+              </a:rPr>
+              <a:t>expr</a:t>
+            </a:r>
+            <a:r>
+              <a:rPr lang="en-US" baseline="-25000" dirty="0">
+                <a:latin typeface="Consolas" panose="020B0609020204030204" pitchFamily="49" charset="0"/>
+              </a:rPr>
+              <a:t>1</a:t>
+            </a:r>
+            <a:r>
+              <a:rPr lang="en-US" dirty="0"/>
+              <a:t> is false, then </a:t>
+            </a:r>
+            <a:r>
+              <a:rPr lang="en-US" dirty="0">
+                <a:latin typeface="Consolas" panose="020B0609020204030204" pitchFamily="49" charset="0"/>
+              </a:rPr>
+              <a:t>expr</a:t>
+            </a:r>
+            <a:r>
+              <a:rPr lang="en-US" baseline="-25000" dirty="0">
+                <a:latin typeface="Consolas" panose="020B0609020204030204" pitchFamily="49" charset="0"/>
+              </a:rPr>
+              <a:t>2</a:t>
+            </a:r>
+            <a:r>
+              <a:rPr lang="en-US" dirty="0"/>
+              <a:t> </a:t>
             </a:r>
             <a:r>
               <a:rPr lang="en-US" b="1" dirty="0"/>
-              <a:t>not</a:t>
-            </a:r>
-            <a:r>
-              <a:rPr lang="en-US" dirty="0"/>
-              <a:t> result in short-circuit evaluation.  For example, in generating code for an “</a:t>
+              <a:t>is not</a:t>
+            </a:r>
+            <a:r>
+              <a:rPr lang="en-US" dirty="0"/>
+              <a:t> evaluated and the truth value for the compound expression is considered to be false.</a:t>
+            </a:r>
+          </a:p>
+          <a:p>
+            <a:pPr lvl="1"/>
+            <a:r>
+              <a:rPr lang="en-US" dirty="0"/>
+              <a:t>If </a:t>
             </a:r>
             <a:r>
               <a:rPr lang="en-US" dirty="0">
                 <a:latin typeface="Consolas" panose="020B0609020204030204" pitchFamily="49" charset="0"/>
               </a:rPr>
-              <a:t>and</a:t>
-            </a:r>
-            <a:r>
-              <a:rPr lang="en-US" dirty="0"/>
-              <a:t>” expression, we can’t simply emit code for left operand, emit code for the right operand, and then “</a:t>
+              <a:t>expr</a:t>
+            </a:r>
+            <a:r>
+              <a:rPr lang="en-US" baseline="-25000" dirty="0">
+                <a:latin typeface="Consolas" panose="020B0609020204030204" pitchFamily="49" charset="0"/>
+              </a:rPr>
+              <a:t>1</a:t>
+            </a:r>
+            <a:r>
+              <a:rPr lang="en-US" dirty="0"/>
+              <a:t> is true, then </a:t>
             </a:r>
             <a:r>
               <a:rPr lang="en-US" dirty="0">
                 <a:latin typeface="Consolas" panose="020B0609020204030204" pitchFamily="49" charset="0"/>
               </a:rPr>
-              <a:t>and</a:t>
-            </a:r>
-            <a:r>
-              <a:rPr lang="en-US" dirty="0"/>
-              <a:t>” them together.</a:t>
-            </a:r>
+              <a:t>expr</a:t>
+            </a:r>
+            <a:r>
+              <a:rPr lang="en-US" baseline="-25000" dirty="0">
+                <a:latin typeface="Consolas" panose="020B0609020204030204" pitchFamily="49" charset="0"/>
+              </a:rPr>
+              <a:t>2</a:t>
+            </a:r>
+            <a:r>
+              <a:rPr lang="en-US" dirty="0"/>
+              <a:t> </a:t>
+            </a:r>
+            <a:r>
+              <a:rPr lang="en-US" b="1" dirty="0"/>
+              <a:t>is</a:t>
+            </a:r>
+            <a:r>
+              <a:rPr lang="en-US" dirty="0"/>
+              <a:t> evaluated, and its value becomes the truth value for the compound expression.</a:t>
+            </a:r>
+          </a:p>
+          <a:p>
+            <a:r>
+              <a:rPr lang="en-US" dirty="0"/>
+              <a:t>Given an expression of the form </a:t>
+            </a:r>
+            <a:r>
+              <a:rPr lang="en-US" dirty="0">
+                <a:latin typeface="Consolas" panose="020B0609020204030204" pitchFamily="49" charset="0"/>
+              </a:rPr>
+              <a:t>expr</a:t>
+            </a:r>
+            <a:r>
+              <a:rPr lang="en-US" baseline="-25000" dirty="0">
+                <a:latin typeface="Consolas" panose="020B0609020204030204" pitchFamily="49" charset="0"/>
+              </a:rPr>
+              <a:t>1</a:t>
+            </a:r>
+            <a:r>
+              <a:rPr lang="en-US" dirty="0">
+                <a:latin typeface="Consolas" panose="020B0609020204030204" pitchFamily="49" charset="0"/>
+              </a:rPr>
+              <a:t> or expr</a:t>
+            </a:r>
+            <a:r>
+              <a:rPr lang="en-US" baseline="-25000" dirty="0">
+                <a:latin typeface="Consolas" panose="020B0609020204030204" pitchFamily="49" charset="0"/>
+              </a:rPr>
+              <a:t>2</a:t>
+            </a:r>
+            <a:endParaRPr lang="en-US" dirty="0"/>
+          </a:p>
+          <a:p>
+            <a:pPr lvl="1"/>
+            <a:r>
+              <a:rPr lang="en-US" dirty="0"/>
+              <a:t>The left operand (</a:t>
+            </a:r>
+            <a:r>
+              <a:rPr lang="en-US" dirty="0">
+                <a:latin typeface="Consolas" panose="020B0609020204030204" pitchFamily="49" charset="0"/>
+              </a:rPr>
+              <a:t>expr</a:t>
+            </a:r>
+            <a:r>
+              <a:rPr lang="en-US" baseline="-25000" dirty="0">
+                <a:latin typeface="Consolas" panose="020B0609020204030204" pitchFamily="49" charset="0"/>
+              </a:rPr>
+              <a:t>1</a:t>
+            </a:r>
+            <a:r>
+              <a:rPr lang="en-US" dirty="0"/>
+              <a:t>) is evaluated.</a:t>
+            </a:r>
+          </a:p>
+          <a:p>
+            <a:pPr lvl="1"/>
+            <a:r>
+              <a:rPr lang="en-US" dirty="0"/>
+              <a:t>If </a:t>
+            </a:r>
+            <a:r>
+              <a:rPr lang="en-US" dirty="0">
+                <a:latin typeface="Consolas" panose="020B0609020204030204" pitchFamily="49" charset="0"/>
+              </a:rPr>
+              <a:t>expr</a:t>
+            </a:r>
+            <a:r>
+              <a:rPr lang="en-US" baseline="-25000" dirty="0">
+                <a:latin typeface="Consolas" panose="020B0609020204030204" pitchFamily="49" charset="0"/>
+              </a:rPr>
+              <a:t>1</a:t>
+            </a:r>
+            <a:r>
+              <a:rPr lang="en-US" dirty="0"/>
+              <a:t> is true, then </a:t>
+            </a:r>
+            <a:r>
+              <a:rPr lang="en-US" dirty="0">
+                <a:latin typeface="Consolas" panose="020B0609020204030204" pitchFamily="49" charset="0"/>
+              </a:rPr>
+              <a:t>expr</a:t>
+            </a:r>
+            <a:r>
+              <a:rPr lang="en-US" baseline="-25000" dirty="0">
+                <a:latin typeface="Consolas" panose="020B0609020204030204" pitchFamily="49" charset="0"/>
+              </a:rPr>
+              <a:t>2</a:t>
+            </a:r>
+            <a:r>
+              <a:rPr lang="en-US" dirty="0"/>
+              <a:t> </a:t>
+            </a:r>
+            <a:r>
+              <a:rPr lang="en-US" b="1" dirty="0"/>
+              <a:t>is not</a:t>
+            </a:r>
+            <a:r>
+              <a:rPr lang="en-US" dirty="0"/>
+              <a:t> evaluated and the truth value for the compound expression is considered to be true.</a:t>
+            </a:r>
+          </a:p>
+          <a:p>
+            <a:pPr lvl="1"/>
+            <a:r>
+              <a:rPr lang="en-US" dirty="0"/>
+              <a:t>If </a:t>
+            </a:r>
+            <a:r>
+              <a:rPr lang="en-US" dirty="0">
+                <a:latin typeface="Consolas" panose="020B0609020204030204" pitchFamily="49" charset="0"/>
+              </a:rPr>
+              <a:t>expr</a:t>
+            </a:r>
+            <a:r>
+              <a:rPr lang="en-US" baseline="-25000" dirty="0">
+                <a:latin typeface="Consolas" panose="020B0609020204030204" pitchFamily="49" charset="0"/>
+              </a:rPr>
+              <a:t>1</a:t>
+            </a:r>
+            <a:r>
+              <a:rPr lang="en-US" dirty="0"/>
+              <a:t> is false, then </a:t>
+            </a:r>
+            <a:r>
+              <a:rPr lang="en-US" dirty="0">
+                <a:latin typeface="Consolas" panose="020B0609020204030204" pitchFamily="49" charset="0"/>
+              </a:rPr>
+              <a:t>expr</a:t>
+            </a:r>
+            <a:r>
+              <a:rPr lang="en-US" baseline="-25000" dirty="0">
+                <a:latin typeface="Consolas" panose="020B0609020204030204" pitchFamily="49" charset="0"/>
+              </a:rPr>
+              <a:t>2</a:t>
+            </a:r>
+            <a:r>
+              <a:rPr lang="en-US" dirty="0"/>
+              <a:t> </a:t>
+            </a:r>
+            <a:r>
+              <a:rPr lang="en-US" b="1" dirty="0"/>
+              <a:t>is</a:t>
+            </a:r>
+            <a:r>
+              <a:rPr lang="en-US" dirty="0"/>
+              <a:t> evaluated, and value becomes the truth value for the compound expression.</a:t>
+            </a:r>
+          </a:p>
+          <a:p>
+            <a:pPr lvl="1"/>
+            <a:endParaRPr lang="en-US" dirty="0"/>
           </a:p>
         </p:txBody>
       </p:sp>
@@ -14973,6 +15092,11 @@
         </p:txBody>
       </p:sp>
     </p:spTree>
+    <p:extLst>
+      <p:ext uri="{BB962C8B-B14F-4D97-AF65-F5344CB8AC3E}">
+        <p14:creationId xmlns:p14="http://schemas.microsoft.com/office/powerpoint/2010/main" val="3293066775"/>
+      </p:ext>
+    </p:extLst>
   </p:cSld>
   <p:clrMapOvr>
     <a:masterClrMapping/>
@@ -14999,6 +15123,174 @@
       </p:grpSpPr>
       <p:sp>
         <p:nvSpPr>
+          <p:cNvPr id="26626" name="Title 1"/>
+          <p:cNvSpPr>
+            <a:spLocks noGrp="1"/>
+          </p:cNvSpPr>
+          <p:nvPr>
+            <p:ph type="title"/>
+          </p:nvPr>
+        </p:nvSpPr>
+        <p:spPr/>
+        <p:txBody>
+          <a:bodyPr/>
+          <a:lstStyle/>
+          <a:p>
+            <a:r>
+              <a:rPr lang="en-US"/>
+              <a:t>Generating Code for Logical Expressions</a:t>
+            </a:r>
+          </a:p>
+        </p:txBody>
+      </p:sp>
+      <p:sp>
+        <p:nvSpPr>
+          <p:cNvPr id="26627" name="Content Placeholder 2"/>
+          <p:cNvSpPr>
+            <a:spLocks noGrp="1"/>
+          </p:cNvSpPr>
+          <p:nvPr>
+            <p:ph idx="1"/>
+          </p:nvPr>
+        </p:nvSpPr>
+        <p:spPr/>
+        <p:txBody>
+          <a:bodyPr/>
+          <a:lstStyle/>
+          <a:p>
+            <a:r>
+              <a:rPr lang="en-US" dirty="0"/>
+              <a:t>In general, code generation needs to consider whether or not the language requires logical expressions to use short-circuit evaluation (a.k.a., early exit).  Similar to most high-level languages, CPRL has such a requirement.</a:t>
+            </a:r>
+          </a:p>
+          <a:p>
+            <a:r>
+              <a:rPr lang="en-US" dirty="0"/>
+              <a:t>Using a code generation approach similar that for </a:t>
+            </a:r>
+            <a:r>
+              <a:rPr lang="en-US" dirty="0">
+                <a:latin typeface="Consolas" pitchFamily="49" charset="0"/>
+                <a:cs typeface="Consolas" pitchFamily="49" charset="0"/>
+              </a:rPr>
+              <a:t>AddingExpr</a:t>
+            </a:r>
+            <a:r>
+              <a:rPr lang="en-US" dirty="0"/>
+              <a:t> will </a:t>
+            </a:r>
+            <a:r>
+              <a:rPr lang="en-US" b="1" dirty="0"/>
+              <a:t>not</a:t>
+            </a:r>
+            <a:r>
+              <a:rPr lang="en-US" dirty="0"/>
+              <a:t> result in short-circuit evaluation.  For example, in generating code for an “</a:t>
+            </a:r>
+            <a:r>
+              <a:rPr lang="en-US" dirty="0">
+                <a:latin typeface="Consolas" panose="020B0609020204030204" pitchFamily="49" charset="0"/>
+              </a:rPr>
+              <a:t>and</a:t>
+            </a:r>
+            <a:r>
+              <a:rPr lang="en-US" dirty="0"/>
+              <a:t>” expression, we can’t simply emit code for left operand, emit code for the right operand, and then “</a:t>
+            </a:r>
+            <a:r>
+              <a:rPr lang="en-US" dirty="0">
+                <a:latin typeface="Consolas" panose="020B0609020204030204" pitchFamily="49" charset="0"/>
+              </a:rPr>
+              <a:t>and</a:t>
+            </a:r>
+            <a:r>
+              <a:rPr lang="en-US" dirty="0"/>
+              <a:t>” them together.</a:t>
+            </a:r>
+          </a:p>
+        </p:txBody>
+      </p:sp>
+      <p:sp>
+        <p:nvSpPr>
+          <p:cNvPr id="26628" name="Footer Placeholder 3"/>
+          <p:cNvSpPr>
+            <a:spLocks noGrp="1"/>
+          </p:cNvSpPr>
+          <p:nvPr>
+            <p:ph type="ftr" sz="quarter" idx="10"/>
+          </p:nvPr>
+        </p:nvSpPr>
+        <p:spPr>
+          <a:noFill/>
+        </p:spPr>
+        <p:txBody>
+          <a:bodyPr/>
+          <a:lstStyle/>
+          <a:p>
+            <a:r>
+              <a:rPr lang="en-US"/>
+              <a:t>©SoftMoore Consulting</a:t>
+            </a:r>
+          </a:p>
+        </p:txBody>
+      </p:sp>
+      <p:sp>
+        <p:nvSpPr>
+          <p:cNvPr id="26629" name="Slide Number Placeholder 4"/>
+          <p:cNvSpPr>
+            <a:spLocks noGrp="1"/>
+          </p:cNvSpPr>
+          <p:nvPr>
+            <p:ph type="sldNum" sz="quarter" idx="11"/>
+          </p:nvPr>
+        </p:nvSpPr>
+        <p:spPr>
+          <a:noFill/>
+        </p:spPr>
+        <p:txBody>
+          <a:bodyPr/>
+          <a:lstStyle/>
+          <a:p>
+            <a:r>
+              <a:rPr lang="en-US"/>
+              <a:t>Slide </a:t>
+            </a:r>
+            <a:fld id="{24876B46-0EEB-4C37-90F4-F31245340255}" type="slidenum">
+              <a:rPr lang="en-US" smtClean="0"/>
+              <a:pPr/>
+              <a:t>36</a:t>
+            </a:fld>
+            <a:endParaRPr lang="en-US"/>
+          </a:p>
+        </p:txBody>
+      </p:sp>
+    </p:spTree>
+  </p:cSld>
+  <p:clrMapOvr>
+    <a:masterClrMapping/>
+  </p:clrMapOvr>
+</p:sld>
+</file>
+
+<file path=ppt/slides/slide37.xml><?xml version="1.0" encoding="utf-8"?>
+<p:sld xmlns:a="http://schemas.openxmlformats.org/drawingml/2006/main" xmlns:r="http://schemas.openxmlformats.org/officeDocument/2006/relationships" xmlns:p="http://schemas.openxmlformats.org/presentationml/2006/main">
+  <p:cSld>
+    <p:spTree>
+      <p:nvGrpSpPr>
+        <p:cNvPr id="1" name=""/>
+        <p:cNvGrpSpPr/>
+        <p:nvPr/>
+      </p:nvGrpSpPr>
+      <p:grpSpPr>
+        <a:xfrm>
+          <a:off x="0" y="0"/>
+          <a:ext cx="0" cy="0"/>
+          <a:chOff x="0" y="0"/>
+          <a:chExt cx="0" cy="0"/>
+        </a:xfrm>
+      </p:grpSpPr>
+      <p:sp>
+        <p:nvSpPr>
           <p:cNvPr id="27650" name="Title 1"/>
           <p:cNvSpPr>
             <a:spLocks noGrp="1"/>
@@ -15298,7 +15590,7 @@
             <a:fld id="{1F74363D-4587-4D3A-B2C3-45B6586F755B}" type="slidenum">
               <a:rPr lang="en-US" smtClean="0"/>
               <a:pPr/>
-              <a:t>36</a:t>
+              <a:t>37</a:t>
             </a:fld>
             <a:endParaRPr lang="en-US"/>
           </a:p>
@@ -15553,155 +15845,6 @@
 </p:sld>
 </file>
 
-<file path=ppt/slides/slide37.xml><?xml version="1.0" encoding="utf-8"?>
-<p:sld xmlns:a="http://schemas.openxmlformats.org/drawingml/2006/main" xmlns:r="http://schemas.openxmlformats.org/officeDocument/2006/relationships" xmlns:p="http://schemas.openxmlformats.org/presentationml/2006/main">
-  <p:cSld>
-    <p:spTree>
-      <p:nvGrpSpPr>
-        <p:cNvPr id="1" name=""/>
-        <p:cNvGrpSpPr/>
-        <p:nvPr/>
-      </p:nvGrpSpPr>
-      <p:grpSpPr>
-        <a:xfrm>
-          <a:off x="0" y="0"/>
-          <a:ext cx="0" cy="0"/>
-          <a:chOff x="0" y="0"/>
-          <a:chExt cx="0" cy="0"/>
-        </a:xfrm>
-      </p:grpSpPr>
-      <p:sp>
-        <p:nvSpPr>
-          <p:cNvPr id="28674" name="Title 1"/>
-          <p:cNvSpPr>
-            <a:spLocks noGrp="1"/>
-          </p:cNvSpPr>
-          <p:nvPr>
-            <p:ph type="title"/>
-          </p:nvPr>
-        </p:nvSpPr>
-        <p:spPr/>
-        <p:txBody>
-          <a:bodyPr/>
-          <a:lstStyle/>
-          <a:p>
-            <a:r>
-              <a:rPr lang="en-US"/>
-              <a:t>Code Generation for Statements</a:t>
-            </a:r>
-          </a:p>
-        </p:txBody>
-      </p:sp>
-      <p:sp>
-        <p:nvSpPr>
-          <p:cNvPr id="28675" name="Content Placeholder 2"/>
-          <p:cNvSpPr>
-            <a:spLocks noGrp="1"/>
-          </p:cNvSpPr>
-          <p:nvPr>
-            <p:ph idx="1"/>
-          </p:nvPr>
-        </p:nvSpPr>
-        <p:spPr/>
-        <p:txBody>
-          <a:bodyPr/>
-          <a:lstStyle/>
-          <a:p>
-            <a:r>
-              <a:rPr lang="en-US" dirty="0"/>
-              <a:t>Code generation for statements can be described by showing several representative examples of code templates or patterns.</a:t>
-            </a:r>
-          </a:p>
-          <a:p>
-            <a:r>
-              <a:rPr lang="en-US" dirty="0"/>
-              <a:t>A code generation template</a:t>
-            </a:r>
-          </a:p>
-          <a:p>
-            <a:pPr lvl="1"/>
-            <a:r>
-              <a:rPr lang="en-US" dirty="0"/>
-              <a:t>specifies some explicit instructions</a:t>
-            </a:r>
-          </a:p>
-          <a:p>
-            <a:pPr lvl="1"/>
-            <a:r>
-              <a:rPr lang="en-US" dirty="0"/>
-              <a:t>delegates portions of the code generation to nested components</a:t>
-            </a:r>
-          </a:p>
-          <a:p>
-            <a:r>
-              <a:rPr lang="en-US" dirty="0"/>
-              <a:t>Code generation templates for control structures will often use labels to designate destination addresses for branches.</a:t>
-            </a:r>
-          </a:p>
-        </p:txBody>
-      </p:sp>
-      <p:sp>
-        <p:nvSpPr>
-          <p:cNvPr id="28676" name="Footer Placeholder 3"/>
-          <p:cNvSpPr>
-            <a:spLocks noGrp="1"/>
-          </p:cNvSpPr>
-          <p:nvPr>
-            <p:ph type="ftr" sz="quarter" idx="10"/>
-          </p:nvPr>
-        </p:nvSpPr>
-        <p:spPr>
-          <a:noFill/>
-        </p:spPr>
-        <p:txBody>
-          <a:bodyPr/>
-          <a:lstStyle/>
-          <a:p>
-            <a:r>
-              <a:rPr lang="en-US"/>
-              <a:t>©SoftMoore Consulting</a:t>
-            </a:r>
-          </a:p>
-        </p:txBody>
-      </p:sp>
-      <p:sp>
-        <p:nvSpPr>
-          <p:cNvPr id="28677" name="Slide Number Placeholder 4"/>
-          <p:cNvSpPr>
-            <a:spLocks noGrp="1"/>
-          </p:cNvSpPr>
-          <p:nvPr>
-            <p:ph type="sldNum" sz="quarter" idx="11"/>
-          </p:nvPr>
-        </p:nvSpPr>
-        <p:spPr>
-          <a:noFill/>
-        </p:spPr>
-        <p:txBody>
-          <a:bodyPr/>
-          <a:lstStyle/>
-          <a:p>
-            <a:r>
-              <a:rPr lang="en-US"/>
-              <a:t>Slide </a:t>
-            </a:r>
-            <a:fld id="{7A18A601-C10C-4618-92C5-10A1B71979C8}" type="slidenum">
-              <a:rPr lang="en-US" smtClean="0"/>
-              <a:pPr/>
-              <a:t>37</a:t>
-            </a:fld>
-            <a:endParaRPr lang="en-US"/>
-          </a:p>
-        </p:txBody>
-      </p:sp>
-    </p:spTree>
-  </p:cSld>
-  <p:clrMapOvr>
-    <a:masterClrMapping/>
-  </p:clrMapOvr>
-</p:sld>
-</file>
-
 <file path=ppt/slides/slide38.xml><?xml version="1.0" encoding="utf-8"?>
 <p:sld xmlns:a="http://schemas.openxmlformats.org/drawingml/2006/main" xmlns:r="http://schemas.openxmlformats.org/officeDocument/2006/relationships" xmlns:p="http://schemas.openxmlformats.org/presentationml/2006/main">
   <p:cSld>
@@ -15721,7 +15864,7 @@
       </p:grpSpPr>
       <p:sp>
         <p:nvSpPr>
-          <p:cNvPr id="29698" name="Title 1"/>
+          <p:cNvPr id="28674" name="Title 1"/>
           <p:cNvSpPr>
             <a:spLocks noGrp="1"/>
           </p:cNvSpPr>
@@ -15735,26 +15878,15 @@
           <a:lstStyle/>
           <a:p>
             <a:r>
-              <a:rPr lang="en-US" dirty="0"/>
-              <a:t>Code Generation for </a:t>
-            </a:r>
-            <a:r>
-              <a:rPr lang="en-US" dirty="0" err="1">
-                <a:latin typeface="Consolas" pitchFamily="49" charset="0"/>
-                <a:cs typeface="Consolas" pitchFamily="49" charset="0"/>
-              </a:rPr>
-              <a:t>AssignmentStmt</a:t>
-            </a:r>
-            <a:endParaRPr lang="en-US" dirty="0">
-              <a:latin typeface="Consolas" pitchFamily="49" charset="0"/>
-              <a:cs typeface="Consolas" pitchFamily="49" charset="0"/>
-            </a:endParaRPr>
-          </a:p>
-        </p:txBody>
-      </p:sp>
-      <p:sp>
-        <p:nvSpPr>
-          <p:cNvPr id="29699" name="Content Placeholder 2"/>
+              <a:rPr lang="en-US"/>
+              <a:t>Code Generation for Statements</a:t>
+            </a:r>
+          </a:p>
+        </p:txBody>
+      </p:sp>
+      <p:sp>
+        <p:nvSpPr>
+          <p:cNvPr id="28675" name="Content Placeholder 2"/>
           <p:cNvSpPr>
             <a:spLocks noGrp="1"/>
           </p:cNvSpPr>
@@ -15767,116 +15899,42 @@
           <a:bodyPr/>
           <a:lstStyle/>
           <a:p>
-            <a:pPr>
-              <a:buFontTx/>
-              <a:buNone/>
-            </a:pPr>
-            <a:r>
-              <a:rPr lang="en-US" dirty="0"/>
-              <a:t>General Description</a:t>
-            </a:r>
-            <a:endParaRPr lang="en-US" dirty="0">
-              <a:latin typeface="Consolas" pitchFamily="49" charset="0"/>
-              <a:cs typeface="Consolas" pitchFamily="49" charset="0"/>
-            </a:endParaRPr>
-          </a:p>
-          <a:p>
-            <a:r>
-              <a:rPr lang="en-US" dirty="0"/>
-              <a:t>Emit code for variable on left side of the assignment operator </a:t>
+            <a:r>
+              <a:rPr lang="en-US" dirty="0"/>
+              <a:t>Code generation for statements can be described by showing several representative examples of code templates or patterns.</a:t>
+            </a:r>
+          </a:p>
+          <a:p>
+            <a:r>
+              <a:rPr lang="en-US" dirty="0"/>
+              <a:t>A code generation template</a:t>
             </a:r>
           </a:p>
           <a:p>
             <a:pPr lvl="1"/>
             <a:r>
               <a:rPr lang="en-US" dirty="0"/>
-              <a:t>leaves variable’s </a:t>
-            </a:r>
-            <a:r>
-              <a:rPr lang="en-US" b="1" dirty="0"/>
-              <a:t>address</a:t>
-            </a:r>
-            <a:r>
-              <a:rPr lang="en-US" dirty="0"/>
-              <a:t> on top of stack</a:t>
-            </a:r>
-          </a:p>
-          <a:p>
-            <a:r>
-              <a:rPr lang="en-US" dirty="0"/>
-              <a:t>Emit code for expression on right side of the assignment operator</a:t>
+              <a:t>specifies some explicit instructions</a:t>
             </a:r>
           </a:p>
           <a:p>
             <a:pPr lvl="1"/>
             <a:r>
               <a:rPr lang="en-US" dirty="0"/>
-              <a:t>leaves expression </a:t>
-            </a:r>
-            <a:r>
-              <a:rPr lang="en-US" b="1" dirty="0"/>
-              <a:t>value</a:t>
-            </a:r>
-            <a:r>
-              <a:rPr lang="en-US" dirty="0"/>
-              <a:t> on top of stack</a:t>
-            </a:r>
-          </a:p>
-          <a:p>
-            <a:r>
-              <a:rPr lang="en-US" dirty="0"/>
-              <a:t>Emit appropriate store instruction based on the expression’s type</a:t>
-            </a:r>
-          </a:p>
-          <a:p>
-            <a:pPr lvl="1"/>
-            <a:r>
-              <a:rPr lang="en-US" dirty="0"/>
-              <a:t>removes value and address, copies value to address</a:t>
-            </a:r>
-          </a:p>
-          <a:p>
-            <a:pPr lvl="1"/>
-            <a:r>
-              <a:rPr lang="en-US" dirty="0"/>
-              <a:t>example store instructions are </a:t>
-            </a:r>
-            <a:r>
-              <a:rPr lang="en-US" dirty="0">
-                <a:latin typeface="Consolas" panose="020B0609020204030204" pitchFamily="49" charset="0"/>
-              </a:rPr>
-              <a:t>STOREB</a:t>
-            </a:r>
-            <a:r>
-              <a:rPr lang="en-US" dirty="0"/>
-              <a:t>, </a:t>
-            </a:r>
-            <a:r>
-              <a:rPr lang="en-US" dirty="0">
-                <a:latin typeface="Consolas" panose="020B0609020204030204" pitchFamily="49" charset="0"/>
-              </a:rPr>
-              <a:t>STORE2B</a:t>
-            </a:r>
-            <a:r>
-              <a:rPr lang="en-US" dirty="0"/>
-              <a:t>, </a:t>
-            </a:r>
-            <a:r>
-              <a:rPr lang="en-US" dirty="0">
-                <a:latin typeface="Consolas" panose="020B0609020204030204" pitchFamily="49" charset="0"/>
-              </a:rPr>
-              <a:t>STOREW</a:t>
-            </a:r>
-            <a:r>
-              <a:rPr lang="en-US" dirty="0"/>
-              <a:t>, etc.</a:t>
-            </a:r>
-          </a:p>
-        </p:txBody>
-      </p:sp>
-      <p:sp>
-        <p:nvSpPr>
-          <p:cNvPr id="29700" name="Footer Placeholder 3"/>
+              <a:t>delegates portions of the code generation to nested components</a:t>
+            </a:r>
+          </a:p>
+          <a:p>
+            <a:r>
+              <a:rPr lang="en-US" dirty="0"/>
+              <a:t>Code generation templates for control structures will often use labels to designate destination addresses for branches.</a:t>
+            </a:r>
+          </a:p>
+        </p:txBody>
+      </p:sp>
+      <p:sp>
+        <p:nvSpPr>
+          <p:cNvPr id="28676" name="Footer Placeholder 3"/>
           <p:cNvSpPr>
             <a:spLocks noGrp="1"/>
           </p:cNvSpPr>
@@ -15900,7 +15958,7 @@
       </p:sp>
       <p:sp>
         <p:nvSpPr>
-          <p:cNvPr id="29701" name="Slide Number Placeholder 4"/>
+          <p:cNvPr id="28677" name="Slide Number Placeholder 4"/>
           <p:cNvSpPr>
             <a:spLocks noGrp="1"/>
           </p:cNvSpPr>
@@ -15919,7 +15977,7 @@
               <a:rPr lang="en-US"/>
               <a:t>Slide </a:t>
             </a:r>
-            <a:fld id="{5270B316-7D10-4FBA-8AFB-7715718965CC}" type="slidenum">
+            <a:fld id="{7A18A601-C10C-4618-92C5-10A1B71979C8}" type="slidenum">
               <a:rPr lang="en-US" smtClean="0"/>
               <a:pPr/>
               <a:t>38</a:t>
@@ -15955,7 +16013,7 @@
       </p:grpSpPr>
       <p:sp>
         <p:nvSpPr>
-          <p:cNvPr id="30722" name="Title 1"/>
+          <p:cNvPr id="29698" name="Title 1"/>
           <p:cNvSpPr>
             <a:spLocks noGrp="1"/>
           </p:cNvSpPr>
@@ -15973,163 +16031,144 @@
               <a:t>Code Generation for </a:t>
             </a:r>
             <a:r>
+              <a:rPr lang="en-US" dirty="0" err="1">
+                <a:latin typeface="Consolas" pitchFamily="49" charset="0"/>
+                <a:cs typeface="Consolas" pitchFamily="49" charset="0"/>
+              </a:rPr>
+              <a:t>AssignmentStmt</a:t>
+            </a:r>
+            <a:endParaRPr lang="en-US" dirty="0">
+              <a:latin typeface="Consolas" pitchFamily="49" charset="0"/>
+              <a:cs typeface="Consolas" pitchFamily="49" charset="0"/>
+            </a:endParaRPr>
+          </a:p>
+        </p:txBody>
+      </p:sp>
+      <p:sp>
+        <p:nvSpPr>
+          <p:cNvPr id="29699" name="Content Placeholder 2"/>
+          <p:cNvSpPr>
+            <a:spLocks noGrp="1"/>
+          </p:cNvSpPr>
+          <p:nvPr>
+            <p:ph idx="1"/>
+          </p:nvPr>
+        </p:nvSpPr>
+        <p:spPr/>
+        <p:txBody>
+          <a:bodyPr/>
+          <a:lstStyle/>
+          <a:p>
+            <a:pPr>
+              <a:buFontTx/>
+              <a:buNone/>
+            </a:pPr>
+            <a:r>
+              <a:rPr lang="en-US" dirty="0"/>
+              <a:t>General Description</a:t>
+            </a:r>
+            <a:endParaRPr lang="en-US" dirty="0">
+              <a:latin typeface="Consolas" pitchFamily="49" charset="0"/>
+              <a:cs typeface="Consolas" pitchFamily="49" charset="0"/>
+            </a:endParaRPr>
+          </a:p>
+          <a:p>
+            <a:r>
+              <a:rPr lang="en-US" dirty="0"/>
+              <a:t>Emit code for variable on left side of the assignment operator </a:t>
+            </a:r>
+          </a:p>
+          <a:p>
+            <a:pPr lvl="1"/>
+            <a:r>
+              <a:rPr lang="en-US" dirty="0"/>
+              <a:t>leaves variable’s </a:t>
+            </a:r>
+            <a:r>
+              <a:rPr lang="en-US" b="1" dirty="0"/>
+              <a:t>address</a:t>
+            </a:r>
+            <a:r>
+              <a:rPr lang="en-US" dirty="0"/>
+              <a:t> on top of stack</a:t>
+            </a:r>
+          </a:p>
+          <a:p>
+            <a:r>
+              <a:rPr lang="en-US" dirty="0"/>
+              <a:t>Emit code for expression on right side of the assignment operator</a:t>
+            </a:r>
+          </a:p>
+          <a:p>
+            <a:pPr lvl="1"/>
+            <a:r>
+              <a:rPr lang="en-US" dirty="0"/>
+              <a:t>leaves expression </a:t>
+            </a:r>
+            <a:r>
+              <a:rPr lang="en-US" b="1" dirty="0"/>
+              <a:t>value</a:t>
+            </a:r>
+            <a:r>
+              <a:rPr lang="en-US" dirty="0"/>
+              <a:t> on top of stack</a:t>
+            </a:r>
+          </a:p>
+          <a:p>
+            <a:r>
+              <a:rPr lang="en-US" dirty="0"/>
+              <a:t>Emit appropriate store instruction based on the expression’s type</a:t>
+            </a:r>
+          </a:p>
+          <a:p>
+            <a:pPr lvl="1"/>
+            <a:r>
+              <a:rPr lang="en-US" dirty="0"/>
+              <a:t>removes value and address, copies value to address</a:t>
+            </a:r>
+          </a:p>
+          <a:p>
+            <a:pPr lvl="1"/>
+            <a:r>
+              <a:rPr lang="en-US" dirty="0"/>
+              <a:t>example store instructions are </a:t>
+            </a:r>
+            <a:r>
               <a:rPr lang="en-US" dirty="0">
-                <a:latin typeface="Consolas" pitchFamily="49" charset="0"/>
-                <a:cs typeface="Consolas" pitchFamily="49" charset="0"/>
-              </a:rPr>
-              <a:t>AssignmentStmt</a:t>
-            </a:r>
-            <a:br>
-              <a:rPr lang="en-US" dirty="0"/>
-            </a:br>
-            <a:r>
-              <a:rPr lang="en-US" sz="2400" dirty="0"/>
-              <a:t>(continued)</a:t>
-            </a:r>
-            <a:endParaRPr lang="en-US" dirty="0"/>
-          </a:p>
-        </p:txBody>
-      </p:sp>
-      <p:sp>
-        <p:nvSpPr>
-          <p:cNvPr id="30723" name="Content Placeholder 2"/>
-          <p:cNvSpPr>
-            <a:spLocks noGrp="1"/>
-          </p:cNvSpPr>
-          <p:nvPr>
-            <p:ph idx="1"/>
-          </p:nvPr>
-        </p:nvSpPr>
-        <p:spPr/>
-        <p:txBody>
-          <a:bodyPr/>
-          <a:lstStyle/>
-          <a:p>
-            <a:r>
-              <a:rPr lang="en-US" dirty="0"/>
-              <a:t>Grammar Rule</a:t>
-            </a:r>
-          </a:p>
-          <a:p>
-            <a:pPr lvl="1">
-              <a:buFontTx/>
-              <a:buNone/>
-            </a:pPr>
-            <a:r>
-              <a:rPr lang="en-US" sz="1800" dirty="0">
-                <a:latin typeface="Consolas" pitchFamily="49" charset="0"/>
-                <a:cs typeface="Consolas" pitchFamily="49" charset="0"/>
-              </a:rPr>
-              <a:t>variable ":=" expression ";" .</a:t>
-            </a:r>
-          </a:p>
-          <a:p>
-            <a:r>
-              <a:rPr lang="en-US" dirty="0"/>
-              <a:t>Code generation template for type Integer</a:t>
-            </a:r>
-          </a:p>
-          <a:p>
-            <a:pPr lvl="1">
-              <a:buFontTx/>
-              <a:buNone/>
-            </a:pPr>
-            <a:r>
-              <a:rPr lang="en-US" sz="1800" dirty="0">
-                <a:latin typeface="Consolas" pitchFamily="49" charset="0"/>
-                <a:cs typeface="Consolas" pitchFamily="49" charset="0"/>
-              </a:rPr>
-              <a:t>...  // emit code for variable</a:t>
-            </a:r>
-          </a:p>
-          <a:p>
-            <a:pPr lvl="1">
-              <a:spcBef>
-                <a:spcPts val="200"/>
-              </a:spcBef>
-              <a:buFontTx/>
-              <a:buNone/>
-            </a:pPr>
-            <a:r>
-              <a:rPr lang="en-US" sz="1800" dirty="0">
-                <a:latin typeface="Consolas" pitchFamily="49" charset="0"/>
-                <a:cs typeface="Consolas" pitchFamily="49" charset="0"/>
-              </a:rPr>
-              <a:t>...  // emit code for expression</a:t>
-            </a:r>
-          </a:p>
-          <a:p>
-            <a:pPr lvl="1">
-              <a:spcBef>
-                <a:spcPts val="200"/>
-              </a:spcBef>
-              <a:buFontTx/>
-              <a:buNone/>
-            </a:pPr>
-            <a:r>
-              <a:rPr lang="en-US" sz="1800" dirty="0">
-                <a:latin typeface="Consolas" pitchFamily="49" charset="0"/>
-                <a:cs typeface="Consolas" pitchFamily="49" charset="0"/>
+                <a:latin typeface="Consolas" panose="020B0609020204030204" pitchFamily="49" charset="0"/>
+              </a:rPr>
+              <a:t>STOREB</a:t>
+            </a:r>
+            <a:r>
+              <a:rPr lang="en-US" dirty="0"/>
+              <a:t>, </a:t>
+            </a:r>
+            <a:r>
+              <a:rPr lang="en-US" dirty="0">
+                <a:latin typeface="Consolas" panose="020B0609020204030204" pitchFamily="49" charset="0"/>
+              </a:rPr>
+              <a:t>STORE2B</a:t>
+            </a:r>
+            <a:r>
+              <a:rPr lang="en-US" dirty="0"/>
+              <a:t>, </a:t>
+            </a:r>
+            <a:r>
+              <a:rPr lang="en-US" dirty="0">
+                <a:latin typeface="Consolas" panose="020B0609020204030204" pitchFamily="49" charset="0"/>
               </a:rPr>
               <a:t>STOREW</a:t>
             </a:r>
-          </a:p>
-          <a:p>
-            <a:r>
-              <a:rPr lang="en-US" dirty="0"/>
-              <a:t>Code generation template for type Boolean  </a:t>
-            </a:r>
-          </a:p>
-          <a:p>
-            <a:pPr lvl="1">
-              <a:buFontTx/>
-              <a:buNone/>
-            </a:pPr>
-            <a:r>
-              <a:rPr lang="en-US" sz="1800" dirty="0">
-                <a:latin typeface="Consolas" pitchFamily="49" charset="0"/>
-                <a:cs typeface="Consolas" pitchFamily="49" charset="0"/>
-              </a:rPr>
-              <a:t>...  // emit code for variable</a:t>
-            </a:r>
-          </a:p>
-          <a:p>
-            <a:pPr lvl="1">
-              <a:spcBef>
-                <a:spcPts val="200"/>
-              </a:spcBef>
-              <a:buFontTx/>
-              <a:buNone/>
-            </a:pPr>
-            <a:r>
-              <a:rPr lang="en-US" sz="1800" dirty="0">
-                <a:latin typeface="Consolas" pitchFamily="49" charset="0"/>
-                <a:cs typeface="Consolas" pitchFamily="49" charset="0"/>
-              </a:rPr>
-              <a:t>...  // emit code for expression</a:t>
-            </a:r>
-          </a:p>
-          <a:p>
-            <a:pPr lvl="1">
-              <a:spcBef>
-                <a:spcPts val="200"/>
-              </a:spcBef>
-              <a:buFontTx/>
-              <a:buNone/>
-            </a:pPr>
-            <a:r>
-              <a:rPr lang="en-US" sz="1800" dirty="0">
-                <a:latin typeface="Consolas" pitchFamily="49" charset="0"/>
-                <a:cs typeface="Consolas" pitchFamily="49" charset="0"/>
-              </a:rPr>
-              <a:t>STOREB</a:t>
-            </a:r>
-          </a:p>
-        </p:txBody>
-      </p:sp>
-      <p:sp>
-        <p:nvSpPr>
-          <p:cNvPr id="30724" name="Footer Placeholder 3"/>
+            <a:r>
+              <a:rPr lang="en-US" dirty="0"/>
+              <a:t>, etc.</a:t>
+            </a:r>
+          </a:p>
+        </p:txBody>
+      </p:sp>
+      <p:sp>
+        <p:nvSpPr>
+          <p:cNvPr id="29700" name="Footer Placeholder 3"/>
           <p:cNvSpPr>
             <a:spLocks noGrp="1"/>
           </p:cNvSpPr>
@@ -16153,7 +16192,7 @@
       </p:sp>
       <p:sp>
         <p:nvSpPr>
-          <p:cNvPr id="30725" name="Slide Number Placeholder 4"/>
+          <p:cNvPr id="29701" name="Slide Number Placeholder 4"/>
           <p:cNvSpPr>
             <a:spLocks noGrp="1"/>
           </p:cNvSpPr>
@@ -16172,7 +16211,7 @@
               <a:rPr lang="en-US"/>
               <a:t>Slide </a:t>
             </a:r>
-            <a:fld id="{A04A79AE-7470-4053-9D40-9424749F7506}" type="slidenum">
+            <a:fld id="{5270B316-7D10-4FBA-8AFB-7715718965CC}" type="slidenum">
               <a:rPr lang="en-US" smtClean="0"/>
               <a:pPr/>
               <a:t>39</a:t>
@@ -16365,7 +16404,7 @@
       </p:grpSpPr>
       <p:sp>
         <p:nvSpPr>
-          <p:cNvPr id="31746" name="Title 1"/>
+          <p:cNvPr id="30722" name="Title 1"/>
           <p:cNvSpPr>
             <a:spLocks noGrp="1"/>
           </p:cNvSpPr>
@@ -16380,32 +16419,29 @@
           <a:p>
             <a:r>
               <a:rPr lang="en-US" dirty="0"/>
-              <a:t>Method </a:t>
+              <a:t>Code Generation for </a:t>
             </a:r>
             <a:r>
               <a:rPr lang="en-US" dirty="0">
                 <a:latin typeface="Consolas" pitchFamily="49" charset="0"/>
                 <a:cs typeface="Consolas" pitchFamily="49" charset="0"/>
               </a:rPr>
-              <a:t>emit()</a:t>
-            </a:r>
-            <a:r>
-              <a:rPr lang="en-US" dirty="0"/>
-              <a:t> for Class </a:t>
-            </a:r>
-            <a:r>
-              <a:rPr lang="en-US" dirty="0">
-                <a:latin typeface="Consolas" pitchFamily="49" charset="0"/>
-                <a:cs typeface="Consolas" pitchFamily="49" charset="0"/>
-              </a:rPr>
               <a:t>AssignmentStmt</a:t>
             </a:r>
-          </a:p>
-        </p:txBody>
-      </p:sp>
-      <p:sp>
-        <p:nvSpPr>
-          <p:cNvPr id="31747" name="Content Placeholder 2"/>
+            <a:br>
+              <a:rPr lang="en-US" dirty="0"/>
+            </a:br>
+            <a:r>
+              <a:rPr lang="en-US" sz="2400" dirty="0"/>
+              <a:t>(continued)</a:t>
+            </a:r>
+            <a:endParaRPr lang="en-US" dirty="0"/>
+          </a:p>
+        </p:txBody>
+      </p:sp>
+      <p:sp>
+        <p:nvSpPr>
+          <p:cNvPr id="30723" name="Content Placeholder 2"/>
           <p:cNvSpPr>
             <a:spLocks noGrp="1"/>
           </p:cNvSpPr>
@@ -16413,17 +16449,50 @@
             <p:ph idx="1"/>
           </p:nvPr>
         </p:nvSpPr>
-        <p:spPr>
-          <a:xfrm>
-            <a:off x="458787" y="1363663"/>
-            <a:ext cx="8321040" cy="4935537"/>
-          </a:xfrm>
-        </p:spPr>
-        <p:txBody>
-          <a:bodyPr tIns="91440"/>
-          <a:lstStyle/>
-          <a:p>
-            <a:pPr marL="182880" lvl="1" indent="0">
+        <p:spPr/>
+        <p:txBody>
+          <a:bodyPr/>
+          <a:lstStyle/>
+          <a:p>
+            <a:r>
+              <a:rPr lang="en-US" dirty="0"/>
+              <a:t>Grammar Rule</a:t>
+            </a:r>
+          </a:p>
+          <a:p>
+            <a:pPr lvl="1">
+              <a:buFontTx/>
+              <a:buNone/>
+            </a:pPr>
+            <a:r>
+              <a:rPr lang="en-US" sz="1800" dirty="0">
+                <a:latin typeface="Consolas" pitchFamily="49" charset="0"/>
+                <a:cs typeface="Consolas" pitchFamily="49" charset="0"/>
+              </a:rPr>
+              <a:t>variable ":=" expression ";" .</a:t>
+            </a:r>
+          </a:p>
+          <a:p>
+            <a:r>
+              <a:rPr lang="en-US" dirty="0"/>
+              <a:t>Code generation template for type Integer</a:t>
+            </a:r>
+          </a:p>
+          <a:p>
+            <a:pPr lvl="1">
+              <a:buFontTx/>
+              <a:buNone/>
+            </a:pPr>
+            <a:r>
+              <a:rPr lang="en-US" sz="1800" dirty="0">
+                <a:latin typeface="Consolas" pitchFamily="49" charset="0"/>
+                <a:cs typeface="Consolas" pitchFamily="49" charset="0"/>
+              </a:rPr>
+              <a:t>...  // emit code for variable</a:t>
+            </a:r>
+          </a:p>
+          <a:p>
+            <a:pPr lvl="1">
               <a:spcBef>
                 <a:spcPts val="200"/>
               </a:spcBef>
@@ -16435,11 +16504,11 @@
                 <a:latin typeface="Consolas" pitchFamily="49" charset="0"/>
                 <a:cs typeface="Consolas" pitchFamily="49" charset="0"/>
               </a:rPr>
-              <a:t>@Override</a:t>
-            </a:r>
-          </a:p>
-          <a:p>
-            <a:pPr marL="182880" lvl="1" indent="0">
+              <a:t>...  // emit code for expression</a:t>
+            </a:r>
+          </a:p>
+          <a:p>
+            <a:pPr lvl="1">
               <a:spcBef>
                 <a:spcPts val="200"/>
               </a:spcBef>
@@ -16451,22 +16520,30 @@
                 <a:latin typeface="Consolas" pitchFamily="49" charset="0"/>
                 <a:cs typeface="Consolas" pitchFamily="49" charset="0"/>
               </a:rPr>
-              <a:t>public void emit() throws </a:t>
-            </a:r>
-            <a:r>
-              <a:rPr lang="en-US" sz="1800" dirty="0" err="1">
-                <a:latin typeface="Consolas" pitchFamily="49" charset="0"/>
-                <a:cs typeface="Consolas" pitchFamily="49" charset="0"/>
-              </a:rPr>
-              <a:t>CodeGenException</a:t>
-            </a:r>
-            <a:endParaRPr lang="en-US" sz="1800" dirty="0">
-              <a:latin typeface="Consolas" pitchFamily="49" charset="0"/>
-              <a:cs typeface="Consolas" pitchFamily="49" charset="0"/>
-            </a:endParaRPr>
-          </a:p>
-          <a:p>
-            <a:pPr marL="182880" lvl="1" indent="0">
+              <a:t>STOREW</a:t>
+            </a:r>
+          </a:p>
+          <a:p>
+            <a:r>
+              <a:rPr lang="en-US" dirty="0"/>
+              <a:t>Code generation template for type Boolean  </a:t>
+            </a:r>
+          </a:p>
+          <a:p>
+            <a:pPr lvl="1">
+              <a:buFontTx/>
+              <a:buNone/>
+            </a:pPr>
+            <a:r>
+              <a:rPr lang="en-US" sz="1800" dirty="0">
+                <a:latin typeface="Consolas" pitchFamily="49" charset="0"/>
+                <a:cs typeface="Consolas" pitchFamily="49" charset="0"/>
+              </a:rPr>
+              <a:t>...  // emit code for variable</a:t>
+            </a:r>
+          </a:p>
+          <a:p>
+            <a:pPr lvl="1">
               <a:spcBef>
                 <a:spcPts val="200"/>
               </a:spcBef>
@@ -16478,11 +16555,11 @@
                 <a:latin typeface="Consolas" pitchFamily="49" charset="0"/>
                 <a:cs typeface="Consolas" pitchFamily="49" charset="0"/>
               </a:rPr>
-              <a:t>  {</a:t>
-            </a:r>
-          </a:p>
-          <a:p>
-            <a:pPr marL="182880" lvl="1" indent="0">
+              <a:t>...  // emit code for expression</a:t>
+            </a:r>
+          </a:p>
+          <a:p>
+            <a:pPr lvl="1">
               <a:spcBef>
                 <a:spcPts val="200"/>
               </a:spcBef>
@@ -16494,128 +16571,14 @@
                 <a:latin typeface="Consolas" pitchFamily="49" charset="0"/>
                 <a:cs typeface="Consolas" pitchFamily="49" charset="0"/>
               </a:rPr>
-              <a:t>    </a:t>
-            </a:r>
-            <a:r>
-              <a:rPr lang="en-US" sz="1800" dirty="0" err="1">
-                <a:latin typeface="Consolas" pitchFamily="49" charset="0"/>
-                <a:cs typeface="Consolas" pitchFamily="49" charset="0"/>
-              </a:rPr>
-              <a:t>var.emit</a:t>
-            </a:r>
-            <a:r>
-              <a:rPr lang="en-US" sz="1800" dirty="0">
-                <a:latin typeface="Consolas" pitchFamily="49" charset="0"/>
-                <a:cs typeface="Consolas" pitchFamily="49" charset="0"/>
-              </a:rPr>
-              <a:t>();</a:t>
-            </a:r>
-          </a:p>
-          <a:p>
-            <a:pPr marL="182880" lvl="1" indent="0">
-              <a:spcBef>
-                <a:spcPts val="200"/>
-              </a:spcBef>
-              <a:buFontTx/>
-              <a:buNone/>
-            </a:pPr>
-            <a:r>
-              <a:rPr lang="en-US" sz="1800" dirty="0">
-                <a:latin typeface="Consolas" pitchFamily="49" charset="0"/>
-                <a:cs typeface="Consolas" pitchFamily="49" charset="0"/>
-              </a:rPr>
-              <a:t>    </a:t>
-            </a:r>
-            <a:r>
-              <a:rPr lang="en-US" sz="1800" dirty="0" err="1">
-                <a:latin typeface="Consolas" pitchFamily="49" charset="0"/>
-                <a:cs typeface="Consolas" pitchFamily="49" charset="0"/>
-              </a:rPr>
-              <a:t>expr.emit</a:t>
-            </a:r>
-            <a:r>
-              <a:rPr lang="en-US" sz="1800" dirty="0">
-                <a:latin typeface="Consolas" pitchFamily="49" charset="0"/>
-                <a:cs typeface="Consolas" pitchFamily="49" charset="0"/>
-              </a:rPr>
-              <a:t>();</a:t>
-            </a:r>
-          </a:p>
-          <a:p>
-            <a:pPr marL="182880" lvl="1" indent="0">
-              <a:spcBef>
-                <a:spcPts val="200"/>
-              </a:spcBef>
-              <a:buFontTx/>
-              <a:buNone/>
-            </a:pPr>
-            <a:r>
-              <a:rPr lang="en-US" sz="1800" dirty="0">
-                <a:latin typeface="Consolas" pitchFamily="49" charset="0"/>
-                <a:cs typeface="Consolas" pitchFamily="49" charset="0"/>
-              </a:rPr>
-              <a:t>    </a:t>
-            </a:r>
-            <a:r>
-              <a:rPr lang="en-US" sz="1800" dirty="0" err="1">
-                <a:latin typeface="Consolas" pitchFamily="49" charset="0"/>
-                <a:cs typeface="Consolas" pitchFamily="49" charset="0"/>
-              </a:rPr>
-              <a:t>emitStoreInst</a:t>
-            </a:r>
-            <a:r>
-              <a:rPr lang="en-US" sz="1800" dirty="0">
-                <a:latin typeface="Consolas" pitchFamily="49" charset="0"/>
-                <a:cs typeface="Consolas" pitchFamily="49" charset="0"/>
-              </a:rPr>
-              <a:t>(</a:t>
-            </a:r>
-            <a:r>
-              <a:rPr lang="en-US" sz="1800" dirty="0" err="1">
-                <a:latin typeface="Consolas" pitchFamily="49" charset="0"/>
-                <a:cs typeface="Consolas" pitchFamily="49" charset="0"/>
-              </a:rPr>
-              <a:t>expr.getType</a:t>
-            </a:r>
-            <a:r>
-              <a:rPr lang="en-US" sz="1800" dirty="0">
-                <a:latin typeface="Consolas" pitchFamily="49" charset="0"/>
-                <a:cs typeface="Consolas" pitchFamily="49" charset="0"/>
-              </a:rPr>
-              <a:t>());</a:t>
-            </a:r>
-          </a:p>
-          <a:p>
-            <a:pPr marL="182880" lvl="1" indent="0">
-              <a:spcBef>
-                <a:spcPts val="200"/>
-              </a:spcBef>
-              <a:buFontTx/>
-              <a:buNone/>
-            </a:pPr>
-            <a:r>
-              <a:rPr lang="en-US" sz="1800" dirty="0">
-                <a:latin typeface="Consolas" pitchFamily="49" charset="0"/>
-                <a:cs typeface="Consolas" pitchFamily="49" charset="0"/>
-              </a:rPr>
-              <a:t>  }</a:t>
-            </a:r>
-          </a:p>
-          <a:p>
-            <a:pPr marL="182880" lvl="1" indent="0">
-              <a:spcBef>
-                <a:spcPts val="200"/>
-              </a:spcBef>
-              <a:buFontTx/>
-              <a:buNone/>
-            </a:pPr>
-            <a:endParaRPr lang="en-US" sz="2400" dirty="0"/>
-          </a:p>
-        </p:txBody>
-      </p:sp>
-      <p:sp>
-        <p:nvSpPr>
-          <p:cNvPr id="31748" name="Footer Placeholder 3"/>
+              <a:t>STOREB</a:t>
+            </a:r>
+          </a:p>
+        </p:txBody>
+      </p:sp>
+      <p:sp>
+        <p:nvSpPr>
+          <p:cNvPr id="30724" name="Footer Placeholder 3"/>
           <p:cNvSpPr>
             <a:spLocks noGrp="1"/>
           </p:cNvSpPr>
@@ -16639,7 +16602,7 @@
       </p:sp>
       <p:sp>
         <p:nvSpPr>
-          <p:cNvPr id="31749" name="Slide Number Placeholder 4"/>
+          <p:cNvPr id="30725" name="Slide Number Placeholder 4"/>
           <p:cNvSpPr>
             <a:spLocks noGrp="1"/>
           </p:cNvSpPr>
@@ -16658,7 +16621,7 @@
               <a:rPr lang="en-US"/>
               <a:t>Slide </a:t>
             </a:r>
-            <a:fld id="{8A5D70A7-5796-4E0C-8199-D924EC638ABD}" type="slidenum">
+            <a:fld id="{A04A79AE-7470-4053-9D40-9424749F7506}" type="slidenum">
               <a:rPr lang="en-US" smtClean="0"/>
               <a:pPr/>
               <a:t>40</a:t>
@@ -16694,7 +16657,7 @@
       </p:grpSpPr>
       <p:sp>
         <p:nvSpPr>
-          <p:cNvPr id="32770" name="Title 1"/>
+          <p:cNvPr id="31746" name="Title 1"/>
           <p:cNvSpPr>
             <a:spLocks noGrp="1"/>
           </p:cNvSpPr>
@@ -16709,235 +16672,242 @@
           <a:p>
             <a:r>
               <a:rPr lang="en-US" dirty="0"/>
-              <a:t>Code Generation for </a:t>
-            </a:r>
-            <a:r>
-              <a:rPr lang="en-US" dirty="0" err="1">
-                <a:latin typeface="Consolas" panose="020B0609020204030204" pitchFamily="49" charset="0"/>
-              </a:rPr>
-              <a:t>CompoundStmt</a:t>
-            </a:r>
-            <a:endParaRPr lang="en-US" dirty="0">
-              <a:latin typeface="Consolas" panose="020B0609020204030204" pitchFamily="49" charset="0"/>
+              <a:t>Method </a:t>
+            </a:r>
+            <a:r>
+              <a:rPr lang="en-US" dirty="0">
+                <a:latin typeface="Consolas" pitchFamily="49" charset="0"/>
+                <a:cs typeface="Consolas" pitchFamily="49" charset="0"/>
+              </a:rPr>
+              <a:t>emit()</a:t>
+            </a:r>
+            <a:r>
+              <a:rPr lang="en-US" dirty="0"/>
+              <a:t> for Class </a:t>
+            </a:r>
+            <a:r>
+              <a:rPr lang="en-US" dirty="0">
+                <a:latin typeface="Consolas" pitchFamily="49" charset="0"/>
+                <a:cs typeface="Consolas" pitchFamily="49" charset="0"/>
+              </a:rPr>
+              <a:t>AssignmentStmt</a:t>
+            </a:r>
+          </a:p>
+        </p:txBody>
+      </p:sp>
+      <p:sp>
+        <p:nvSpPr>
+          <p:cNvPr id="31747" name="Content Placeholder 2"/>
+          <p:cNvSpPr>
+            <a:spLocks noGrp="1"/>
+          </p:cNvSpPr>
+          <p:nvPr>
+            <p:ph idx="1"/>
+          </p:nvPr>
+        </p:nvSpPr>
+        <p:spPr>
+          <a:xfrm>
+            <a:off x="458787" y="1363663"/>
+            <a:ext cx="8321040" cy="4935537"/>
+          </a:xfrm>
+        </p:spPr>
+        <p:txBody>
+          <a:bodyPr tIns="91440"/>
+          <a:lstStyle/>
+          <a:p>
+            <a:pPr marL="182880" lvl="1" indent="0">
+              <a:spcBef>
+                <a:spcPts val="200"/>
+              </a:spcBef>
+              <a:buFontTx/>
+              <a:buNone/>
+            </a:pPr>
+            <a:r>
+              <a:rPr lang="en-US" sz="1800" dirty="0">
+                <a:latin typeface="Consolas" pitchFamily="49" charset="0"/>
+                <a:cs typeface="Consolas" pitchFamily="49" charset="0"/>
+              </a:rPr>
+              <a:t>@Override</a:t>
+            </a:r>
+          </a:p>
+          <a:p>
+            <a:pPr marL="182880" lvl="1" indent="0">
+              <a:spcBef>
+                <a:spcPts val="200"/>
+              </a:spcBef>
+              <a:buFontTx/>
+              <a:buNone/>
+            </a:pPr>
+            <a:r>
+              <a:rPr lang="en-US" sz="1800" dirty="0">
+                <a:latin typeface="Consolas" pitchFamily="49" charset="0"/>
+                <a:cs typeface="Consolas" pitchFamily="49" charset="0"/>
+              </a:rPr>
+              <a:t>public void emit() throws </a:t>
+            </a:r>
+            <a:r>
+              <a:rPr lang="en-US" sz="1800" dirty="0" err="1">
+                <a:latin typeface="Consolas" pitchFamily="49" charset="0"/>
+                <a:cs typeface="Consolas" pitchFamily="49" charset="0"/>
+              </a:rPr>
+              <a:t>CodeGenException</a:t>
+            </a:r>
+            <a:endParaRPr lang="en-US" sz="1800" dirty="0">
+              <a:latin typeface="Consolas" pitchFamily="49" charset="0"/>
+              <a:cs typeface="Consolas" pitchFamily="49" charset="0"/>
             </a:endParaRPr>
           </a:p>
-        </p:txBody>
-      </p:sp>
-      <p:sp>
-        <p:nvSpPr>
-          <p:cNvPr id="32771" name="Content Placeholder 2"/>
-          <p:cNvSpPr>
-            <a:spLocks noGrp="1"/>
-          </p:cNvSpPr>
-          <p:nvPr>
-            <p:ph idx="1"/>
-          </p:nvPr>
-        </p:nvSpPr>
-        <p:spPr/>
-        <p:txBody>
-          <a:bodyPr/>
-          <a:lstStyle/>
-          <a:p>
-            <a:r>
-              <a:rPr lang="en-US" dirty="0"/>
-              <a:t>Grammar Rule</a:t>
-            </a:r>
-          </a:p>
-          <a:p>
-            <a:pPr marL="457200" lvl="1" indent="0">
-              <a:buNone/>
-            </a:pPr>
+          <a:p>
+            <a:pPr marL="182880" lvl="1" indent="0">
+              <a:spcBef>
+                <a:spcPts val="200"/>
+              </a:spcBef>
+              <a:buFontTx/>
+              <a:buNone/>
+            </a:pPr>
+            <a:r>
+              <a:rPr lang="en-US" sz="1800" dirty="0">
+                <a:latin typeface="Consolas" pitchFamily="49" charset="0"/>
+                <a:cs typeface="Consolas" pitchFamily="49" charset="0"/>
+              </a:rPr>
+              <a:t>  {</a:t>
+            </a:r>
+          </a:p>
+          <a:p>
+            <a:pPr marL="182880" lvl="1" indent="0">
+              <a:spcBef>
+                <a:spcPts val="200"/>
+              </a:spcBef>
+              <a:buFontTx/>
+              <a:buNone/>
+            </a:pPr>
+            <a:r>
+              <a:rPr lang="en-US" sz="1800" dirty="0">
+                <a:latin typeface="Consolas" pitchFamily="49" charset="0"/>
+                <a:cs typeface="Consolas" pitchFamily="49" charset="0"/>
+              </a:rPr>
+              <a:t>    </a:t>
+            </a:r>
             <a:r>
               <a:rPr lang="en-US" sz="1800" dirty="0" err="1">
-                <a:latin typeface="Consolas" panose="020B0609020204030204" pitchFamily="49" charset="0"/>
-              </a:rPr>
-              <a:t>compoundStmt</a:t>
-            </a:r>
-            <a:r>
-              <a:rPr lang="en-US" sz="1800" dirty="0">
-                <a:latin typeface="Consolas" panose="020B0609020204030204" pitchFamily="49" charset="0"/>
-              </a:rPr>
-              <a:t> = "{" statement "}" .</a:t>
-            </a:r>
-          </a:p>
-          <a:p>
-            <a:r>
-              <a:rPr lang="en-US" dirty="0"/>
-              <a:t>Code generation template</a:t>
-            </a:r>
-          </a:p>
-          <a:p>
-            <a:pPr marL="457200" lvl="1" indent="0">
-              <a:buNone/>
-            </a:pPr>
-            <a:r>
-              <a:rPr lang="en-US" sz="1800" dirty="0">
-                <a:latin typeface="Consolas" panose="020B0609020204030204" pitchFamily="49" charset="0"/>
-              </a:rPr>
-              <a:t>for each statement in statements</a:t>
-            </a:r>
-          </a:p>
-          <a:p>
-            <a:pPr marL="457200" lvl="1" indent="0">
+                <a:latin typeface="Consolas" pitchFamily="49" charset="0"/>
+                <a:cs typeface="Consolas" pitchFamily="49" charset="0"/>
+              </a:rPr>
+              <a:t>var.emit</a:t>
+            </a:r>
+            <a:r>
+              <a:rPr lang="en-US" sz="1800" dirty="0">
+                <a:latin typeface="Consolas" pitchFamily="49" charset="0"/>
+                <a:cs typeface="Consolas" pitchFamily="49" charset="0"/>
+              </a:rPr>
+              <a:t>();</a:t>
+            </a:r>
+          </a:p>
+          <a:p>
+            <a:pPr marL="182880" lvl="1" indent="0">
               <a:spcBef>
                 <a:spcPts val="200"/>
               </a:spcBef>
-              <a:buNone/>
-            </a:pPr>
-            <a:r>
-              <a:rPr lang="en-US" sz="1800" dirty="0">
-                <a:latin typeface="Consolas" panose="020B0609020204030204" pitchFamily="49" charset="0"/>
-              </a:rPr>
-              <a:t>    ...  // emit code for statement</a:t>
-            </a:r>
-          </a:p>
-          <a:p>
-            <a:r>
-              <a:rPr lang="en-US" dirty="0"/>
-              <a:t>Method </a:t>
-            </a:r>
-            <a:r>
-              <a:rPr lang="en-US" dirty="0">
-                <a:latin typeface="Consolas" panose="020B0609020204030204" pitchFamily="49" charset="0"/>
-              </a:rPr>
-              <a:t>emit()</a:t>
-            </a:r>
-            <a:r>
-              <a:rPr lang="en-US" dirty="0"/>
-              <a:t> in class </a:t>
-            </a:r>
-            <a:r>
-              <a:rPr lang="en-US" dirty="0" err="1">
-                <a:latin typeface="Consolas" panose="020B0609020204030204" pitchFamily="49" charset="0"/>
-              </a:rPr>
-              <a:t>CompoundStmt</a:t>
-            </a:r>
-            <a:endParaRPr lang="en-US" dirty="0">
-              <a:latin typeface="Consolas" panose="020B0609020204030204" pitchFamily="49" charset="0"/>
-            </a:endParaRPr>
-          </a:p>
-          <a:p>
-            <a:pPr marL="457200" lvl="1" indent="0">
-              <a:buNone/>
-            </a:pPr>
-            <a:r>
-              <a:rPr lang="en-US" sz="1800" dirty="0">
-                <a:latin typeface="Consolas" panose="020B0609020204030204" pitchFamily="49" charset="0"/>
-              </a:rPr>
-              <a:t>@Override</a:t>
-            </a:r>
-          </a:p>
-          <a:p>
-            <a:pPr marL="457200" lvl="1" indent="0">
+              <a:buFontTx/>
+              <a:buNone/>
+            </a:pPr>
+            <a:r>
+              <a:rPr lang="en-US" sz="1800" dirty="0">
+                <a:latin typeface="Consolas" pitchFamily="49" charset="0"/>
+                <a:cs typeface="Consolas" pitchFamily="49" charset="0"/>
+              </a:rPr>
+              <a:t>    </a:t>
+            </a:r>
+            <a:r>
+              <a:rPr lang="en-US" sz="1800" dirty="0" err="1">
+                <a:latin typeface="Consolas" pitchFamily="49" charset="0"/>
+                <a:cs typeface="Consolas" pitchFamily="49" charset="0"/>
+              </a:rPr>
+              <a:t>expr.emit</a:t>
+            </a:r>
+            <a:r>
+              <a:rPr lang="en-US" sz="1800" dirty="0">
+                <a:latin typeface="Consolas" pitchFamily="49" charset="0"/>
+                <a:cs typeface="Consolas" pitchFamily="49" charset="0"/>
+              </a:rPr>
+              <a:t>();</a:t>
+            </a:r>
+          </a:p>
+          <a:p>
+            <a:pPr marL="182880" lvl="1" indent="0">
               <a:spcBef>
                 <a:spcPts val="200"/>
               </a:spcBef>
-              <a:buNone/>
-            </a:pPr>
-            <a:r>
-              <a:rPr lang="en-US" sz="1800" dirty="0">
-                <a:latin typeface="Consolas" panose="020B0609020204030204" pitchFamily="49" charset="0"/>
-              </a:rPr>
-              <a:t>public void emit() throws </a:t>
+              <a:buFontTx/>
+              <a:buNone/>
+            </a:pPr>
+            <a:r>
+              <a:rPr lang="en-US" sz="1800" dirty="0">
+                <a:latin typeface="Consolas" pitchFamily="49" charset="0"/>
+                <a:cs typeface="Consolas" pitchFamily="49" charset="0"/>
+              </a:rPr>
+              <a:t>    </a:t>
             </a:r>
             <a:r>
               <a:rPr lang="en-US" sz="1800" dirty="0" err="1">
-                <a:latin typeface="Consolas" panose="020B0609020204030204" pitchFamily="49" charset="0"/>
-              </a:rPr>
-              <a:t>CodeGenException</a:t>
-            </a:r>
-            <a:endParaRPr lang="en-US" sz="1800" dirty="0">
-              <a:latin typeface="Consolas" panose="020B0609020204030204" pitchFamily="49" charset="0"/>
-            </a:endParaRPr>
-          </a:p>
-          <a:p>
-            <a:pPr marL="457200" lvl="1" indent="0">
+                <a:latin typeface="Consolas" pitchFamily="49" charset="0"/>
+                <a:cs typeface="Consolas" pitchFamily="49" charset="0"/>
+              </a:rPr>
+              <a:t>emitStoreInst</a:t>
+            </a:r>
+            <a:r>
+              <a:rPr lang="en-US" sz="1800" dirty="0">
+                <a:latin typeface="Consolas" pitchFamily="49" charset="0"/>
+                <a:cs typeface="Consolas" pitchFamily="49" charset="0"/>
+              </a:rPr>
+              <a:t>(</a:t>
+            </a:r>
+            <a:r>
+              <a:rPr lang="en-US" sz="1800" dirty="0" err="1">
+                <a:latin typeface="Consolas" pitchFamily="49" charset="0"/>
+                <a:cs typeface="Consolas" pitchFamily="49" charset="0"/>
+              </a:rPr>
+              <a:t>expr.getType</a:t>
+            </a:r>
+            <a:r>
+              <a:rPr lang="en-US" sz="1800" dirty="0">
+                <a:latin typeface="Consolas" pitchFamily="49" charset="0"/>
+                <a:cs typeface="Consolas" pitchFamily="49" charset="0"/>
+              </a:rPr>
+              <a:t>());</a:t>
+            </a:r>
+          </a:p>
+          <a:p>
+            <a:pPr marL="182880" lvl="1" indent="0">
               <a:spcBef>
                 <a:spcPts val="200"/>
               </a:spcBef>
-              <a:buNone/>
-            </a:pPr>
-            <a:r>
-              <a:rPr lang="en-US" sz="1800" dirty="0">
-                <a:latin typeface="Consolas" panose="020B0609020204030204" pitchFamily="49" charset="0"/>
-              </a:rPr>
-              <a:t>  {</a:t>
-            </a:r>
-          </a:p>
-          <a:p>
-            <a:pPr marL="457200" lvl="1" indent="0">
+              <a:buFontTx/>
+              <a:buNone/>
+            </a:pPr>
+            <a:r>
+              <a:rPr lang="en-US" sz="1800" dirty="0">
+                <a:latin typeface="Consolas" pitchFamily="49" charset="0"/>
+                <a:cs typeface="Consolas" pitchFamily="49" charset="0"/>
+              </a:rPr>
+              <a:t>  }</a:t>
+            </a:r>
+          </a:p>
+          <a:p>
+            <a:pPr marL="182880" lvl="1" indent="0">
               <a:spcBef>
                 <a:spcPts val="200"/>
               </a:spcBef>
-              <a:buNone/>
-            </a:pPr>
-            <a:r>
-              <a:rPr lang="en-US" sz="1800" dirty="0">
-                <a:latin typeface="Consolas" panose="020B0609020204030204" pitchFamily="49" charset="0"/>
-              </a:rPr>
-              <a:t>    for (Statement </a:t>
-            </a:r>
-            <a:r>
-              <a:rPr lang="en-US" sz="1800" dirty="0" err="1">
-                <a:latin typeface="Consolas" panose="020B0609020204030204" pitchFamily="49" charset="0"/>
-              </a:rPr>
-              <a:t>stmt</a:t>
-            </a:r>
-            <a:r>
-              <a:rPr lang="en-US" sz="1800" dirty="0">
-                <a:latin typeface="Consolas" panose="020B0609020204030204" pitchFamily="49" charset="0"/>
-              </a:rPr>
-              <a:t> : statements)</a:t>
-            </a:r>
-          </a:p>
-          <a:p>
-            <a:pPr marL="457200" lvl="1" indent="0">
-              <a:spcBef>
-                <a:spcPts val="200"/>
-              </a:spcBef>
-              <a:buNone/>
-            </a:pPr>
-            <a:r>
-              <a:rPr lang="en-US" sz="1800" dirty="0">
-                <a:latin typeface="Consolas" panose="020B0609020204030204" pitchFamily="49" charset="0"/>
-              </a:rPr>
-              <a:t>        </a:t>
-            </a:r>
-            <a:r>
-              <a:rPr lang="en-US" sz="1800" dirty="0" err="1">
-                <a:latin typeface="Consolas" panose="020B0609020204030204" pitchFamily="49" charset="0"/>
-              </a:rPr>
-              <a:t>stmt.emit</a:t>
-            </a:r>
-            <a:r>
-              <a:rPr lang="en-US" sz="1800" dirty="0">
-                <a:latin typeface="Consolas" panose="020B0609020204030204" pitchFamily="49" charset="0"/>
-              </a:rPr>
-              <a:t>();</a:t>
-            </a:r>
-          </a:p>
-          <a:p>
-            <a:pPr marL="457200" lvl="1" indent="0">
-              <a:spcBef>
-                <a:spcPts val="200"/>
-              </a:spcBef>
-              <a:buNone/>
-            </a:pPr>
-            <a:r>
-              <a:rPr lang="en-US" sz="1800" dirty="0">
-                <a:latin typeface="Consolas" panose="020B0609020204030204" pitchFamily="49" charset="0"/>
-              </a:rPr>
-              <a:t>  }</a:t>
-            </a:r>
-          </a:p>
-          <a:p>
-            <a:endParaRPr lang="en-US" dirty="0"/>
-          </a:p>
-        </p:txBody>
-      </p:sp>
-      <p:sp>
-        <p:nvSpPr>
-          <p:cNvPr id="32772" name="Footer Placeholder 3"/>
+              <a:buFontTx/>
+              <a:buNone/>
+            </a:pPr>
+            <a:endParaRPr lang="en-US" sz="2400" dirty="0"/>
+          </a:p>
+        </p:txBody>
+      </p:sp>
+      <p:sp>
+        <p:nvSpPr>
+          <p:cNvPr id="31748" name="Footer Placeholder 3"/>
           <p:cNvSpPr>
             <a:spLocks noGrp="1"/>
           </p:cNvSpPr>
@@ -16945,7 +16915,9 @@
             <p:ph type="ftr" sz="quarter" idx="10"/>
           </p:nvPr>
         </p:nvSpPr>
-        <p:spPr/>
+        <p:spPr>
+          <a:noFill/>
+        </p:spPr>
         <p:txBody>
           <a:bodyPr/>
           <a:lstStyle/>
@@ -16959,7 +16931,7 @@
       </p:sp>
       <p:sp>
         <p:nvSpPr>
-          <p:cNvPr id="32773" name="Slide Number Placeholder 4"/>
+          <p:cNvPr id="31749" name="Slide Number Placeholder 4"/>
           <p:cNvSpPr>
             <a:spLocks noGrp="1"/>
           </p:cNvSpPr>
@@ -16967,7 +16939,9 @@
             <p:ph type="sldNum" sz="quarter" idx="11"/>
           </p:nvPr>
         </p:nvSpPr>
-        <p:spPr/>
+        <p:spPr>
+          <a:noFill/>
+        </p:spPr>
         <p:txBody>
           <a:bodyPr/>
           <a:lstStyle/>
@@ -16976,7 +16950,7 @@
               <a:rPr lang="en-US"/>
               <a:t>Slide </a:t>
             </a:r>
-            <a:fld id="{94A6A08C-BE04-43EF-854C-5C56BD668159}" type="slidenum">
+            <a:fld id="{8A5D70A7-5796-4E0C-8199-D924EC638ABD}" type="slidenum">
               <a:rPr lang="en-US" smtClean="0"/>
               <a:pPr/>
               <a:t>41</a:t>
@@ -17012,7 +16986,7 @@
       </p:grpSpPr>
       <p:sp>
         <p:nvSpPr>
-          <p:cNvPr id="10242" name="Title 1"/>
+          <p:cNvPr id="32770" name="Title 1"/>
           <p:cNvSpPr>
             <a:spLocks noGrp="1"/>
           </p:cNvSpPr>
@@ -17033,7 +17007,7 @@
               <a:rPr lang="en-US" dirty="0" err="1">
                 <a:latin typeface="Consolas" panose="020B0609020204030204" pitchFamily="49" charset="0"/>
               </a:rPr>
-              <a:t>LoopStmt</a:t>
+              <a:t>CompoundStmt</a:t>
             </a:r>
             <a:endParaRPr lang="en-US" dirty="0">
               <a:latin typeface="Consolas" panose="020B0609020204030204" pitchFamily="49" charset="0"/>
@@ -17043,7 +17017,7 @@
       </p:sp>
       <p:sp>
         <p:nvSpPr>
-          <p:cNvPr id="10243" name="Content Placeholder 2"/>
+          <p:cNvPr id="32771" name="Content Placeholder 2"/>
           <p:cNvSpPr>
             <a:spLocks noGrp="1"/>
           </p:cNvSpPr>
@@ -17062,116 +17036,200 @@
             </a:r>
           </a:p>
           <a:p>
-            <a:pPr lvl="1">
-              <a:buFontTx/>
+            <a:pPr marL="457200" lvl="1" indent="0">
               <a:buNone/>
             </a:pPr>
             <a:r>
               <a:rPr lang="en-US" sz="1800" dirty="0" err="1">
-                <a:latin typeface="Consolas" pitchFamily="49" charset="0"/>
-                <a:cs typeface="Consolas" pitchFamily="49" charset="0"/>
-              </a:rPr>
-              <a:t>loopStmt</a:t>
-            </a:r>
-            <a:r>
-              <a:rPr lang="en-US" sz="1800" dirty="0">
-                <a:latin typeface="Consolas" pitchFamily="49" charset="0"/>
-                <a:cs typeface="Consolas" pitchFamily="49" charset="0"/>
-              </a:rPr>
-              <a:t> = [ "while" </a:t>
+                <a:latin typeface="Consolas" panose="020B0609020204030204" pitchFamily="49" charset="0"/>
+              </a:rPr>
+              <a:t>compoundStmt</a:t>
+            </a:r>
+            <a:r>
+              <a:rPr lang="en-US" sz="1800" dirty="0">
+                <a:latin typeface="Consolas" panose="020B0609020204030204" pitchFamily="49" charset="0"/>
+              </a:rPr>
+              <a:t> = "{" statement "}" .</a:t>
+            </a:r>
+          </a:p>
+          <a:p>
+            <a:r>
+              <a:rPr lang="en-US" dirty="0"/>
+              <a:t>Code generation template</a:t>
+            </a:r>
+          </a:p>
+          <a:p>
+            <a:pPr marL="457200" lvl="1" indent="0">
+              <a:buNone/>
+            </a:pPr>
+            <a:r>
+              <a:rPr lang="en-US" sz="1800" dirty="0">
+                <a:latin typeface="Consolas" panose="020B0609020204030204" pitchFamily="49" charset="0"/>
+              </a:rPr>
+              <a:t>for each statement in statements</a:t>
+            </a:r>
+          </a:p>
+          <a:p>
+            <a:pPr marL="457200" lvl="1" indent="0">
+              <a:spcBef>
+                <a:spcPts val="200"/>
+              </a:spcBef>
+              <a:buNone/>
+            </a:pPr>
+            <a:r>
+              <a:rPr lang="en-US" sz="1800" dirty="0">
+                <a:latin typeface="Consolas" panose="020B0609020204030204" pitchFamily="49" charset="0"/>
+              </a:rPr>
+              <a:t>    ...  // emit code for statement</a:t>
+            </a:r>
+          </a:p>
+          <a:p>
+            <a:r>
+              <a:rPr lang="en-US" dirty="0"/>
+              <a:t>Method </a:t>
+            </a:r>
+            <a:r>
+              <a:rPr lang="en-US" dirty="0">
+                <a:latin typeface="Consolas" panose="020B0609020204030204" pitchFamily="49" charset="0"/>
+              </a:rPr>
+              <a:t>emit()</a:t>
+            </a:r>
+            <a:r>
+              <a:rPr lang="en-US" dirty="0"/>
+              <a:t> in class </a:t>
+            </a:r>
+            <a:r>
+              <a:rPr lang="en-US" dirty="0" err="1">
+                <a:latin typeface="Consolas" panose="020B0609020204030204" pitchFamily="49" charset="0"/>
+              </a:rPr>
+              <a:t>CompoundStmt</a:t>
+            </a:r>
+            <a:endParaRPr lang="en-US" dirty="0">
+              <a:latin typeface="Consolas" panose="020B0609020204030204" pitchFamily="49" charset="0"/>
+            </a:endParaRPr>
+          </a:p>
+          <a:p>
+            <a:pPr marL="457200" lvl="1" indent="0">
+              <a:buNone/>
+            </a:pPr>
+            <a:r>
+              <a:rPr lang="en-US" sz="1800" dirty="0">
+                <a:latin typeface="Consolas" panose="020B0609020204030204" pitchFamily="49" charset="0"/>
+              </a:rPr>
+              <a:t>@Override</a:t>
+            </a:r>
+          </a:p>
+          <a:p>
+            <a:pPr marL="457200" lvl="1" indent="0">
+              <a:spcBef>
+                <a:spcPts val="200"/>
+              </a:spcBef>
+              <a:buNone/>
+            </a:pPr>
+            <a:r>
+              <a:rPr lang="en-US" sz="1800" dirty="0">
+                <a:latin typeface="Consolas" panose="020B0609020204030204" pitchFamily="49" charset="0"/>
+              </a:rPr>
+              <a:t>public void emit() throws </a:t>
             </a:r>
             <a:r>
               <a:rPr lang="en-US" sz="1800" dirty="0" err="1">
-                <a:latin typeface="Consolas" pitchFamily="49" charset="0"/>
-                <a:cs typeface="Consolas" pitchFamily="49" charset="0"/>
-              </a:rPr>
-              <a:t>booleanExpr</a:t>
-            </a:r>
-            <a:r>
-              <a:rPr lang="en-US" sz="1800" dirty="0">
-                <a:latin typeface="Consolas" pitchFamily="49" charset="0"/>
-                <a:cs typeface="Consolas" pitchFamily="49" charset="0"/>
-              </a:rPr>
-              <a:t> ] "loop" statement .</a:t>
-            </a:r>
+                <a:latin typeface="Consolas" panose="020B0609020204030204" pitchFamily="49" charset="0"/>
+              </a:rPr>
+              <a:t>CodeGenException</a:t>
+            </a:r>
+            <a:endParaRPr lang="en-US" sz="1800" dirty="0">
+              <a:latin typeface="Consolas" panose="020B0609020204030204" pitchFamily="49" charset="0"/>
+            </a:endParaRPr>
+          </a:p>
+          <a:p>
+            <a:pPr marL="457200" lvl="1" indent="0">
+              <a:spcBef>
+                <a:spcPts val="200"/>
+              </a:spcBef>
+              <a:buNone/>
+            </a:pPr>
+            <a:r>
+              <a:rPr lang="en-US" sz="1800" dirty="0">
+                <a:latin typeface="Consolas" panose="020B0609020204030204" pitchFamily="49" charset="0"/>
+              </a:rPr>
+              <a:t>  {</a:t>
+            </a:r>
+          </a:p>
+          <a:p>
+            <a:pPr marL="457200" lvl="1" indent="0">
+              <a:spcBef>
+                <a:spcPts val="200"/>
+              </a:spcBef>
+              <a:buNone/>
+            </a:pPr>
+            <a:r>
+              <a:rPr lang="en-US" sz="1800" dirty="0">
+                <a:latin typeface="Consolas" panose="020B0609020204030204" pitchFamily="49" charset="0"/>
+              </a:rPr>
+              <a:t>    for (Statement </a:t>
+            </a:r>
+            <a:r>
+              <a:rPr lang="en-US" sz="1800" dirty="0" err="1">
+                <a:latin typeface="Consolas" panose="020B0609020204030204" pitchFamily="49" charset="0"/>
+              </a:rPr>
+              <a:t>stmt</a:t>
+            </a:r>
+            <a:r>
+              <a:rPr lang="en-US" sz="1800" dirty="0">
+                <a:latin typeface="Consolas" panose="020B0609020204030204" pitchFamily="49" charset="0"/>
+              </a:rPr>
+              <a:t> : statements)</a:t>
+            </a:r>
+          </a:p>
+          <a:p>
+            <a:pPr marL="457200" lvl="1" indent="0">
+              <a:spcBef>
+                <a:spcPts val="200"/>
+              </a:spcBef>
+              <a:buNone/>
+            </a:pPr>
+            <a:r>
+              <a:rPr lang="en-US" sz="1800" dirty="0">
+                <a:latin typeface="Consolas" panose="020B0609020204030204" pitchFamily="49" charset="0"/>
+              </a:rPr>
+              <a:t>        </a:t>
+            </a:r>
+            <a:r>
+              <a:rPr lang="en-US" sz="1800" dirty="0" err="1">
+                <a:latin typeface="Consolas" panose="020B0609020204030204" pitchFamily="49" charset="0"/>
+              </a:rPr>
+              <a:t>stmt.emit</a:t>
+            </a:r>
+            <a:r>
+              <a:rPr lang="en-US" sz="1800" dirty="0">
+                <a:latin typeface="Consolas" panose="020B0609020204030204" pitchFamily="49" charset="0"/>
+              </a:rPr>
+              <a:t>();</a:t>
+            </a:r>
+          </a:p>
+          <a:p>
+            <a:pPr marL="457200" lvl="1" indent="0">
+              <a:spcBef>
+                <a:spcPts val="200"/>
+              </a:spcBef>
+              <a:buNone/>
+            </a:pPr>
+            <a:r>
+              <a:rPr lang="en-US" sz="1800" dirty="0">
+                <a:latin typeface="Consolas" panose="020B0609020204030204" pitchFamily="49" charset="0"/>
+              </a:rPr>
+              <a:t>  }</a:t>
+            </a:r>
+          </a:p>
+          <a:p>
             <a:endParaRPr lang="en-US" dirty="0"/>
           </a:p>
-          <a:p>
-            <a:r>
-              <a:rPr lang="en-US" dirty="0"/>
-              <a:t>Code generation template for loop without a </a:t>
-            </a:r>
-            <a:r>
-              <a:rPr lang="en-US" dirty="0">
-                <a:latin typeface="Consolas" panose="020B0609020204030204" pitchFamily="49" charset="0"/>
-              </a:rPr>
-              <a:t>while</a:t>
-            </a:r>
-            <a:r>
-              <a:rPr lang="en-US" dirty="0"/>
-              <a:t> prefix</a:t>
-            </a:r>
-          </a:p>
-          <a:p>
-            <a:pPr marL="457200" lvl="1" indent="0">
-              <a:buNone/>
-            </a:pPr>
-            <a:r>
-              <a:rPr lang="en-US" sz="1800" dirty="0">
-                <a:latin typeface="Consolas" panose="020B0609020204030204" pitchFamily="49" charset="0"/>
-              </a:rPr>
-              <a:t>L1:</a:t>
-            </a:r>
-          </a:p>
-          <a:p>
-            <a:pPr marL="457200" lvl="1" indent="0">
-              <a:buNone/>
-            </a:pPr>
-            <a:r>
-              <a:rPr lang="en-US" sz="1800" dirty="0">
-                <a:latin typeface="Consolas" panose="020B0609020204030204" pitchFamily="49" charset="0"/>
-              </a:rPr>
-              <a:t>   ...  // emit code for statement (usually a compound</a:t>
-            </a:r>
-          </a:p>
-          <a:p>
-            <a:pPr marL="457200" lvl="1" indent="0">
-              <a:buNone/>
-            </a:pPr>
-            <a:r>
-              <a:rPr lang="en-US" sz="1800" dirty="0">
-                <a:latin typeface="Consolas" panose="020B0609020204030204" pitchFamily="49" charset="0"/>
-              </a:rPr>
-              <a:t>        // statement containing an exit statement)</a:t>
-            </a:r>
-          </a:p>
-          <a:p>
-            <a:pPr marL="457200" lvl="1" indent="0">
-              <a:buNone/>
-            </a:pPr>
-            <a:r>
-              <a:rPr lang="en-US" sz="1800" dirty="0">
-                <a:latin typeface="Consolas" panose="020B0609020204030204" pitchFamily="49" charset="0"/>
-              </a:rPr>
-              <a:t>   BR L1</a:t>
-            </a:r>
-          </a:p>
-          <a:p>
-            <a:pPr marL="457200" lvl="1" indent="0">
-              <a:buNone/>
-            </a:pPr>
-            <a:r>
-              <a:rPr lang="en-US" sz="1800" dirty="0">
-                <a:latin typeface="Consolas" panose="020B0609020204030204" pitchFamily="49" charset="0"/>
-              </a:rPr>
-              <a:t>L2:</a:t>
-            </a:r>
-          </a:p>
-        </p:txBody>
-      </p:sp>
-      <p:sp>
-        <p:nvSpPr>
-          <p:cNvPr id="10244" name="Footer Placeholder 3"/>
+        </p:txBody>
+      </p:sp>
+      <p:sp>
+        <p:nvSpPr>
+          <p:cNvPr id="32772" name="Footer Placeholder 3"/>
           <p:cNvSpPr>
             <a:spLocks noGrp="1"/>
           </p:cNvSpPr>
@@ -17193,7 +17251,7 @@
       </p:sp>
       <p:sp>
         <p:nvSpPr>
-          <p:cNvPr id="10245" name="Slide Number Placeholder 4"/>
+          <p:cNvPr id="32773" name="Slide Number Placeholder 4"/>
           <p:cNvSpPr>
             <a:spLocks noGrp="1"/>
           </p:cNvSpPr>
@@ -17210,7 +17268,7 @@
               <a:rPr lang="en-US"/>
               <a:t>Slide </a:t>
             </a:r>
-            <a:fld id="{E0BAF8FE-1D74-4E8E-934B-765CAB58B2D4}" type="slidenum">
+            <a:fld id="{94A6A08C-BE04-43EF-854C-5C56BD668159}" type="slidenum">
               <a:rPr lang="en-US" smtClean="0"/>
               <a:pPr/>
               <a:t>42</a:t>
@@ -17269,41 +17327,76 @@
               </a:rPr>
               <a:t>LoopStmt</a:t>
             </a:r>
-            <a:br>
+            <a:endParaRPr lang="en-US" dirty="0">
+              <a:latin typeface="Consolas" panose="020B0609020204030204" pitchFamily="49" charset="0"/>
+            </a:endParaRPr>
+          </a:p>
+        </p:txBody>
+      </p:sp>
+      <p:sp>
+        <p:nvSpPr>
+          <p:cNvPr id="10243" name="Content Placeholder 2"/>
+          <p:cNvSpPr>
+            <a:spLocks noGrp="1"/>
+          </p:cNvSpPr>
+          <p:nvPr>
+            <p:ph idx="1"/>
+          </p:nvPr>
+        </p:nvSpPr>
+        <p:spPr/>
+        <p:txBody>
+          <a:bodyPr/>
+          <a:lstStyle/>
+          <a:p>
+            <a:r>
+              <a:rPr lang="en-US" dirty="0"/>
+              <a:t>Grammar Rule</a:t>
+            </a:r>
+          </a:p>
+          <a:p>
+            <a:pPr lvl="1">
+              <a:buFontTx/>
+              <a:buNone/>
+            </a:pPr>
+            <a:r>
+              <a:rPr lang="en-US" sz="1800" dirty="0" err="1">
+                <a:latin typeface="Consolas" pitchFamily="49" charset="0"/>
+                <a:cs typeface="Consolas" pitchFamily="49" charset="0"/>
+              </a:rPr>
+              <a:t>loopStmt</a:t>
+            </a:r>
+            <a:r>
+              <a:rPr lang="en-US" sz="1800" dirty="0">
+                <a:latin typeface="Consolas" pitchFamily="49" charset="0"/>
+                <a:cs typeface="Consolas" pitchFamily="49" charset="0"/>
+              </a:rPr>
+              <a:t> = [ "while" </a:t>
+            </a:r>
+            <a:r>
+              <a:rPr lang="en-US" sz="1800" dirty="0" err="1">
+                <a:latin typeface="Consolas" pitchFamily="49" charset="0"/>
+                <a:cs typeface="Consolas" pitchFamily="49" charset="0"/>
+              </a:rPr>
+              <a:t>booleanExpr</a:t>
+            </a:r>
+            <a:r>
+              <a:rPr lang="en-US" sz="1800" dirty="0">
+                <a:latin typeface="Consolas" pitchFamily="49" charset="0"/>
+                <a:cs typeface="Consolas" pitchFamily="49" charset="0"/>
+              </a:rPr>
+              <a:t> ] "loop" statement .</a:t>
+            </a:r>
+            <a:endParaRPr lang="en-US" dirty="0"/>
+          </a:p>
+          <a:p>
+            <a:r>
+              <a:rPr lang="en-US" dirty="0"/>
+              <a:t>Code generation template for loop without a </a:t>
+            </a:r>
+            <a:r>
               <a:rPr lang="en-US" dirty="0">
                 <a:latin typeface="Consolas" panose="020B0609020204030204" pitchFamily="49" charset="0"/>
               </a:rPr>
-            </a:br>
-            <a:r>
-              <a:rPr lang="en-US" sz="2400" dirty="0"/>
-              <a:t>(continued)</a:t>
-            </a:r>
-          </a:p>
-        </p:txBody>
-      </p:sp>
-      <p:sp>
-        <p:nvSpPr>
-          <p:cNvPr id="10243" name="Content Placeholder 2"/>
-          <p:cNvSpPr>
-            <a:spLocks noGrp="1"/>
-          </p:cNvSpPr>
-          <p:nvPr>
-            <p:ph idx="1"/>
-          </p:nvPr>
-        </p:nvSpPr>
-        <p:spPr/>
-        <p:txBody>
-          <a:bodyPr/>
-          <a:lstStyle/>
-          <a:p>
-            <a:r>
-              <a:rPr lang="en-US" dirty="0"/>
-              <a:t>Code generation template for loop with a </a:t>
-            </a:r>
-            <a:r>
-              <a:rPr lang="en-US" dirty="0">
-                <a:latin typeface="Consolas" panose="020B0609020204030204" pitchFamily="49" charset="0"/>
-              </a:rPr>
               <a:t>while</a:t>
             </a:r>
             <a:r>
@@ -17324,65 +17417,39 @@
           </a:p>
           <a:p>
             <a:pPr marL="457200" lvl="1" indent="0">
-              <a:spcBef>
-                <a:spcPts val="100"/>
-              </a:spcBef>
-              <a:buNone/>
-            </a:pPr>
-            <a:r>
-              <a:rPr lang="en-US" sz="1800" dirty="0">
-                <a:latin typeface="Consolas" panose="020B0609020204030204" pitchFamily="49" charset="0"/>
-              </a:rPr>
-              <a:t>    ...  // emit code to evaluate while expression</a:t>
+              <a:buNone/>
+            </a:pPr>
+            <a:r>
+              <a:rPr lang="en-US" sz="1800" dirty="0">
+                <a:latin typeface="Consolas" panose="020B0609020204030204" pitchFamily="49" charset="0"/>
+              </a:rPr>
+              <a:t>   ...  // emit code for statement (usually a compound</a:t>
             </a:r>
           </a:p>
           <a:p>
             <a:pPr marL="457200" lvl="1" indent="0">
-              <a:spcBef>
-                <a:spcPts val="100"/>
-              </a:spcBef>
-              <a:buNone/>
-            </a:pPr>
-            <a:r>
-              <a:rPr lang="en-US" sz="1800" dirty="0">
-                <a:latin typeface="Consolas" panose="020B0609020204030204" pitchFamily="49" charset="0"/>
-              </a:rPr>
-              <a:t>    ...  // branch to L2 if value of expression is false</a:t>
+              <a:buNone/>
+            </a:pPr>
+            <a:r>
+              <a:rPr lang="en-US" sz="1800" dirty="0">
+                <a:latin typeface="Consolas" panose="020B0609020204030204" pitchFamily="49" charset="0"/>
+              </a:rPr>
+              <a:t>        // statement containing an exit statement)</a:t>
             </a:r>
           </a:p>
           <a:p>
             <a:pPr marL="457200" lvl="1" indent="0">
-              <a:spcBef>
-                <a:spcPts val="100"/>
-              </a:spcBef>
-              <a:buNone/>
-            </a:pPr>
-            <a:r>
-              <a:rPr lang="en-US" sz="1800" dirty="0">
-                <a:latin typeface="Consolas" panose="020B0609020204030204" pitchFamily="49" charset="0"/>
-              </a:rPr>
-              <a:t>    ...  // emit code for statement</a:t>
+              <a:buNone/>
+            </a:pPr>
+            <a:r>
+              <a:rPr lang="en-US" sz="1800" dirty="0">
+                <a:latin typeface="Consolas" panose="020B0609020204030204" pitchFamily="49" charset="0"/>
+              </a:rPr>
+              <a:t>   BR L1</a:t>
             </a:r>
           </a:p>
           <a:p>
             <a:pPr marL="457200" lvl="1" indent="0">
-              <a:spcBef>
-                <a:spcPts val="100"/>
-              </a:spcBef>
-              <a:buNone/>
-            </a:pPr>
-            <a:r>
-              <a:rPr lang="en-US" sz="1800" dirty="0">
-                <a:latin typeface="Consolas" panose="020B0609020204030204" pitchFamily="49" charset="0"/>
-              </a:rPr>
-              <a:t>    BR L1</a:t>
-            </a:r>
-          </a:p>
-          <a:p>
-            <a:pPr marL="457200" lvl="1" indent="0">
-              <a:spcBef>
-                <a:spcPts val="100"/>
-              </a:spcBef>
               <a:buNone/>
             </a:pPr>
             <a:r>
@@ -17445,11 +17512,6 @@
         </p:txBody>
       </p:sp>
     </p:spTree>
-    <p:extLst>
-      <p:ext uri="{BB962C8B-B14F-4D97-AF65-F5344CB8AC3E}">
-        <p14:creationId xmlns:p14="http://schemas.microsoft.com/office/powerpoint/2010/main" val="2879865836"/>
-      </p:ext>
-    </p:extLst>
   </p:cSld>
   <p:clrMapOvr>
     <a:masterClrMapping/>
@@ -17491,30 +17553,23 @@
           <a:p>
             <a:r>
               <a:rPr lang="en-US" dirty="0"/>
-              <a:t>Method </a:t>
-            </a:r>
-            <a:r>
+              <a:t>Code Generation for </a:t>
+            </a:r>
+            <a:r>
+              <a:rPr lang="en-US" dirty="0" err="1">
+                <a:latin typeface="Consolas" panose="020B0609020204030204" pitchFamily="49" charset="0"/>
+              </a:rPr>
+              <a:t>LoopStmt</a:t>
+            </a:r>
+            <a:br>
               <a:rPr lang="en-US" dirty="0">
-                <a:latin typeface="Consolas" pitchFamily="49" charset="0"/>
-                <a:cs typeface="Consolas" pitchFamily="49" charset="0"/>
-              </a:rPr>
-              <a:t>emit()</a:t>
-            </a:r>
-            <a:r>
-              <a:rPr lang="en-US" dirty="0"/>
-              <a:t> for </a:t>
-            </a:r>
-            <a:r>
-              <a:rPr lang="en-US" dirty="0" err="1">
-                <a:latin typeface="Consolas" pitchFamily="49" charset="0"/>
-                <a:cs typeface="Consolas" pitchFamily="49" charset="0"/>
-              </a:rPr>
-              <a:t>LoopStmt</a:t>
-            </a:r>
-            <a:endParaRPr lang="en-US" dirty="0">
-              <a:latin typeface="Consolas" pitchFamily="49" charset="0"/>
-              <a:cs typeface="Consolas" pitchFamily="49" charset="0"/>
-            </a:endParaRPr>
+                <a:latin typeface="Consolas" panose="020B0609020204030204" pitchFamily="49" charset="0"/>
+              </a:rPr>
+            </a:br>
+            <a:r>
+              <a:rPr lang="en-US" sz="2400" dirty="0"/>
+              <a:t>(continued)</a:t>
+            </a:r>
           </a:p>
         </p:txBody>
       </p:sp>
@@ -17528,293 +17583,105 @@
             <p:ph idx="1"/>
           </p:nvPr>
         </p:nvSpPr>
-        <p:spPr>
-          <a:xfrm>
-            <a:off x="458787" y="1363663"/>
-            <a:ext cx="8412480" cy="4935537"/>
-          </a:xfrm>
-        </p:spPr>
-        <p:txBody>
-          <a:bodyPr/>
-          <a:lstStyle/>
-          <a:p>
-            <a:pPr marL="182880" indent="0">
+        <p:spPr/>
+        <p:txBody>
+          <a:bodyPr/>
+          <a:lstStyle/>
+          <a:p>
+            <a:r>
+              <a:rPr lang="en-US" dirty="0"/>
+              <a:t>Code generation template for loop with a </a:t>
+            </a:r>
+            <a:r>
+              <a:rPr lang="en-US" dirty="0">
+                <a:latin typeface="Consolas" panose="020B0609020204030204" pitchFamily="49" charset="0"/>
+              </a:rPr>
+              <a:t>while</a:t>
+            </a:r>
+            <a:r>
+              <a:rPr lang="en-US" dirty="0"/>
+              <a:t> prefix</a:t>
+            </a:r>
+          </a:p>
+          <a:p>
+            <a:pPr marL="457200" lvl="1" indent="0">
+              <a:buNone/>
+            </a:pPr>
+            <a:r>
+              <a:rPr lang="en-US" sz="1800" dirty="0">
+                <a:latin typeface="Consolas" panose="020B0609020204030204" pitchFamily="49" charset="0"/>
+              </a:rPr>
+              <a:t>L1:</a:t>
+            </a:r>
+          </a:p>
+          <a:p>
+            <a:pPr marL="457200" lvl="1" indent="0">
               <a:spcBef>
                 <a:spcPts val="100"/>
               </a:spcBef>
-              <a:buFontTx/>
-              <a:buNone/>
-            </a:pPr>
-            <a:r>
-              <a:rPr lang="en-US" sz="1800" dirty="0">
-                <a:latin typeface="Consolas" pitchFamily="49" charset="0"/>
-                <a:cs typeface="Consolas" pitchFamily="49" charset="0"/>
-              </a:rPr>
-              <a:t>@Override</a:t>
-            </a:r>
-          </a:p>
-          <a:p>
-            <a:pPr marL="182880" indent="0">
+              <a:buNone/>
+            </a:pPr>
+            <a:r>
+              <a:rPr lang="en-US" sz="1800" dirty="0">
+                <a:latin typeface="Consolas" panose="020B0609020204030204" pitchFamily="49" charset="0"/>
+              </a:rPr>
+              <a:t>    ...  // emit code to evaluate while expression</a:t>
+            </a:r>
+          </a:p>
+          <a:p>
+            <a:pPr marL="457200" lvl="1" indent="0">
               <a:spcBef>
                 <a:spcPts val="100"/>
               </a:spcBef>
-              <a:buFontTx/>
-              <a:buNone/>
-            </a:pPr>
-            <a:r>
-              <a:rPr lang="en-US" sz="1800" dirty="0">
-                <a:latin typeface="Consolas" pitchFamily="49" charset="0"/>
-                <a:cs typeface="Consolas" pitchFamily="49" charset="0"/>
-              </a:rPr>
-              <a:t>public void emit() throws </a:t>
-            </a:r>
-            <a:r>
-              <a:rPr lang="en-US" sz="1800" dirty="0" err="1">
-                <a:latin typeface="Consolas" pitchFamily="49" charset="0"/>
-                <a:cs typeface="Consolas" pitchFamily="49" charset="0"/>
-              </a:rPr>
-              <a:t>CodeGenException</a:t>
-            </a:r>
-            <a:endParaRPr lang="en-US" sz="1800" dirty="0">
-              <a:latin typeface="Consolas" pitchFamily="49" charset="0"/>
-              <a:cs typeface="Consolas" pitchFamily="49" charset="0"/>
-            </a:endParaRPr>
-          </a:p>
-          <a:p>
-            <a:pPr marL="182880" indent="0">
+              <a:buNone/>
+            </a:pPr>
+            <a:r>
+              <a:rPr lang="en-US" sz="1800" dirty="0">
+                <a:latin typeface="Consolas" panose="020B0609020204030204" pitchFamily="49" charset="0"/>
+              </a:rPr>
+              <a:t>    ...  // branch to L2 if value of expression is false</a:t>
+            </a:r>
+          </a:p>
+          <a:p>
+            <a:pPr marL="457200" lvl="1" indent="0">
               <a:spcBef>
                 <a:spcPts val="100"/>
               </a:spcBef>
-              <a:buFontTx/>
-              <a:buNone/>
-            </a:pPr>
-            <a:r>
-              <a:rPr lang="en-US" sz="1800" dirty="0">
-                <a:latin typeface="Consolas" pitchFamily="49" charset="0"/>
-                <a:cs typeface="Consolas" pitchFamily="49" charset="0"/>
-              </a:rPr>
-              <a:t>  {</a:t>
-            </a:r>
-          </a:p>
-          <a:p>
-            <a:pPr marL="182880" indent="0">
+              <a:buNone/>
+            </a:pPr>
+            <a:r>
+              <a:rPr lang="en-US" sz="1800" dirty="0">
+                <a:latin typeface="Consolas" panose="020B0609020204030204" pitchFamily="49" charset="0"/>
+              </a:rPr>
+              <a:t>    ...  // emit code for statement</a:t>
+            </a:r>
+          </a:p>
+          <a:p>
+            <a:pPr marL="457200" lvl="1" indent="0">
               <a:spcBef>
                 <a:spcPts val="100"/>
               </a:spcBef>
-              <a:buFontTx/>
-              <a:buNone/>
-            </a:pPr>
-            <a:r>
-              <a:rPr lang="en-US" sz="1800" dirty="0">
-                <a:latin typeface="Consolas" pitchFamily="49" charset="0"/>
-                <a:cs typeface="Consolas" pitchFamily="49" charset="0"/>
-              </a:rPr>
-              <a:t>    </a:t>
-            </a:r>
-            <a:r>
-              <a:rPr lang="en-US" sz="1800" dirty="0" err="1">
-                <a:latin typeface="Consolas" pitchFamily="49" charset="0"/>
-                <a:cs typeface="Consolas" pitchFamily="49" charset="0"/>
-              </a:rPr>
-              <a:t>emitLabel</a:t>
-            </a:r>
-            <a:r>
-              <a:rPr lang="en-US" sz="1800" dirty="0">
-                <a:latin typeface="Consolas" pitchFamily="49" charset="0"/>
-                <a:cs typeface="Consolas" pitchFamily="49" charset="0"/>
-              </a:rPr>
-              <a:t>(L1);</a:t>
-            </a:r>
-          </a:p>
-          <a:p>
-            <a:pPr marL="182880" indent="0">
+              <a:buNone/>
+            </a:pPr>
+            <a:r>
+              <a:rPr lang="en-US" sz="1800" dirty="0">
+                <a:latin typeface="Consolas" panose="020B0609020204030204" pitchFamily="49" charset="0"/>
+              </a:rPr>
+              <a:t>    BR L1</a:t>
+            </a:r>
+          </a:p>
+          <a:p>
+            <a:pPr marL="457200" lvl="1" indent="0">
               <a:spcBef>
                 <a:spcPts val="100"/>
               </a:spcBef>
-              <a:buFontTx/>
-              <a:buNone/>
-            </a:pPr>
-            <a:endParaRPr lang="en-US" sz="1800" dirty="0">
-              <a:latin typeface="Consolas" pitchFamily="49" charset="0"/>
-              <a:cs typeface="Consolas" pitchFamily="49" charset="0"/>
-            </a:endParaRPr>
-          </a:p>
-          <a:p>
-            <a:pPr marL="182880" indent="0">
-              <a:spcBef>
-                <a:spcPts val="100"/>
-              </a:spcBef>
-              <a:buFontTx/>
-              <a:buNone/>
-            </a:pPr>
-            <a:r>
-              <a:rPr lang="en-US" sz="1800" dirty="0">
-                <a:latin typeface="Consolas" pitchFamily="49" charset="0"/>
-                <a:cs typeface="Consolas" pitchFamily="49" charset="0"/>
-              </a:rPr>
-              <a:t>    if (</a:t>
-            </a:r>
-            <a:r>
-              <a:rPr lang="en-US" sz="1800" dirty="0" err="1">
-                <a:latin typeface="Consolas" pitchFamily="49" charset="0"/>
-                <a:cs typeface="Consolas" pitchFamily="49" charset="0"/>
-              </a:rPr>
-              <a:t>whileExpr</a:t>
-            </a:r>
-            <a:r>
-              <a:rPr lang="en-US" sz="1800" dirty="0">
-                <a:latin typeface="Consolas" pitchFamily="49" charset="0"/>
-                <a:cs typeface="Consolas" pitchFamily="49" charset="0"/>
-              </a:rPr>
-              <a:t> != null)</a:t>
-            </a:r>
-          </a:p>
-          <a:p>
-            <a:pPr marL="182880" indent="0">
-              <a:spcBef>
-                <a:spcPts val="100"/>
-              </a:spcBef>
-              <a:buFontTx/>
-              <a:buNone/>
-            </a:pPr>
-            <a:r>
-              <a:rPr lang="en-US" sz="1800" dirty="0">
-                <a:latin typeface="Consolas" pitchFamily="49" charset="0"/>
-                <a:cs typeface="Consolas" pitchFamily="49" charset="0"/>
-              </a:rPr>
-              <a:t>        </a:t>
-            </a:r>
-            <a:r>
-              <a:rPr lang="en-US" sz="1800" dirty="0" err="1">
-                <a:latin typeface="Consolas" pitchFamily="49" charset="0"/>
-                <a:cs typeface="Consolas" pitchFamily="49" charset="0"/>
-              </a:rPr>
-              <a:t>whileExpr.emitBranch</a:t>
-            </a:r>
-            <a:r>
-              <a:rPr lang="en-US" sz="1800" dirty="0">
-                <a:latin typeface="Consolas" pitchFamily="49" charset="0"/>
-                <a:cs typeface="Consolas" pitchFamily="49" charset="0"/>
-              </a:rPr>
-              <a:t>(false, L2);</a:t>
-            </a:r>
-          </a:p>
-          <a:p>
-            <a:pPr marL="182880" indent="0">
-              <a:spcBef>
-                <a:spcPts val="100"/>
-              </a:spcBef>
-              <a:buFontTx/>
-              <a:buNone/>
-            </a:pPr>
-            <a:endParaRPr lang="en-US" sz="1800" dirty="0">
-              <a:latin typeface="Consolas" pitchFamily="49" charset="0"/>
-              <a:cs typeface="Consolas" pitchFamily="49" charset="0"/>
-            </a:endParaRPr>
-          </a:p>
-          <a:p>
-            <a:pPr marL="182880" indent="0">
-              <a:spcBef>
-                <a:spcPts val="100"/>
-              </a:spcBef>
-              <a:buFontTx/>
-              <a:buNone/>
-            </a:pPr>
-            <a:r>
-              <a:rPr lang="en-US" sz="1800" dirty="0">
-                <a:latin typeface="Consolas" pitchFamily="49" charset="0"/>
-                <a:cs typeface="Consolas" pitchFamily="49" charset="0"/>
-              </a:rPr>
-              <a:t>    </a:t>
-            </a:r>
-            <a:r>
-              <a:rPr lang="en-US" sz="1800" dirty="0" err="1">
-                <a:latin typeface="Consolas" pitchFamily="49" charset="0"/>
-                <a:cs typeface="Consolas" pitchFamily="49" charset="0"/>
-              </a:rPr>
-              <a:t>statement.emit</a:t>
-            </a:r>
-            <a:r>
-              <a:rPr lang="en-US" sz="1800" dirty="0">
-                <a:latin typeface="Consolas" pitchFamily="49" charset="0"/>
-                <a:cs typeface="Consolas" pitchFamily="49" charset="0"/>
-              </a:rPr>
-              <a:t>();</a:t>
-            </a:r>
-          </a:p>
-          <a:p>
-            <a:pPr marL="182880" indent="0">
-              <a:spcBef>
-                <a:spcPts val="100"/>
-              </a:spcBef>
-              <a:buFontTx/>
-              <a:buNone/>
-            </a:pPr>
-            <a:r>
-              <a:rPr lang="en-US" sz="1800" dirty="0">
-                <a:latin typeface="Consolas" pitchFamily="49" charset="0"/>
-                <a:cs typeface="Consolas" pitchFamily="49" charset="0"/>
-              </a:rPr>
-              <a:t>    emit("BR " + L1);</a:t>
-            </a:r>
-          </a:p>
-          <a:p>
-            <a:pPr marL="182880" indent="0">
-              <a:spcBef>
-                <a:spcPts val="100"/>
-              </a:spcBef>
-              <a:buFontTx/>
-              <a:buNone/>
-            </a:pPr>
-            <a:endParaRPr lang="en-US" sz="1800" dirty="0">
-              <a:latin typeface="Consolas" pitchFamily="49" charset="0"/>
-              <a:cs typeface="Consolas" pitchFamily="49" charset="0"/>
-            </a:endParaRPr>
-          </a:p>
-          <a:p>
-            <a:pPr marL="182880" indent="0">
-              <a:spcBef>
-                <a:spcPts val="100"/>
-              </a:spcBef>
-              <a:buFontTx/>
-              <a:buNone/>
-            </a:pPr>
-            <a:r>
-              <a:rPr lang="en-US" sz="1800" dirty="0">
-                <a:latin typeface="Consolas" pitchFamily="49" charset="0"/>
-                <a:cs typeface="Consolas" pitchFamily="49" charset="0"/>
-              </a:rPr>
-              <a:t>    </a:t>
-            </a:r>
-            <a:r>
-              <a:rPr lang="en-US" sz="1800" dirty="0" err="1">
-                <a:latin typeface="Consolas" pitchFamily="49" charset="0"/>
-                <a:cs typeface="Consolas" pitchFamily="49" charset="0"/>
-              </a:rPr>
-              <a:t>emitLabel</a:t>
-            </a:r>
-            <a:r>
-              <a:rPr lang="en-US" sz="1800" dirty="0">
-                <a:latin typeface="Consolas" pitchFamily="49" charset="0"/>
-                <a:cs typeface="Consolas" pitchFamily="49" charset="0"/>
-              </a:rPr>
-              <a:t>(L2);</a:t>
-            </a:r>
-          </a:p>
-          <a:p>
-            <a:pPr marL="182880" indent="0">
-              <a:spcBef>
-                <a:spcPts val="100"/>
-              </a:spcBef>
-              <a:buFontTx/>
-              <a:buNone/>
-            </a:pPr>
-            <a:r>
-              <a:rPr lang="en-US" sz="1800" dirty="0">
-                <a:latin typeface="Consolas" pitchFamily="49" charset="0"/>
-                <a:cs typeface="Consolas" pitchFamily="49" charset="0"/>
-              </a:rPr>
-              <a:t>  }</a:t>
+              <a:buNone/>
+            </a:pPr>
+            <a:r>
+              <a:rPr lang="en-US" sz="1800" dirty="0">
+                <a:latin typeface="Consolas" panose="020B0609020204030204" pitchFamily="49" charset="0"/>
+              </a:rPr>
+              <a:t>L2:</a:t>
             </a:r>
           </a:p>
         </p:txBody>
@@ -17829,9 +17696,7 @@
             <p:ph type="ftr" sz="quarter" idx="10"/>
           </p:nvPr>
         </p:nvSpPr>
-        <p:spPr>
-          <a:noFill/>
-        </p:spPr>
+        <p:spPr/>
         <p:txBody>
           <a:bodyPr/>
           <a:lstStyle/>
@@ -17853,9 +17718,7 @@
             <p:ph type="sldNum" sz="quarter" idx="11"/>
           </p:nvPr>
         </p:nvSpPr>
-        <p:spPr>
-          <a:noFill/>
-        </p:spPr>
+        <p:spPr/>
         <p:txBody>
           <a:bodyPr/>
           <a:lstStyle/>
@@ -17876,7 +17739,7 @@
     </p:spTree>
     <p:extLst>
       <p:ext uri="{BB962C8B-B14F-4D97-AF65-F5344CB8AC3E}">
-        <p14:creationId xmlns:p14="http://schemas.microsoft.com/office/powerpoint/2010/main" val="3128523126"/>
+        <p14:creationId xmlns:p14="http://schemas.microsoft.com/office/powerpoint/2010/main" val="2879865836"/>
       </p:ext>
     </p:extLst>
   </p:cSld>
@@ -17905,7 +17768,7 @@
       </p:grpSpPr>
       <p:sp>
         <p:nvSpPr>
-          <p:cNvPr id="35842" name="Title 1"/>
+          <p:cNvPr id="10242" name="Title 1"/>
           <p:cNvSpPr>
             <a:spLocks noGrp="1"/>
           </p:cNvSpPr>
@@ -17920,21 +17783,36 @@
           <a:p>
             <a:r>
               <a:rPr lang="en-US" dirty="0"/>
-              <a:t>Code Generation for </a:t>
+              <a:t>Method </a:t>
             </a:r>
             <a:r>
               <a:rPr lang="en-US" dirty="0">
                 <a:latin typeface="Consolas" pitchFamily="49" charset="0"/>
                 <a:cs typeface="Consolas" pitchFamily="49" charset="0"/>
               </a:rPr>
-              <a:t>ReadStmt</a:t>
-            </a:r>
-          </a:p>
-        </p:txBody>
-      </p:sp>
-      <p:sp>
-        <p:nvSpPr>
-          <p:cNvPr id="35843" name="Content Placeholder 2"/>
+              <a:t>emit()</a:t>
+            </a:r>
+            <a:r>
+              <a:rPr lang="en-US" dirty="0"/>
+              <a:t> for </a:t>
+            </a:r>
+            <a:r>
+              <a:rPr lang="en-US" dirty="0" err="1">
+                <a:latin typeface="Consolas" pitchFamily="49" charset="0"/>
+                <a:cs typeface="Consolas" pitchFamily="49" charset="0"/>
+              </a:rPr>
+              <a:t>LoopStmt</a:t>
+            </a:r>
+            <a:endParaRPr lang="en-US" dirty="0">
+              <a:latin typeface="Consolas" pitchFamily="49" charset="0"/>
+              <a:cs typeface="Consolas" pitchFamily="49" charset="0"/>
+            </a:endParaRPr>
+          </a:p>
+        </p:txBody>
+      </p:sp>
+      <p:sp>
+        <p:nvSpPr>
+          <p:cNvPr id="10243" name="Content Placeholder 2"/>
           <p:cNvSpPr>
             <a:spLocks noGrp="1"/>
           </p:cNvSpPr>
@@ -17942,18 +17820,20 @@
             <p:ph idx="1"/>
           </p:nvPr>
         </p:nvSpPr>
-        <p:spPr/>
-        <p:txBody>
-          <a:bodyPr/>
-          <a:lstStyle/>
-          <a:p>
-            <a:r>
-              <a:rPr lang="en-US" dirty="0"/>
-              <a:t>Grammar Rule</a:t>
-            </a:r>
-          </a:p>
-          <a:p>
-            <a:pPr lvl="1">
+        <p:spPr>
+          <a:xfrm>
+            <a:off x="458787" y="1363663"/>
+            <a:ext cx="8412480" cy="4935537"/>
+          </a:xfrm>
+        </p:spPr>
+        <p:txBody>
+          <a:bodyPr/>
+          <a:lstStyle/>
+          <a:p>
+            <a:pPr marL="182880" indent="0">
+              <a:spcBef>
+                <a:spcPts val="100"/>
+              </a:spcBef>
               <a:buFontTx/>
               <a:buNone/>
             </a:pPr>
@@ -17962,23 +17842,14 @@
                 <a:latin typeface="Consolas" pitchFamily="49" charset="0"/>
                 <a:cs typeface="Consolas" pitchFamily="49" charset="0"/>
               </a:rPr>
-              <a:t>readStmt = "read" variable ";" .</a:t>
-            </a:r>
-          </a:p>
-          <a:p>
-            <a:r>
-              <a:rPr lang="en-US" dirty="0"/>
-              <a:t>Code generation template for a variable of type </a:t>
-            </a:r>
-            <a:r>
-              <a:rPr lang="en-US" dirty="0">
-                <a:latin typeface="Consolas" panose="020B0609020204030204" pitchFamily="49" charset="0"/>
-              </a:rPr>
-              <a:t>Integer</a:t>
-            </a:r>
-          </a:p>
-          <a:p>
-            <a:pPr lvl="1">
+              <a:t>@Override</a:t>
+            </a:r>
+          </a:p>
+          <a:p>
+            <a:pPr marL="182880" indent="0">
+              <a:spcBef>
+                <a:spcPts val="100"/>
+              </a:spcBef>
               <a:buFontTx/>
               <a:buNone/>
             </a:pPr>
@@ -17987,11 +17858,25 @@
                 <a:latin typeface="Consolas" pitchFamily="49" charset="0"/>
                 <a:cs typeface="Consolas" pitchFamily="49" charset="0"/>
               </a:rPr>
-              <a:t>...  // emit code for variable</a:t>
-            </a:r>
-          </a:p>
-          <a:p>
-            <a:pPr lvl="1">
+              <a:t>public void emit() throws </a:t>
+            </a:r>
+            <a:r>
+              <a:rPr lang="en-US" sz="1800" dirty="0" err="1">
+                <a:latin typeface="Consolas" pitchFamily="49" charset="0"/>
+                <a:cs typeface="Consolas" pitchFamily="49" charset="0"/>
+              </a:rPr>
+              <a:t>CodeGenException</a:t>
+            </a:r>
+            <a:endParaRPr lang="en-US" sz="1800" dirty="0">
+              <a:latin typeface="Consolas" pitchFamily="49" charset="0"/>
+              <a:cs typeface="Consolas" pitchFamily="49" charset="0"/>
+            </a:endParaRPr>
+          </a:p>
+          <a:p>
+            <a:pPr marL="182880" indent="0">
+              <a:spcBef>
+                <a:spcPts val="100"/>
+              </a:spcBef>
               <a:buFontTx/>
               <a:buNone/>
             </a:pPr>
@@ -18000,13 +17885,13 @@
                 <a:latin typeface="Consolas" pitchFamily="49" charset="0"/>
                 <a:cs typeface="Consolas" pitchFamily="49" charset="0"/>
               </a:rPr>
-              <a:t>     // (leaves variable's address on top of stack)</a:t>
-            </a:r>
-          </a:p>
-          <a:p>
-            <a:pPr lvl="1">
-              <a:spcBef>
-                <a:spcPts val="200"/>
+              <a:t>  {</a:t>
+            </a:r>
+          </a:p>
+          <a:p>
+            <a:pPr marL="182880" indent="0">
+              <a:spcBef>
+                <a:spcPts val="100"/>
               </a:spcBef>
               <a:buFontTx/>
               <a:buNone/>
@@ -18016,38 +17901,40 @@
                 <a:latin typeface="Consolas" pitchFamily="49" charset="0"/>
                 <a:cs typeface="Consolas" pitchFamily="49" charset="0"/>
               </a:rPr>
-              <a:t>GETINT</a:t>
-            </a:r>
-          </a:p>
-          <a:p>
-            <a:r>
-              <a:rPr lang="en-US" dirty="0"/>
-              <a:t>Code generation template for a variable of type </a:t>
-            </a:r>
-            <a:r>
-              <a:rPr lang="en-US" dirty="0">
-                <a:latin typeface="Consolas" panose="020B0609020204030204" pitchFamily="49" charset="0"/>
-              </a:rPr>
-              <a:t>Char</a:t>
-            </a:r>
-          </a:p>
-          <a:p>
-            <a:pPr lvl="1">
+              <a:t>    </a:t>
+            </a:r>
+            <a:r>
+              <a:rPr lang="en-US" sz="1800" dirty="0" err="1">
+                <a:latin typeface="Consolas" pitchFamily="49" charset="0"/>
+                <a:cs typeface="Consolas" pitchFamily="49" charset="0"/>
+              </a:rPr>
+              <a:t>emitLabel</a:t>
+            </a:r>
+            <a:r>
+              <a:rPr lang="en-US" sz="1800" dirty="0">
+                <a:latin typeface="Consolas" pitchFamily="49" charset="0"/>
+                <a:cs typeface="Consolas" pitchFamily="49" charset="0"/>
+              </a:rPr>
+              <a:t>(L1);</a:t>
+            </a:r>
+          </a:p>
+          <a:p>
+            <a:pPr marL="182880" indent="0">
+              <a:spcBef>
+                <a:spcPts val="100"/>
+              </a:spcBef>
               <a:buFontTx/>
               <a:buNone/>
             </a:pPr>
-            <a:r>
-              <a:rPr lang="en-US" sz="1800" dirty="0">
-                <a:latin typeface="Consolas" pitchFamily="49" charset="0"/>
-                <a:cs typeface="Consolas" pitchFamily="49" charset="0"/>
-              </a:rPr>
-              <a:t>...  // emit code for variable</a:t>
-            </a:r>
-          </a:p>
-          <a:p>
-            <a:pPr lvl="1">
-              <a:spcBef>
-                <a:spcPct val="0"/>
+            <a:endParaRPr lang="en-US" sz="1800" dirty="0">
+              <a:latin typeface="Consolas" pitchFamily="49" charset="0"/>
+              <a:cs typeface="Consolas" pitchFamily="49" charset="0"/>
+            </a:endParaRPr>
+          </a:p>
+          <a:p>
+            <a:pPr marL="182880" indent="0">
+              <a:spcBef>
+                <a:spcPts val="100"/>
               </a:spcBef>
               <a:buFontTx/>
               <a:buNone/>
@@ -18057,13 +17944,27 @@
                 <a:latin typeface="Consolas" pitchFamily="49" charset="0"/>
                 <a:cs typeface="Consolas" pitchFamily="49" charset="0"/>
               </a:rPr>
-              <a:t>     // (leaves variable's address on top of stack)</a:t>
-            </a:r>
-          </a:p>
-          <a:p>
-            <a:pPr lvl="1">
-              <a:spcBef>
-                <a:spcPct val="0"/>
+              <a:t>    if (</a:t>
+            </a:r>
+            <a:r>
+              <a:rPr lang="en-US" sz="1800" dirty="0" err="1">
+                <a:latin typeface="Consolas" pitchFamily="49" charset="0"/>
+                <a:cs typeface="Consolas" pitchFamily="49" charset="0"/>
+              </a:rPr>
+              <a:t>whileExpr</a:t>
+            </a:r>
+            <a:r>
+              <a:rPr lang="en-US" sz="1800" dirty="0">
+                <a:latin typeface="Consolas" pitchFamily="49" charset="0"/>
+                <a:cs typeface="Consolas" pitchFamily="49" charset="0"/>
+              </a:rPr>
+              <a:t> != null)</a:t>
+            </a:r>
+          </a:p>
+          <a:p>
+            <a:pPr marL="182880" indent="0">
+              <a:spcBef>
+                <a:spcPts val="100"/>
               </a:spcBef>
               <a:buFontTx/>
               <a:buNone/>
@@ -18073,17 +17974,146 @@
                 <a:latin typeface="Consolas" pitchFamily="49" charset="0"/>
                 <a:cs typeface="Consolas" pitchFamily="49" charset="0"/>
               </a:rPr>
-              <a:t>GETCH</a:t>
-            </a:r>
-          </a:p>
-          <a:p>
-            <a:endParaRPr lang="en-US" dirty="0"/>
-          </a:p>
-        </p:txBody>
-      </p:sp>
-      <p:sp>
-        <p:nvSpPr>
-          <p:cNvPr id="35844" name="Footer Placeholder 3"/>
+              <a:t>        </a:t>
+            </a:r>
+            <a:r>
+              <a:rPr lang="en-US" sz="1800" dirty="0" err="1">
+                <a:latin typeface="Consolas" pitchFamily="49" charset="0"/>
+                <a:cs typeface="Consolas" pitchFamily="49" charset="0"/>
+              </a:rPr>
+              <a:t>whileExpr.emitBranch</a:t>
+            </a:r>
+            <a:r>
+              <a:rPr lang="en-US" sz="1800" dirty="0">
+                <a:latin typeface="Consolas" pitchFamily="49" charset="0"/>
+                <a:cs typeface="Consolas" pitchFamily="49" charset="0"/>
+              </a:rPr>
+              <a:t>(false, L2);</a:t>
+            </a:r>
+          </a:p>
+          <a:p>
+            <a:pPr marL="182880" indent="0">
+              <a:spcBef>
+                <a:spcPts val="100"/>
+              </a:spcBef>
+              <a:buFontTx/>
+              <a:buNone/>
+            </a:pPr>
+            <a:endParaRPr lang="en-US" sz="1800" dirty="0">
+              <a:latin typeface="Consolas" pitchFamily="49" charset="0"/>
+              <a:cs typeface="Consolas" pitchFamily="49" charset="0"/>
+            </a:endParaRPr>
+          </a:p>
+          <a:p>
+            <a:pPr marL="182880" indent="0">
+              <a:spcBef>
+                <a:spcPts val="100"/>
+              </a:spcBef>
+              <a:buFontTx/>
+              <a:buNone/>
+            </a:pPr>
+            <a:r>
+              <a:rPr lang="en-US" sz="1800" dirty="0">
+                <a:latin typeface="Consolas" pitchFamily="49" charset="0"/>
+                <a:cs typeface="Consolas" pitchFamily="49" charset="0"/>
+              </a:rPr>
+              <a:t>    </a:t>
+            </a:r>
+            <a:r>
+              <a:rPr lang="en-US" sz="1800" dirty="0" err="1">
+                <a:latin typeface="Consolas" pitchFamily="49" charset="0"/>
+                <a:cs typeface="Consolas" pitchFamily="49" charset="0"/>
+              </a:rPr>
+              <a:t>statement.emit</a:t>
+            </a:r>
+            <a:r>
+              <a:rPr lang="en-US" sz="1800" dirty="0">
+                <a:latin typeface="Consolas" pitchFamily="49" charset="0"/>
+                <a:cs typeface="Consolas" pitchFamily="49" charset="0"/>
+              </a:rPr>
+              <a:t>();</a:t>
+            </a:r>
+          </a:p>
+          <a:p>
+            <a:pPr marL="182880" indent="0">
+              <a:spcBef>
+                <a:spcPts val="100"/>
+              </a:spcBef>
+              <a:buFontTx/>
+              <a:buNone/>
+            </a:pPr>
+            <a:r>
+              <a:rPr lang="en-US" sz="1800" dirty="0">
+                <a:latin typeface="Consolas" pitchFamily="49" charset="0"/>
+                <a:cs typeface="Consolas" pitchFamily="49" charset="0"/>
+              </a:rPr>
+              <a:t>    emit("BR " + L1);</a:t>
+            </a:r>
+          </a:p>
+          <a:p>
+            <a:pPr marL="182880" indent="0">
+              <a:spcBef>
+                <a:spcPts val="100"/>
+              </a:spcBef>
+              <a:buFontTx/>
+              <a:buNone/>
+            </a:pPr>
+            <a:endParaRPr lang="en-US" sz="1800" dirty="0">
+              <a:latin typeface="Consolas" pitchFamily="49" charset="0"/>
+              <a:cs typeface="Consolas" pitchFamily="49" charset="0"/>
+            </a:endParaRPr>
+          </a:p>
+          <a:p>
+            <a:pPr marL="182880" indent="0">
+              <a:spcBef>
+                <a:spcPts val="100"/>
+              </a:spcBef>
+              <a:buFontTx/>
+              <a:buNone/>
+            </a:pPr>
+            <a:r>
+              <a:rPr lang="en-US" sz="1800" dirty="0">
+                <a:latin typeface="Consolas" pitchFamily="49" charset="0"/>
+                <a:cs typeface="Consolas" pitchFamily="49" charset="0"/>
+              </a:rPr>
+              <a:t>    </a:t>
+            </a:r>
+            <a:r>
+              <a:rPr lang="en-US" sz="1800" dirty="0" err="1">
+                <a:latin typeface="Consolas" pitchFamily="49" charset="0"/>
+                <a:cs typeface="Consolas" pitchFamily="49" charset="0"/>
+              </a:rPr>
+              <a:t>emitLabel</a:t>
+            </a:r>
+            <a:r>
+              <a:rPr lang="en-US" sz="1800" dirty="0">
+                <a:latin typeface="Consolas" pitchFamily="49" charset="0"/>
+                <a:cs typeface="Consolas" pitchFamily="49" charset="0"/>
+              </a:rPr>
+              <a:t>(L2);</a:t>
+            </a:r>
+          </a:p>
+          <a:p>
+            <a:pPr marL="182880" indent="0">
+              <a:spcBef>
+                <a:spcPts val="100"/>
+              </a:spcBef>
+              <a:buFontTx/>
+              <a:buNone/>
+            </a:pPr>
+            <a:r>
+              <a:rPr lang="en-US" sz="1800" dirty="0">
+                <a:latin typeface="Consolas" pitchFamily="49" charset="0"/>
+                <a:cs typeface="Consolas" pitchFamily="49" charset="0"/>
+              </a:rPr>
+              <a:t>  }</a:t>
+            </a:r>
+          </a:p>
+        </p:txBody>
+      </p:sp>
+      <p:sp>
+        <p:nvSpPr>
+          <p:cNvPr id="10244" name="Footer Placeholder 3"/>
           <p:cNvSpPr>
             <a:spLocks noGrp="1"/>
           </p:cNvSpPr>
@@ -18107,7 +18137,7 @@
       </p:sp>
       <p:sp>
         <p:nvSpPr>
-          <p:cNvPr id="35845" name="Slide Number Placeholder 4"/>
+          <p:cNvPr id="10245" name="Slide Number Placeholder 4"/>
           <p:cNvSpPr>
             <a:spLocks noGrp="1"/>
           </p:cNvSpPr>
@@ -18126,7 +18156,7 @@
               <a:rPr lang="en-US"/>
               <a:t>Slide </a:t>
             </a:r>
-            <a:fld id="{3F0B88EF-11EB-41E1-8458-B2CEE33644A5}" type="slidenum">
+            <a:fld id="{E0BAF8FE-1D74-4E8E-934B-765CAB58B2D4}" type="slidenum">
               <a:rPr lang="en-US" smtClean="0"/>
               <a:pPr/>
               <a:t>45</a:t>
@@ -18135,48 +18165,12 @@
           </a:p>
         </p:txBody>
       </p:sp>
-      <p:sp>
-        <p:nvSpPr>
-          <p:cNvPr id="2" name="TextBox 1">
-            <a:extLst>
-              <a:ext uri="{FF2B5EF4-FFF2-40B4-BE49-F238E27FC236}">
-                <a16:creationId xmlns:a16="http://schemas.microsoft.com/office/drawing/2014/main" id="{22AD5B7E-1D64-F783-B42A-8166D3D22E38}"/>
-              </a:ext>
-            </a:extLst>
-          </p:cNvPr>
-          <p:cNvSpPr txBox="1"/>
-          <p:nvPr/>
-        </p:nvSpPr>
-        <p:spPr>
-          <a:xfrm>
-            <a:off x="997143" y="5329535"/>
-            <a:ext cx="7149714" cy="461665"/>
-          </a:xfrm>
-          <a:prstGeom prst="rect">
-            <a:avLst/>
-          </a:prstGeom>
-          <a:noFill/>
-          <a:ln>
-            <a:solidFill>
-              <a:schemeClr val="tx1"/>
-            </a:solidFill>
-          </a:ln>
-        </p:spPr>
-        <p:txBody>
-          <a:bodyPr wrap="none" rtlCol="0">
-            <a:spAutoFit/>
-          </a:bodyPr>
-          <a:lstStyle/>
-          <a:p>
-            <a:pPr algn="l"/>
-            <a:r>
-              <a:rPr lang="en-US" dirty="0"/>
-              <a:t>Input for string types is postponed until Chapter 15.</a:t>
-            </a:r>
-          </a:p>
-        </p:txBody>
-      </p:sp>
     </p:spTree>
+    <p:extLst>
+      <p:ext uri="{BB962C8B-B14F-4D97-AF65-F5344CB8AC3E}">
+        <p14:creationId xmlns:p14="http://schemas.microsoft.com/office/powerpoint/2010/main" val="3128523126"/>
+      </p:ext>
+    </p:extLst>
   </p:cSld>
   <p:clrMapOvr>
     <a:masterClrMapping/>
@@ -18203,7 +18197,7 @@
       </p:grpSpPr>
       <p:sp>
         <p:nvSpPr>
-          <p:cNvPr id="36866" name="Title 1"/>
+          <p:cNvPr id="35842" name="Title 1"/>
           <p:cNvSpPr>
             <a:spLocks noGrp="1"/>
           </p:cNvSpPr>
@@ -18211,12 +18205,7 @@
             <p:ph type="title"/>
           </p:nvPr>
         </p:nvSpPr>
-        <p:spPr>
-          <a:xfrm>
-            <a:off x="990600" y="152400"/>
-            <a:ext cx="7315200" cy="1004888"/>
-          </a:xfrm>
-        </p:spPr>
+        <p:spPr/>
         <p:txBody>
           <a:bodyPr/>
           <a:lstStyle/>
@@ -18226,22 +18215,18 @@
               <a:t>Code Generation for </a:t>
             </a:r>
             <a:r>
-              <a:rPr lang="en-US" dirty="0" err="1">
-                <a:latin typeface="Consolas" pitchFamily="49" charset="0"/>
-                <a:cs typeface="Consolas" pitchFamily="49" charset="0"/>
-              </a:rPr>
-              <a:t>ExitStmt</a:t>
-            </a:r>
-            <a:r>
-              <a:rPr lang="en-US" dirty="0"/>
-              <a:t> </a:t>
-            </a:r>
-          </a:p>
-        </p:txBody>
-      </p:sp>
-      <p:sp>
-        <p:nvSpPr>
-          <p:cNvPr id="36867" name="Content Placeholder 2"/>
+              <a:rPr lang="en-US" dirty="0">
+                <a:latin typeface="Consolas" pitchFamily="49" charset="0"/>
+                <a:cs typeface="Consolas" pitchFamily="49" charset="0"/>
+              </a:rPr>
+              <a:t>ReadStmt</a:t>
+            </a:r>
+          </a:p>
+        </p:txBody>
+      </p:sp>
+      <p:sp>
+        <p:nvSpPr>
+          <p:cNvPr id="35843" name="Content Placeholder 2"/>
           <p:cNvSpPr>
             <a:spLocks noGrp="1"/>
           </p:cNvSpPr>
@@ -18265,85 +18250,23 @@
               <a:buNone/>
             </a:pPr>
             <a:r>
-              <a:rPr lang="en-US" sz="1800" dirty="0" err="1">
-                <a:latin typeface="Consolas" pitchFamily="49" charset="0"/>
-                <a:cs typeface="Consolas" pitchFamily="49" charset="0"/>
-              </a:rPr>
-              <a:t>exitStmt</a:t>
-            </a:r>
-            <a:r>
-              <a:rPr lang="en-US" sz="1800" dirty="0">
-                <a:latin typeface="Consolas" pitchFamily="49" charset="0"/>
-                <a:cs typeface="Consolas" pitchFamily="49" charset="0"/>
-              </a:rPr>
-              <a:t> = "exit" [ "when" </a:t>
-            </a:r>
-            <a:r>
-              <a:rPr lang="en-US" sz="1800" dirty="0" err="1">
-                <a:latin typeface="Consolas" pitchFamily="49" charset="0"/>
-                <a:cs typeface="Consolas" pitchFamily="49" charset="0"/>
-              </a:rPr>
-              <a:t>booleanExpr</a:t>
-            </a:r>
-            <a:r>
-              <a:rPr lang="en-US" sz="1800" dirty="0">
-                <a:latin typeface="Consolas" pitchFamily="49" charset="0"/>
-                <a:cs typeface="Consolas" pitchFamily="49" charset="0"/>
-              </a:rPr>
-              <a:t> ] ";" .</a:t>
-            </a:r>
-            <a:endParaRPr lang="en-US" dirty="0"/>
-          </a:p>
-          <a:p>
-            <a:r>
-              <a:rPr lang="en-US" dirty="0"/>
-              <a:t>The </a:t>
+              <a:rPr lang="en-US" sz="1800" dirty="0">
+                <a:latin typeface="Consolas" pitchFamily="49" charset="0"/>
+                <a:cs typeface="Consolas" pitchFamily="49" charset="0"/>
+              </a:rPr>
+              <a:t>readStmt = "read" variable ";" .</a:t>
+            </a:r>
+          </a:p>
+          <a:p>
+            <a:r>
+              <a:rPr lang="en-US" dirty="0"/>
+              <a:t>Code generation template for a variable of type </a:t>
             </a:r>
             <a:r>
               <a:rPr lang="en-US" dirty="0">
                 <a:latin typeface="Consolas" panose="020B0609020204030204" pitchFamily="49" charset="0"/>
               </a:rPr>
-              <a:t>exit</a:t>
-            </a:r>
-            <a:r>
-              <a:rPr lang="en-US" dirty="0"/>
-              <a:t> statement must obtain the end label, say </a:t>
-            </a:r>
-            <a:r>
-              <a:rPr lang="en-US" dirty="0">
-                <a:latin typeface="Consolas" panose="020B0609020204030204" pitchFamily="49" charset="0"/>
-              </a:rPr>
-              <a:t>L2</a:t>
-            </a:r>
-            <a:r>
-              <a:rPr lang="en-US" dirty="0"/>
-              <a:t>, from its enclosing loop statement.</a:t>
-            </a:r>
-          </a:p>
-          <a:p>
-            <a:r>
-              <a:rPr lang="en-US" dirty="0"/>
-              <a:t>Code generation template when the </a:t>
-            </a:r>
-            <a:r>
-              <a:rPr lang="en-US" dirty="0">
-                <a:latin typeface="Consolas" panose="020B0609020204030204" pitchFamily="49" charset="0"/>
-              </a:rPr>
-              <a:t>exit</a:t>
-            </a:r>
-            <a:r>
-              <a:rPr lang="en-US" dirty="0"/>
-              <a:t> statement does not have a </a:t>
-            </a:r>
-            <a:r>
-              <a:rPr lang="en-US" dirty="0">
-                <a:latin typeface="Consolas" panose="020B0609020204030204" pitchFamily="49" charset="0"/>
-              </a:rPr>
-              <a:t>when</a:t>
-            </a:r>
-            <a:r>
-              <a:rPr lang="en-US" dirty="0"/>
-              <a:t> boolean expression suffix</a:t>
+              <a:t>Integer</a:t>
             </a:r>
           </a:p>
           <a:p>
@@ -18356,68 +18279,103 @@
                 <a:latin typeface="Consolas" pitchFamily="49" charset="0"/>
                 <a:cs typeface="Consolas" pitchFamily="49" charset="0"/>
               </a:rPr>
-              <a:t>BR L2</a:t>
-            </a:r>
-          </a:p>
-          <a:p>
-            <a:r>
-              <a:rPr lang="en-US" dirty="0"/>
-              <a:t>Code generation template when the </a:t>
+              <a:t>...  // emit code for variable</a:t>
+            </a:r>
+          </a:p>
+          <a:p>
+            <a:pPr lvl="1">
+              <a:buFontTx/>
+              <a:buNone/>
+            </a:pPr>
+            <a:r>
+              <a:rPr lang="en-US" sz="1800" dirty="0">
+                <a:latin typeface="Consolas" pitchFamily="49" charset="0"/>
+                <a:cs typeface="Consolas" pitchFamily="49" charset="0"/>
+              </a:rPr>
+              <a:t>     // (leaves variable's address on top of stack)</a:t>
+            </a:r>
+          </a:p>
+          <a:p>
+            <a:pPr lvl="1">
+              <a:spcBef>
+                <a:spcPts val="200"/>
+              </a:spcBef>
+              <a:buFontTx/>
+              <a:buNone/>
+            </a:pPr>
+            <a:r>
+              <a:rPr lang="en-US" sz="1800" dirty="0">
+                <a:latin typeface="Consolas" pitchFamily="49" charset="0"/>
+                <a:cs typeface="Consolas" pitchFamily="49" charset="0"/>
+              </a:rPr>
+              <a:t>GETINT</a:t>
+            </a:r>
+          </a:p>
+          <a:p>
+            <a:r>
+              <a:rPr lang="en-US" dirty="0"/>
+              <a:t>Code generation template for a variable of type </a:t>
             </a:r>
             <a:r>
               <a:rPr lang="en-US" dirty="0">
                 <a:latin typeface="Consolas" panose="020B0609020204030204" pitchFamily="49" charset="0"/>
               </a:rPr>
-              <a:t>exit</a:t>
-            </a:r>
-            <a:r>
-              <a:rPr lang="en-US" dirty="0"/>
-              <a:t> statement has a </a:t>
-            </a:r>
-            <a:r>
-              <a:rPr lang="en-US" dirty="0">
-                <a:latin typeface="Consolas" pitchFamily="49" charset="0"/>
-                <a:cs typeface="Consolas" pitchFamily="49" charset="0"/>
-              </a:rPr>
-              <a:t>when</a:t>
-            </a:r>
-            <a:r>
-              <a:rPr lang="en-US" dirty="0"/>
-              <a:t> boolean expression suffix</a:t>
+              <a:t>Char</a:t>
             </a:r>
           </a:p>
           <a:p>
             <a:pPr lvl="1">
-              <a:buNone/>
-            </a:pPr>
-            <a:r>
-              <a:rPr lang="en-US" sz="1800" dirty="0">
-                <a:latin typeface="Consolas" pitchFamily="49" charset="0"/>
-                <a:cs typeface="Consolas" pitchFamily="49" charset="0"/>
-              </a:rPr>
-              <a:t> ...  // emit code that will branch to L2 if the</a:t>
+              <a:buFontTx/>
+              <a:buNone/>
+            </a:pPr>
+            <a:r>
+              <a:rPr lang="en-US" sz="1800" dirty="0">
+                <a:latin typeface="Consolas" pitchFamily="49" charset="0"/>
+                <a:cs typeface="Consolas" pitchFamily="49" charset="0"/>
+              </a:rPr>
+              <a:t>...  // emit code for variable</a:t>
             </a:r>
           </a:p>
           <a:p>
             <a:pPr lvl="1">
               <a:spcBef>
-                <a:spcPts val="200"/>
-              </a:spcBef>
-              <a:buNone/>
-            </a:pPr>
-            <a:r>
-              <a:rPr lang="en-US" sz="1800" dirty="0">
-                <a:latin typeface="Consolas" pitchFamily="49" charset="0"/>
-                <a:cs typeface="Consolas" pitchFamily="49" charset="0"/>
-              </a:rPr>
-              <a:t>      // when boolean expression evaluates to true</a:t>
-            </a:r>
-          </a:p>
-        </p:txBody>
-      </p:sp>
-      <p:sp>
-        <p:nvSpPr>
-          <p:cNvPr id="36868" name="Footer Placeholder 3"/>
+                <a:spcPct val="0"/>
+              </a:spcBef>
+              <a:buFontTx/>
+              <a:buNone/>
+            </a:pPr>
+            <a:r>
+              <a:rPr lang="en-US" sz="1800" dirty="0">
+                <a:latin typeface="Consolas" pitchFamily="49" charset="0"/>
+                <a:cs typeface="Consolas" pitchFamily="49" charset="0"/>
+              </a:rPr>
+              <a:t>     // (leaves variable's address on top of stack)</a:t>
+            </a:r>
+          </a:p>
+          <a:p>
+            <a:pPr lvl="1">
+              <a:spcBef>
+                <a:spcPct val="0"/>
+              </a:spcBef>
+              <a:buFontTx/>
+              <a:buNone/>
+            </a:pPr>
+            <a:r>
+              <a:rPr lang="en-US" sz="1800" dirty="0">
+                <a:latin typeface="Consolas" pitchFamily="49" charset="0"/>
+                <a:cs typeface="Consolas" pitchFamily="49" charset="0"/>
+              </a:rPr>
+              <a:t>GETCH</a:t>
+            </a:r>
+          </a:p>
+          <a:p>
+            <a:endParaRPr lang="en-US" dirty="0"/>
+          </a:p>
+        </p:txBody>
+      </p:sp>
+      <p:sp>
+        <p:nvSpPr>
+          <p:cNvPr id="35844" name="Footer Placeholder 3"/>
           <p:cNvSpPr>
             <a:spLocks noGrp="1"/>
           </p:cNvSpPr>
@@ -18441,7 +18399,7 @@
       </p:sp>
       <p:sp>
         <p:nvSpPr>
-          <p:cNvPr id="36869" name="Slide Number Placeholder 4"/>
+          <p:cNvPr id="35845" name="Slide Number Placeholder 4"/>
           <p:cNvSpPr>
             <a:spLocks noGrp="1"/>
           </p:cNvSpPr>
@@ -18460,12 +18418,53 @@
               <a:rPr lang="en-US"/>
               <a:t>Slide </a:t>
             </a:r>
-            <a:fld id="{8C1276C5-FE3D-46D7-8176-6E1275EB6AE1}" type="slidenum">
+            <a:fld id="{3F0B88EF-11EB-41E1-8458-B2CEE33644A5}" type="slidenum">
               <a:rPr lang="en-US" smtClean="0"/>
               <a:pPr/>
               <a:t>46</a:t>
             </a:fld>
             <a:endParaRPr lang="en-US"/>
+          </a:p>
+        </p:txBody>
+      </p:sp>
+      <p:sp>
+        <p:nvSpPr>
+          <p:cNvPr id="2" name="TextBox 1">
+            <a:extLst>
+              <a:ext uri="{FF2B5EF4-FFF2-40B4-BE49-F238E27FC236}">
+                <a16:creationId xmlns:a16="http://schemas.microsoft.com/office/drawing/2014/main" id="{22AD5B7E-1D64-F783-B42A-8166D3D22E38}"/>
+              </a:ext>
+            </a:extLst>
+          </p:cNvPr>
+          <p:cNvSpPr txBox="1"/>
+          <p:nvPr/>
+        </p:nvSpPr>
+        <p:spPr>
+          <a:xfrm>
+            <a:off x="997143" y="5329535"/>
+            <a:ext cx="7149714" cy="461665"/>
+          </a:xfrm>
+          <a:prstGeom prst="rect">
+            <a:avLst/>
+          </a:prstGeom>
+          <a:noFill/>
+          <a:ln>
+            <a:solidFill>
+              <a:schemeClr val="tx1"/>
+            </a:solidFill>
+          </a:ln>
+        </p:spPr>
+        <p:txBody>
+          <a:bodyPr wrap="none" rtlCol="0">
+            <a:spAutoFit/>
+          </a:bodyPr>
+          <a:lstStyle/>
+          <a:p>
+            <a:pPr algn="l"/>
+            <a:r>
+              <a:rPr lang="en-US" dirty="0"/>
+              <a:t>Input for string types is postponed until Chapter 15.</a:t>
+            </a:r>
           </a:p>
         </p:txBody>
       </p:sp>
@@ -18496,7 +18495,7 @@
       </p:grpSpPr>
       <p:sp>
         <p:nvSpPr>
-          <p:cNvPr id="2" name="Title 1"/>
+          <p:cNvPr id="36866" name="Title 1"/>
           <p:cNvSpPr>
             <a:spLocks noGrp="1"/>
           </p:cNvSpPr>
@@ -18504,274 +18503,213 @@
             <p:ph type="title"/>
           </p:nvPr>
         </p:nvSpPr>
-        <p:spPr/>
-        <p:txBody>
-          <a:bodyPr/>
-          <a:lstStyle/>
-          <a:p>
-            <a:r>
-              <a:rPr lang="en-US" dirty="0"/>
-              <a:t>Method </a:t>
+        <p:spPr>
+          <a:xfrm>
+            <a:off x="990600" y="152400"/>
+            <a:ext cx="7315200" cy="1004888"/>
+          </a:xfrm>
+        </p:spPr>
+        <p:txBody>
+          <a:bodyPr/>
+          <a:lstStyle/>
+          <a:p>
+            <a:r>
+              <a:rPr lang="en-US" dirty="0"/>
+              <a:t>Code Generation for </a:t>
+            </a:r>
+            <a:r>
+              <a:rPr lang="en-US" dirty="0" err="1">
+                <a:latin typeface="Consolas" pitchFamily="49" charset="0"/>
+                <a:cs typeface="Consolas" pitchFamily="49" charset="0"/>
+              </a:rPr>
+              <a:t>ExitStmt</a:t>
+            </a:r>
+            <a:r>
+              <a:rPr lang="en-US" dirty="0"/>
+              <a:t> </a:t>
+            </a:r>
+          </a:p>
+        </p:txBody>
+      </p:sp>
+      <p:sp>
+        <p:nvSpPr>
+          <p:cNvPr id="36867" name="Content Placeholder 2"/>
+          <p:cNvSpPr>
+            <a:spLocks noGrp="1"/>
+          </p:cNvSpPr>
+          <p:nvPr>
+            <p:ph idx="1"/>
+          </p:nvPr>
+        </p:nvSpPr>
+        <p:spPr/>
+        <p:txBody>
+          <a:bodyPr/>
+          <a:lstStyle/>
+          <a:p>
+            <a:r>
+              <a:rPr lang="en-US" dirty="0"/>
+              <a:t>Grammar Rule</a:t>
+            </a:r>
+          </a:p>
+          <a:p>
+            <a:pPr lvl="1">
+              <a:buFontTx/>
+              <a:buNone/>
+            </a:pPr>
+            <a:r>
+              <a:rPr lang="en-US" sz="1800" dirty="0" err="1">
+                <a:latin typeface="Consolas" pitchFamily="49" charset="0"/>
+                <a:cs typeface="Consolas" pitchFamily="49" charset="0"/>
+              </a:rPr>
+              <a:t>exitStmt</a:t>
+            </a:r>
+            <a:r>
+              <a:rPr lang="en-US" sz="1800" dirty="0">
+                <a:latin typeface="Consolas" pitchFamily="49" charset="0"/>
+                <a:cs typeface="Consolas" pitchFamily="49" charset="0"/>
+              </a:rPr>
+              <a:t> = "exit" [ "when" </a:t>
+            </a:r>
+            <a:r>
+              <a:rPr lang="en-US" sz="1800" dirty="0" err="1">
+                <a:latin typeface="Consolas" pitchFamily="49" charset="0"/>
+                <a:cs typeface="Consolas" pitchFamily="49" charset="0"/>
+              </a:rPr>
+              <a:t>booleanExpr</a:t>
+            </a:r>
+            <a:r>
+              <a:rPr lang="en-US" sz="1800" dirty="0">
+                <a:latin typeface="Consolas" pitchFamily="49" charset="0"/>
+                <a:cs typeface="Consolas" pitchFamily="49" charset="0"/>
+              </a:rPr>
+              <a:t> ] ";" .</a:t>
+            </a:r>
+            <a:endParaRPr lang="en-US" dirty="0"/>
+          </a:p>
+          <a:p>
+            <a:r>
+              <a:rPr lang="en-US" dirty="0"/>
+              <a:t>The </a:t>
             </a:r>
             <a:r>
               <a:rPr lang="en-US" dirty="0">
                 <a:latin typeface="Consolas" panose="020B0609020204030204" pitchFamily="49" charset="0"/>
               </a:rPr>
-              <a:t>emit()</a:t>
-            </a:r>
-            <a:r>
-              <a:rPr lang="en-US" dirty="0"/>
-              <a:t> for </a:t>
-            </a:r>
-            <a:r>
-              <a:rPr lang="en-US" dirty="0" err="1">
-                <a:latin typeface="Consolas" panose="020B0609020204030204" pitchFamily="49" charset="0"/>
-              </a:rPr>
-              <a:t>ExitStmt</a:t>
-            </a:r>
-            <a:endParaRPr lang="en-US" dirty="0">
-              <a:latin typeface="Consolas" panose="020B0609020204030204" pitchFamily="49" charset="0"/>
-            </a:endParaRPr>
-          </a:p>
-        </p:txBody>
-      </p:sp>
-      <p:sp>
-        <p:nvSpPr>
-          <p:cNvPr id="3" name="Content Placeholder 2"/>
-          <p:cNvSpPr>
-            <a:spLocks noGrp="1"/>
-          </p:cNvSpPr>
-          <p:nvPr>
-            <p:ph idx="1"/>
-          </p:nvPr>
-        </p:nvSpPr>
-        <p:spPr/>
-        <p:txBody>
-          <a:bodyPr tIns="91440"/>
-          <a:lstStyle/>
-          <a:p>
-            <a:pPr marL="274320" indent="0">
-              <a:spcBef>
-                <a:spcPts val="300"/>
-              </a:spcBef>
-              <a:buNone/>
-            </a:pPr>
-            <a:r>
-              <a:rPr lang="en-US" sz="1800" dirty="0">
-                <a:latin typeface="Consolas" panose="020B0609020204030204" pitchFamily="49" charset="0"/>
-              </a:rPr>
-              <a:t>@Override</a:t>
-            </a:r>
-          </a:p>
-          <a:p>
-            <a:pPr marL="274320" indent="0">
-              <a:spcBef>
-                <a:spcPts val="300"/>
-              </a:spcBef>
-              <a:buNone/>
-            </a:pPr>
-            <a:r>
-              <a:rPr lang="en-US" sz="1800" dirty="0">
-                <a:latin typeface="Consolas" panose="020B0609020204030204" pitchFamily="49" charset="0"/>
-              </a:rPr>
-              <a:t>public void emit() throws </a:t>
-            </a:r>
-            <a:r>
-              <a:rPr lang="en-US" sz="1800" dirty="0" err="1">
-                <a:latin typeface="Consolas" panose="020B0609020204030204" pitchFamily="49" charset="0"/>
-              </a:rPr>
-              <a:t>CodeGenException</a:t>
-            </a:r>
-            <a:endParaRPr lang="en-US" sz="1800" dirty="0">
-              <a:latin typeface="Consolas" panose="020B0609020204030204" pitchFamily="49" charset="0"/>
-            </a:endParaRPr>
-          </a:p>
-          <a:p>
-            <a:pPr marL="274320" indent="0">
-              <a:spcBef>
-                <a:spcPts val="300"/>
-              </a:spcBef>
-              <a:buNone/>
-            </a:pPr>
-            <a:r>
-              <a:rPr lang="en-US" sz="1800" dirty="0">
-                <a:latin typeface="Consolas" panose="020B0609020204030204" pitchFamily="49" charset="0"/>
-              </a:rPr>
-              <a:t>  {</a:t>
-            </a:r>
-          </a:p>
-          <a:p>
-            <a:pPr marL="274320" indent="0">
-              <a:spcBef>
-                <a:spcPts val="300"/>
-              </a:spcBef>
-              <a:buNone/>
-            </a:pPr>
-            <a:r>
-              <a:rPr lang="en-US" sz="1800" dirty="0">
-                <a:latin typeface="Consolas" panose="020B0609020204030204" pitchFamily="49" charset="0"/>
-              </a:rPr>
-              <a:t>    var </a:t>
-            </a:r>
-            <a:r>
-              <a:rPr lang="en-US" sz="1800" dirty="0" err="1">
-                <a:latin typeface="Consolas" panose="020B0609020204030204" pitchFamily="49" charset="0"/>
-              </a:rPr>
-              <a:t>exitLabel</a:t>
-            </a:r>
-            <a:r>
-              <a:rPr lang="en-US" sz="1800" dirty="0">
-                <a:latin typeface="Consolas" panose="020B0609020204030204" pitchFamily="49" charset="0"/>
-              </a:rPr>
-              <a:t> = </a:t>
-            </a:r>
-            <a:r>
-              <a:rPr lang="en-US" sz="1800" dirty="0" err="1">
-                <a:latin typeface="Consolas" panose="020B0609020204030204" pitchFamily="49" charset="0"/>
-              </a:rPr>
-              <a:t>loopStmt.getExitLabel</a:t>
-            </a:r>
-            <a:r>
-              <a:rPr lang="en-US" sz="1800" dirty="0">
-                <a:latin typeface="Consolas" panose="020B0609020204030204" pitchFamily="49" charset="0"/>
-              </a:rPr>
-              <a:t>();</a:t>
-            </a:r>
-          </a:p>
-          <a:p>
-            <a:pPr marL="274320" indent="0">
-              <a:spcBef>
-                <a:spcPts val="300"/>
-              </a:spcBef>
-              <a:buNone/>
-            </a:pPr>
-            <a:endParaRPr lang="en-US" sz="1800" dirty="0">
-              <a:latin typeface="Consolas" panose="020B0609020204030204" pitchFamily="49" charset="0"/>
-            </a:endParaRPr>
-          </a:p>
-          <a:p>
-            <a:pPr marL="274320" indent="0">
-              <a:spcBef>
-                <a:spcPts val="300"/>
-              </a:spcBef>
-              <a:buNone/>
-            </a:pPr>
-            <a:r>
-              <a:rPr lang="en-US" sz="1800" dirty="0">
-                <a:latin typeface="Consolas" panose="020B0609020204030204" pitchFamily="49" charset="0"/>
-              </a:rPr>
-              <a:t>    if (</a:t>
-            </a:r>
-            <a:r>
-              <a:rPr lang="en-US" sz="1800" dirty="0" err="1">
-                <a:latin typeface="Consolas" panose="020B0609020204030204" pitchFamily="49" charset="0"/>
-              </a:rPr>
-              <a:t>whenExpr</a:t>
-            </a:r>
-            <a:r>
-              <a:rPr lang="en-US" sz="1800" dirty="0">
-                <a:latin typeface="Consolas" panose="020B0609020204030204" pitchFamily="49" charset="0"/>
-              </a:rPr>
-              <a:t> != null)</a:t>
-            </a:r>
-          </a:p>
-          <a:p>
-            <a:pPr marL="274320" indent="0">
-              <a:spcBef>
-                <a:spcPts val="300"/>
-              </a:spcBef>
-              <a:buNone/>
-            </a:pPr>
-            <a:r>
-              <a:rPr lang="en-US" sz="1800" dirty="0">
-                <a:latin typeface="Consolas" panose="020B0609020204030204" pitchFamily="49" charset="0"/>
-              </a:rPr>
-              <a:t>        </a:t>
-            </a:r>
-            <a:r>
-              <a:rPr lang="en-US" sz="1800" dirty="0" err="1">
-                <a:latin typeface="Consolas" panose="020B0609020204030204" pitchFamily="49" charset="0"/>
-              </a:rPr>
-              <a:t>whenExpr.emitBranch</a:t>
-            </a:r>
-            <a:r>
-              <a:rPr lang="en-US" sz="1800" dirty="0">
-                <a:latin typeface="Consolas" panose="020B0609020204030204" pitchFamily="49" charset="0"/>
-              </a:rPr>
-              <a:t>(true, </a:t>
-            </a:r>
-            <a:r>
-              <a:rPr lang="en-US" sz="1800" dirty="0" err="1">
-                <a:latin typeface="Consolas" panose="020B0609020204030204" pitchFamily="49" charset="0"/>
-              </a:rPr>
-              <a:t>exitLabel</a:t>
-            </a:r>
-            <a:r>
-              <a:rPr lang="en-US" sz="1800" dirty="0">
-                <a:latin typeface="Consolas" panose="020B0609020204030204" pitchFamily="49" charset="0"/>
-              </a:rPr>
-              <a:t>);</a:t>
-            </a:r>
-          </a:p>
-          <a:p>
-            <a:pPr marL="274320" indent="0">
-              <a:spcBef>
-                <a:spcPts val="300"/>
-              </a:spcBef>
-              <a:buNone/>
-            </a:pPr>
-            <a:r>
-              <a:rPr lang="en-US" sz="1800" dirty="0">
-                <a:latin typeface="Consolas" panose="020B0609020204030204" pitchFamily="49" charset="0"/>
-              </a:rPr>
-              <a:t>    else</a:t>
-            </a:r>
-          </a:p>
-          <a:p>
-            <a:pPr marL="274320" indent="0">
-              <a:spcBef>
-                <a:spcPts val="300"/>
-              </a:spcBef>
-              <a:buNone/>
-            </a:pPr>
-            <a:r>
-              <a:rPr lang="en-US" sz="1800" dirty="0">
-                <a:latin typeface="Consolas" panose="020B0609020204030204" pitchFamily="49" charset="0"/>
-              </a:rPr>
-              <a:t>        emit("BR " + </a:t>
-            </a:r>
-            <a:r>
-              <a:rPr lang="en-US" sz="1800" dirty="0" err="1">
-                <a:latin typeface="Consolas" panose="020B0609020204030204" pitchFamily="49" charset="0"/>
-              </a:rPr>
-              <a:t>exitLabel</a:t>
-            </a:r>
-            <a:r>
-              <a:rPr lang="en-US" sz="1800" dirty="0">
-                <a:latin typeface="Consolas" panose="020B0609020204030204" pitchFamily="49" charset="0"/>
-              </a:rPr>
-              <a:t>);</a:t>
-            </a:r>
-          </a:p>
-          <a:p>
-            <a:pPr marL="274320" indent="0">
-              <a:spcBef>
-                <a:spcPts val="300"/>
-              </a:spcBef>
-              <a:buNone/>
-            </a:pPr>
-            <a:r>
-              <a:rPr lang="en-US" sz="1800" dirty="0">
-                <a:latin typeface="Consolas" panose="020B0609020204030204" pitchFamily="49" charset="0"/>
-              </a:rPr>
-              <a:t>  }</a:t>
-            </a:r>
-          </a:p>
-        </p:txBody>
-      </p:sp>
-      <p:sp>
-        <p:nvSpPr>
-          <p:cNvPr id="4" name="Footer Placeholder 3"/>
+              <a:t>exit</a:t>
+            </a:r>
+            <a:r>
+              <a:rPr lang="en-US" dirty="0"/>
+              <a:t> statement must obtain the end label, say </a:t>
+            </a:r>
+            <a:r>
+              <a:rPr lang="en-US" dirty="0">
+                <a:latin typeface="Consolas" panose="020B0609020204030204" pitchFamily="49" charset="0"/>
+              </a:rPr>
+              <a:t>L2</a:t>
+            </a:r>
+            <a:r>
+              <a:rPr lang="en-US" dirty="0"/>
+              <a:t>, from its enclosing loop statement.</a:t>
+            </a:r>
+          </a:p>
+          <a:p>
+            <a:r>
+              <a:rPr lang="en-US" dirty="0"/>
+              <a:t>Code generation template when the </a:t>
+            </a:r>
+            <a:r>
+              <a:rPr lang="en-US" dirty="0">
+                <a:latin typeface="Consolas" panose="020B0609020204030204" pitchFamily="49" charset="0"/>
+              </a:rPr>
+              <a:t>exit</a:t>
+            </a:r>
+            <a:r>
+              <a:rPr lang="en-US" dirty="0"/>
+              <a:t> statement does not have a </a:t>
+            </a:r>
+            <a:r>
+              <a:rPr lang="en-US" dirty="0">
+                <a:latin typeface="Consolas" panose="020B0609020204030204" pitchFamily="49" charset="0"/>
+              </a:rPr>
+              <a:t>when</a:t>
+            </a:r>
+            <a:r>
+              <a:rPr lang="en-US" dirty="0"/>
+              <a:t> boolean expression suffix</a:t>
+            </a:r>
+          </a:p>
+          <a:p>
+            <a:pPr lvl="1">
+              <a:buFontTx/>
+              <a:buNone/>
+            </a:pPr>
+            <a:r>
+              <a:rPr lang="en-US" sz="1800" dirty="0">
+                <a:latin typeface="Consolas" pitchFamily="49" charset="0"/>
+                <a:cs typeface="Consolas" pitchFamily="49" charset="0"/>
+              </a:rPr>
+              <a:t>BR L2</a:t>
+            </a:r>
+          </a:p>
+          <a:p>
+            <a:r>
+              <a:rPr lang="en-US" dirty="0"/>
+              <a:t>Code generation template when the </a:t>
+            </a:r>
+            <a:r>
+              <a:rPr lang="en-US" dirty="0">
+                <a:latin typeface="Consolas" panose="020B0609020204030204" pitchFamily="49" charset="0"/>
+              </a:rPr>
+              <a:t>exit</a:t>
+            </a:r>
+            <a:r>
+              <a:rPr lang="en-US" dirty="0"/>
+              <a:t> statement has a </a:t>
+            </a:r>
+            <a:r>
+              <a:rPr lang="en-US" dirty="0">
+                <a:latin typeface="Consolas" pitchFamily="49" charset="0"/>
+                <a:cs typeface="Consolas" pitchFamily="49" charset="0"/>
+              </a:rPr>
+              <a:t>when</a:t>
+            </a:r>
+            <a:r>
+              <a:rPr lang="en-US" dirty="0"/>
+              <a:t> boolean expression suffix</a:t>
+            </a:r>
+          </a:p>
+          <a:p>
+            <a:pPr lvl="1">
+              <a:buNone/>
+            </a:pPr>
+            <a:r>
+              <a:rPr lang="en-US" sz="1800" dirty="0">
+                <a:latin typeface="Consolas" pitchFamily="49" charset="0"/>
+                <a:cs typeface="Consolas" pitchFamily="49" charset="0"/>
+              </a:rPr>
+              <a:t> ...  // emit code that will branch to L2 if the</a:t>
+            </a:r>
+          </a:p>
+          <a:p>
+            <a:pPr lvl="1">
+              <a:spcBef>
+                <a:spcPts val="200"/>
+              </a:spcBef>
+              <a:buNone/>
+            </a:pPr>
+            <a:r>
+              <a:rPr lang="en-US" sz="1800" dirty="0">
+                <a:latin typeface="Consolas" pitchFamily="49" charset="0"/>
+                <a:cs typeface="Consolas" pitchFamily="49" charset="0"/>
+              </a:rPr>
+              <a:t>      // when boolean expression evaluates to true</a:t>
+            </a:r>
+          </a:p>
+        </p:txBody>
+      </p:sp>
+      <p:sp>
+        <p:nvSpPr>
+          <p:cNvPr id="36868" name="Footer Placeholder 3"/>
           <p:cNvSpPr>
             <a:spLocks noGrp="1"/>
           </p:cNvSpPr>
@@ -18779,14 +18717,13 @@
             <p:ph type="ftr" sz="quarter" idx="10"/>
           </p:nvPr>
         </p:nvSpPr>
-        <p:spPr/>
-        <p:txBody>
-          <a:bodyPr/>
-          <a:lstStyle/>
-          <a:p>
-            <a:pPr>
-              <a:defRPr/>
-            </a:pPr>
+        <p:spPr>
+          <a:noFill/>
+        </p:spPr>
+        <p:txBody>
+          <a:bodyPr/>
+          <a:lstStyle/>
+          <a:p>
             <a:r>
               <a:rPr lang="en-US"/>
               <a:t>©SoftMoore Consulting</a:t>
@@ -18796,7 +18733,7 @@
       </p:sp>
       <p:sp>
         <p:nvSpPr>
-          <p:cNvPr id="5" name="Slide Number Placeholder 4"/>
+          <p:cNvPr id="36869" name="Slide Number Placeholder 4"/>
           <p:cNvSpPr>
             <a:spLocks noGrp="1"/>
           </p:cNvSpPr>
@@ -18804,23 +18741,20 @@
             <p:ph type="sldNum" sz="quarter" idx="11"/>
           </p:nvPr>
         </p:nvSpPr>
-        <p:spPr/>
-        <p:txBody>
-          <a:bodyPr/>
-          <a:lstStyle/>
-          <a:p>
-            <a:pPr>
-              <a:defRPr/>
-            </a:pPr>
+        <p:spPr>
+          <a:noFill/>
+        </p:spPr>
+        <p:txBody>
+          <a:bodyPr/>
+          <a:lstStyle/>
+          <a:p>
             <a:r>
               <a:rPr lang="en-US"/>
               <a:t>Slide </a:t>
             </a:r>
-            <a:fld id="{38CE0C63-332F-4B15-A236-51967A3210C4}" type="slidenum">
+            <a:fld id="{8C1276C5-FE3D-46D7-8176-6E1275EB6AE1}" type="slidenum">
               <a:rPr lang="en-US" smtClean="0"/>
-              <a:pPr>
-                <a:defRPr/>
-              </a:pPr>
+              <a:pPr/>
               <a:t>47</a:t>
             </a:fld>
             <a:endParaRPr lang="en-US"/>
@@ -18828,11 +18762,6 @@
         </p:txBody>
       </p:sp>
     </p:spTree>
-    <p:extLst>
-      <p:ext uri="{BB962C8B-B14F-4D97-AF65-F5344CB8AC3E}">
-        <p14:creationId xmlns:p14="http://schemas.microsoft.com/office/powerpoint/2010/main" val="1274943404"/>
-      </p:ext>
-    </p:extLst>
   </p:cSld>
   <p:clrMapOvr>
     <a:masterClrMapping/>
@@ -18859,7 +18788,7 @@
       </p:grpSpPr>
       <p:sp>
         <p:nvSpPr>
-          <p:cNvPr id="37890" name="Title 1"/>
+          <p:cNvPr id="2" name="Title 1"/>
           <p:cNvSpPr>
             <a:spLocks noGrp="1"/>
           </p:cNvSpPr>
@@ -18874,25 +18803,33 @@
           <a:p>
             <a:r>
               <a:rPr lang="en-US" dirty="0"/>
-              <a:t>Code Generation for </a:t>
+              <a:t>Method </a:t>
+            </a:r>
+            <a:r>
+              <a:rPr lang="en-US" dirty="0">
+                <a:latin typeface="Consolas" panose="020B0609020204030204" pitchFamily="49" charset="0"/>
+              </a:rPr>
+              <a:t>emit()</a:t>
+            </a:r>
+            <a:r>
+              <a:rPr lang="en-US" dirty="0"/>
+              <a:t> for </a:t>
             </a:r>
             <a:r>
               <a:rPr lang="en-US" dirty="0" err="1">
-                <a:latin typeface="Consolas" pitchFamily="49" charset="0"/>
-                <a:cs typeface="Consolas" pitchFamily="49" charset="0"/>
-              </a:rPr>
-              <a:t>IfStmt</a:t>
+                <a:latin typeface="Consolas" panose="020B0609020204030204" pitchFamily="49" charset="0"/>
+              </a:rPr>
+              <a:t>ExitStmt</a:t>
             </a:r>
             <a:endParaRPr lang="en-US" dirty="0">
-              <a:latin typeface="Consolas" pitchFamily="49" charset="0"/>
-              <a:cs typeface="Consolas" pitchFamily="49" charset="0"/>
+              <a:latin typeface="Consolas" panose="020B0609020204030204" pitchFamily="49" charset="0"/>
             </a:endParaRPr>
           </a:p>
         </p:txBody>
       </p:sp>
       <p:sp>
         <p:nvSpPr>
-          <p:cNvPr id="37891" name="Content Placeholder 2"/>
+          <p:cNvPr id="3" name="Content Placeholder 2"/>
           <p:cNvSpPr>
             <a:spLocks noGrp="1"/>
           </p:cNvSpPr>
@@ -18902,225 +18839,231 @@
         </p:nvSpPr>
         <p:spPr/>
         <p:txBody>
-          <a:bodyPr/>
-          <a:lstStyle/>
-          <a:p>
-            <a:r>
-              <a:rPr lang="en-US" dirty="0"/>
-              <a:t>Grammar Rule</a:t>
-            </a:r>
-          </a:p>
-          <a:p>
-            <a:pPr lvl="1">
-              <a:buFontTx/>
-              <a:buNone/>
-            </a:pPr>
+          <a:bodyPr tIns="91440"/>
+          <a:lstStyle/>
+          <a:p>
+            <a:pPr marL="274320" indent="0">
+              <a:spcBef>
+                <a:spcPts val="300"/>
+              </a:spcBef>
+              <a:buNone/>
+            </a:pPr>
+            <a:r>
+              <a:rPr lang="en-US" sz="1800" dirty="0">
+                <a:latin typeface="Consolas" panose="020B0609020204030204" pitchFamily="49" charset="0"/>
+              </a:rPr>
+              <a:t>@Override</a:t>
+            </a:r>
+          </a:p>
+          <a:p>
+            <a:pPr marL="274320" indent="0">
+              <a:spcBef>
+                <a:spcPts val="300"/>
+              </a:spcBef>
+              <a:buNone/>
+            </a:pPr>
+            <a:r>
+              <a:rPr lang="en-US" sz="1800" dirty="0">
+                <a:latin typeface="Consolas" panose="020B0609020204030204" pitchFamily="49" charset="0"/>
+              </a:rPr>
+              <a:t>public void emit() throws </a:t>
+            </a:r>
             <a:r>
               <a:rPr lang="en-US" sz="1800" dirty="0" err="1">
-                <a:latin typeface="Consolas" pitchFamily="49" charset="0"/>
-                <a:cs typeface="Consolas" pitchFamily="49" charset="0"/>
-              </a:rPr>
-              <a:t>ifStmt</a:t>
-            </a:r>
-            <a:r>
-              <a:rPr lang="en-US" sz="1800" dirty="0">
-                <a:latin typeface="Consolas" pitchFamily="49" charset="0"/>
-                <a:cs typeface="Consolas" pitchFamily="49" charset="0"/>
-              </a:rPr>
-              <a:t> = "if" </a:t>
+                <a:latin typeface="Consolas" panose="020B0609020204030204" pitchFamily="49" charset="0"/>
+              </a:rPr>
+              <a:t>CodeGenException</a:t>
+            </a:r>
+            <a:endParaRPr lang="en-US" sz="1800" dirty="0">
+              <a:latin typeface="Consolas" panose="020B0609020204030204" pitchFamily="49" charset="0"/>
+            </a:endParaRPr>
+          </a:p>
+          <a:p>
+            <a:pPr marL="274320" indent="0">
+              <a:spcBef>
+                <a:spcPts val="300"/>
+              </a:spcBef>
+              <a:buNone/>
+            </a:pPr>
+            <a:r>
+              <a:rPr lang="en-US" sz="1800" dirty="0">
+                <a:latin typeface="Consolas" panose="020B0609020204030204" pitchFamily="49" charset="0"/>
+              </a:rPr>
+              <a:t>  {</a:t>
+            </a:r>
+          </a:p>
+          <a:p>
+            <a:pPr marL="274320" indent="0">
+              <a:spcBef>
+                <a:spcPts val="300"/>
+              </a:spcBef>
+              <a:buNone/>
+            </a:pPr>
+            <a:r>
+              <a:rPr lang="en-US" sz="1800" dirty="0">
+                <a:latin typeface="Consolas" panose="020B0609020204030204" pitchFamily="49" charset="0"/>
+              </a:rPr>
+              <a:t>    var </a:t>
             </a:r>
             <a:r>
               <a:rPr lang="en-US" sz="1800" dirty="0" err="1">
-                <a:latin typeface="Consolas" pitchFamily="49" charset="0"/>
-                <a:cs typeface="Consolas" pitchFamily="49" charset="0"/>
-              </a:rPr>
-              <a:t>booleanExpr</a:t>
-            </a:r>
-            <a:r>
-              <a:rPr lang="en-US" sz="1800" dirty="0">
-                <a:latin typeface="Consolas" pitchFamily="49" charset="0"/>
-                <a:cs typeface="Consolas" pitchFamily="49" charset="0"/>
-              </a:rPr>
-              <a:t> "then" statement</a:t>
-            </a:r>
-          </a:p>
-          <a:p>
-            <a:pPr lvl="1">
-              <a:spcBef>
-                <a:spcPts val="200"/>
-              </a:spcBef>
-              <a:buFontTx/>
-              <a:buNone/>
-            </a:pPr>
-            <a:r>
-              <a:rPr lang="en-US" sz="1800" dirty="0">
-                <a:latin typeface="Consolas" pitchFamily="49" charset="0"/>
-                <a:cs typeface="Consolas" pitchFamily="49" charset="0"/>
-              </a:rPr>
-              <a:t>         [ "else" statement ] .</a:t>
-            </a:r>
-          </a:p>
-          <a:p>
-            <a:r>
-              <a:rPr lang="en-US" dirty="0"/>
-              <a:t>Code generation template for an </a:t>
-            </a:r>
-            <a:r>
-              <a:rPr lang="en-US" dirty="0">
-                <a:latin typeface="Consolas" pitchFamily="49" charset="0"/>
-                <a:cs typeface="Consolas" pitchFamily="49" charset="0"/>
-              </a:rPr>
-              <a:t>if</a:t>
-            </a:r>
-            <a:r>
-              <a:rPr lang="en-US" dirty="0"/>
-              <a:t> statement </a:t>
-            </a:r>
-          </a:p>
-          <a:p>
-            <a:pPr lvl="1">
-              <a:buFontTx/>
-              <a:buNone/>
-            </a:pPr>
-            <a:r>
-              <a:rPr lang="en-US" sz="1800" dirty="0">
-                <a:latin typeface="Consolas" pitchFamily="49" charset="0"/>
-                <a:cs typeface="Consolas" pitchFamily="49" charset="0"/>
-              </a:rPr>
-              <a:t>    ...  // emit code that will branch to L1 if</a:t>
-            </a:r>
-          </a:p>
-          <a:p>
-            <a:pPr lvl="1">
-              <a:spcBef>
-                <a:spcPts val="200"/>
-              </a:spcBef>
-              <a:buFontTx/>
-              <a:buNone/>
-            </a:pPr>
-            <a:r>
-              <a:rPr lang="en-US" sz="1800" dirty="0">
-                <a:latin typeface="Consolas" pitchFamily="49" charset="0"/>
-                <a:cs typeface="Consolas" pitchFamily="49" charset="0"/>
-              </a:rPr>
-              <a:t>         //     the </a:t>
+                <a:latin typeface="Consolas" panose="020B0609020204030204" pitchFamily="49" charset="0"/>
+              </a:rPr>
+              <a:t>exitLabel</a:t>
+            </a:r>
+            <a:r>
+              <a:rPr lang="en-US" sz="1800" dirty="0">
+                <a:latin typeface="Consolas" panose="020B0609020204030204" pitchFamily="49" charset="0"/>
+              </a:rPr>
+              <a:t> = </a:t>
             </a:r>
             <a:r>
               <a:rPr lang="en-US" sz="1800" dirty="0" err="1">
-                <a:latin typeface="Consolas" pitchFamily="49" charset="0"/>
-                <a:cs typeface="Consolas" pitchFamily="49" charset="0"/>
-              </a:rPr>
-              <a:t>boolean</a:t>
-            </a:r>
-            <a:r>
-              <a:rPr lang="en-US" sz="1800" dirty="0">
-                <a:latin typeface="Consolas" pitchFamily="49" charset="0"/>
-                <a:cs typeface="Consolas" pitchFamily="49" charset="0"/>
-              </a:rPr>
-              <a:t> expression is false</a:t>
-            </a:r>
-          </a:p>
-          <a:p>
-            <a:pPr lvl="1">
-              <a:spcBef>
-                <a:spcPts val="200"/>
-              </a:spcBef>
-              <a:buFontTx/>
-              <a:buNone/>
-            </a:pPr>
-            <a:r>
-              <a:rPr lang="en-US" sz="1800" dirty="0">
-                <a:latin typeface="Consolas" pitchFamily="49" charset="0"/>
-                <a:cs typeface="Consolas" pitchFamily="49" charset="0"/>
-              </a:rPr>
-              <a:t>    ...  // emit code for then statement</a:t>
-            </a:r>
-          </a:p>
-          <a:p>
-            <a:pPr lvl="1">
-              <a:spcBef>
-                <a:spcPts val="200"/>
-              </a:spcBef>
-              <a:buFontTx/>
-              <a:buNone/>
-            </a:pPr>
-            <a:r>
-              <a:rPr lang="en-US" sz="1800" dirty="0">
-                <a:latin typeface="Consolas" pitchFamily="49" charset="0"/>
-                <a:cs typeface="Consolas" pitchFamily="49" charset="0"/>
-              </a:rPr>
-              <a:t>    ...  // if else statement is not null, emit "BR L2"</a:t>
-            </a:r>
-          </a:p>
-          <a:p>
-            <a:pPr lvl="1">
-              <a:spcBef>
-                <a:spcPts val="200"/>
-              </a:spcBef>
-              <a:buFontTx/>
-              <a:buNone/>
-            </a:pPr>
-            <a:r>
-              <a:rPr lang="en-US" sz="1800" dirty="0">
-                <a:latin typeface="Consolas" pitchFamily="49" charset="0"/>
-                <a:cs typeface="Consolas" pitchFamily="49" charset="0"/>
-              </a:rPr>
-              <a:t>L1:</a:t>
-            </a:r>
-          </a:p>
-          <a:p>
-            <a:pPr lvl="1">
-              <a:spcBef>
-                <a:spcPts val="200"/>
-              </a:spcBef>
-              <a:buFontTx/>
-              <a:buNone/>
-            </a:pPr>
-            <a:r>
-              <a:rPr lang="en-US" sz="1800" dirty="0">
-                <a:latin typeface="Consolas" pitchFamily="49" charset="0"/>
-                <a:cs typeface="Consolas" pitchFamily="49" charset="0"/>
-              </a:rPr>
-              <a:t>    ...  // if else statement is not null</a:t>
-            </a:r>
-          </a:p>
-          <a:p>
-            <a:pPr lvl="1">
-              <a:spcBef>
-                <a:spcPts val="200"/>
-              </a:spcBef>
-              <a:buFontTx/>
-              <a:buNone/>
-            </a:pPr>
-            <a:r>
-              <a:rPr lang="en-US" sz="1800" dirty="0">
-                <a:latin typeface="Consolas" pitchFamily="49" charset="0"/>
-                <a:cs typeface="Consolas" pitchFamily="49" charset="0"/>
-              </a:rPr>
-              <a:t>    ...  //     emit code for else statement</a:t>
-            </a:r>
-          </a:p>
-          <a:p>
-            <a:pPr lvl="1">
-              <a:spcBef>
-                <a:spcPts val="200"/>
-              </a:spcBef>
-              <a:buFontTx/>
-              <a:buNone/>
-            </a:pPr>
-            <a:r>
-              <a:rPr lang="en-US" sz="1800" dirty="0">
-                <a:latin typeface="Consolas" pitchFamily="49" charset="0"/>
-                <a:cs typeface="Consolas" pitchFamily="49" charset="0"/>
-              </a:rPr>
-              <a:t>L2:</a:t>
-            </a:r>
-          </a:p>
-        </p:txBody>
-      </p:sp>
-      <p:sp>
-        <p:nvSpPr>
-          <p:cNvPr id="37892" name="Footer Placeholder 3"/>
+                <a:latin typeface="Consolas" panose="020B0609020204030204" pitchFamily="49" charset="0"/>
+              </a:rPr>
+              <a:t>loopStmt.getExitLabel</a:t>
+            </a:r>
+            <a:r>
+              <a:rPr lang="en-US" sz="1800" dirty="0">
+                <a:latin typeface="Consolas" panose="020B0609020204030204" pitchFamily="49" charset="0"/>
+              </a:rPr>
+              <a:t>();</a:t>
+            </a:r>
+          </a:p>
+          <a:p>
+            <a:pPr marL="274320" indent="0">
+              <a:spcBef>
+                <a:spcPts val="300"/>
+              </a:spcBef>
+              <a:buNone/>
+            </a:pPr>
+            <a:endParaRPr lang="en-US" sz="1800" dirty="0">
+              <a:latin typeface="Consolas" panose="020B0609020204030204" pitchFamily="49" charset="0"/>
+            </a:endParaRPr>
+          </a:p>
+          <a:p>
+            <a:pPr marL="274320" indent="0">
+              <a:spcBef>
+                <a:spcPts val="300"/>
+              </a:spcBef>
+              <a:buNone/>
+            </a:pPr>
+            <a:r>
+              <a:rPr lang="en-US" sz="1800" dirty="0">
+                <a:latin typeface="Consolas" panose="020B0609020204030204" pitchFamily="49" charset="0"/>
+              </a:rPr>
+              <a:t>    if (</a:t>
+            </a:r>
+            <a:r>
+              <a:rPr lang="en-US" sz="1800" dirty="0" err="1">
+                <a:latin typeface="Consolas" panose="020B0609020204030204" pitchFamily="49" charset="0"/>
+              </a:rPr>
+              <a:t>whenExpr</a:t>
+            </a:r>
+            <a:r>
+              <a:rPr lang="en-US" sz="1800" dirty="0">
+                <a:latin typeface="Consolas" panose="020B0609020204030204" pitchFamily="49" charset="0"/>
+              </a:rPr>
+              <a:t> != null)</a:t>
+            </a:r>
+          </a:p>
+          <a:p>
+            <a:pPr marL="274320" indent="0">
+              <a:spcBef>
+                <a:spcPts val="300"/>
+              </a:spcBef>
+              <a:buNone/>
+            </a:pPr>
+            <a:r>
+              <a:rPr lang="en-US" sz="1800" dirty="0">
+                <a:latin typeface="Consolas" panose="020B0609020204030204" pitchFamily="49" charset="0"/>
+              </a:rPr>
+              <a:t>        </a:t>
+            </a:r>
+            <a:r>
+              <a:rPr lang="en-US" sz="1800" dirty="0" err="1">
+                <a:latin typeface="Consolas" panose="020B0609020204030204" pitchFamily="49" charset="0"/>
+              </a:rPr>
+              <a:t>whenExpr.emitBranch</a:t>
+            </a:r>
+            <a:r>
+              <a:rPr lang="en-US" sz="1800" dirty="0">
+                <a:latin typeface="Consolas" panose="020B0609020204030204" pitchFamily="49" charset="0"/>
+              </a:rPr>
+              <a:t>(true, </a:t>
+            </a:r>
+            <a:r>
+              <a:rPr lang="en-US" sz="1800" dirty="0" err="1">
+                <a:latin typeface="Consolas" panose="020B0609020204030204" pitchFamily="49" charset="0"/>
+              </a:rPr>
+              <a:t>exitLabel</a:t>
+            </a:r>
+            <a:r>
+              <a:rPr lang="en-US" sz="1800" dirty="0">
+                <a:latin typeface="Consolas" panose="020B0609020204030204" pitchFamily="49" charset="0"/>
+              </a:rPr>
+              <a:t>);</a:t>
+            </a:r>
+          </a:p>
+          <a:p>
+            <a:pPr marL="274320" indent="0">
+              <a:spcBef>
+                <a:spcPts val="300"/>
+              </a:spcBef>
+              <a:buNone/>
+            </a:pPr>
+            <a:r>
+              <a:rPr lang="en-US" sz="1800" dirty="0">
+                <a:latin typeface="Consolas" panose="020B0609020204030204" pitchFamily="49" charset="0"/>
+              </a:rPr>
+              <a:t>    else</a:t>
+            </a:r>
+          </a:p>
+          <a:p>
+            <a:pPr marL="274320" indent="0">
+              <a:spcBef>
+                <a:spcPts val="300"/>
+              </a:spcBef>
+              <a:buNone/>
+            </a:pPr>
+            <a:r>
+              <a:rPr lang="en-US" sz="1800" dirty="0">
+                <a:latin typeface="Consolas" panose="020B0609020204030204" pitchFamily="49" charset="0"/>
+              </a:rPr>
+              <a:t>        emit("BR " + </a:t>
+            </a:r>
+            <a:r>
+              <a:rPr lang="en-US" sz="1800" dirty="0" err="1">
+                <a:latin typeface="Consolas" panose="020B0609020204030204" pitchFamily="49" charset="0"/>
+              </a:rPr>
+              <a:t>exitLabel</a:t>
+            </a:r>
+            <a:r>
+              <a:rPr lang="en-US" sz="1800" dirty="0">
+                <a:latin typeface="Consolas" panose="020B0609020204030204" pitchFamily="49" charset="0"/>
+              </a:rPr>
+              <a:t>);</a:t>
+            </a:r>
+          </a:p>
+          <a:p>
+            <a:pPr marL="274320" indent="0">
+              <a:spcBef>
+                <a:spcPts val="300"/>
+              </a:spcBef>
+              <a:buNone/>
+            </a:pPr>
+            <a:r>
+              <a:rPr lang="en-US" sz="1800" dirty="0">
+                <a:latin typeface="Consolas" panose="020B0609020204030204" pitchFamily="49" charset="0"/>
+              </a:rPr>
+              <a:t>  }</a:t>
+            </a:r>
+          </a:p>
+        </p:txBody>
+      </p:sp>
+      <p:sp>
+        <p:nvSpPr>
+          <p:cNvPr id="4" name="Footer Placeholder 3"/>
           <p:cNvSpPr>
             <a:spLocks noGrp="1"/>
           </p:cNvSpPr>
@@ -19128,13 +19071,14 @@
             <p:ph type="ftr" sz="quarter" idx="10"/>
           </p:nvPr>
         </p:nvSpPr>
-        <p:spPr>
-          <a:noFill/>
-        </p:spPr>
-        <p:txBody>
-          <a:bodyPr/>
-          <a:lstStyle/>
-          <a:p>
+        <p:spPr/>
+        <p:txBody>
+          <a:bodyPr/>
+          <a:lstStyle/>
+          <a:p>
+            <a:pPr>
+              <a:defRPr/>
+            </a:pPr>
             <a:r>
               <a:rPr lang="en-US"/>
               <a:t>©SoftMoore Consulting</a:t>
@@ -19144,7 +19088,7 @@
       </p:sp>
       <p:sp>
         <p:nvSpPr>
-          <p:cNvPr id="37893" name="Slide Number Placeholder 4"/>
+          <p:cNvPr id="5" name="Slide Number Placeholder 4"/>
           <p:cNvSpPr>
             <a:spLocks noGrp="1"/>
           </p:cNvSpPr>
@@ -19152,20 +19096,23 @@
             <p:ph type="sldNum" sz="quarter" idx="11"/>
           </p:nvPr>
         </p:nvSpPr>
-        <p:spPr>
-          <a:noFill/>
-        </p:spPr>
-        <p:txBody>
-          <a:bodyPr/>
-          <a:lstStyle/>
-          <a:p>
+        <p:spPr/>
+        <p:txBody>
+          <a:bodyPr/>
+          <a:lstStyle/>
+          <a:p>
+            <a:pPr>
+              <a:defRPr/>
+            </a:pPr>
             <a:r>
               <a:rPr lang="en-US"/>
               <a:t>Slide </a:t>
             </a:r>
-            <a:fld id="{129B5465-4DE8-4C32-ACFF-34F02D62CEF2}" type="slidenum">
+            <a:fld id="{38CE0C63-332F-4B15-A236-51967A3210C4}" type="slidenum">
               <a:rPr lang="en-US" smtClean="0"/>
-              <a:pPr/>
+              <a:pPr>
+                <a:defRPr/>
+              </a:pPr>
               <a:t>48</a:t>
             </a:fld>
             <a:endParaRPr lang="en-US"/>
@@ -19173,6 +19120,11 @@
         </p:txBody>
       </p:sp>
     </p:spTree>
+    <p:extLst>
+      <p:ext uri="{BB962C8B-B14F-4D97-AF65-F5344CB8AC3E}">
+        <p14:creationId xmlns:p14="http://schemas.microsoft.com/office/powerpoint/2010/main" val="1274943404"/>
+      </p:ext>
+    </p:extLst>
   </p:cSld>
   <p:clrMapOvr>
     <a:masterClrMapping/>
@@ -19199,7 +19151,7 @@
       </p:grpSpPr>
       <p:sp>
         <p:nvSpPr>
-          <p:cNvPr id="2" name="Title 1"/>
+          <p:cNvPr id="37890" name="Title 1"/>
           <p:cNvSpPr>
             <a:spLocks noGrp="1"/>
           </p:cNvSpPr>
@@ -19214,14 +19166,25 @@
           <a:p>
             <a:r>
               <a:rPr lang="en-US" dirty="0"/>
-              <a:t>Disassembler</a:t>
-            </a:r>
-          </a:p>
-        </p:txBody>
-      </p:sp>
-      <p:sp>
-        <p:nvSpPr>
-          <p:cNvPr id="3" name="Content Placeholder 2"/>
+              <a:t>Code Generation for </a:t>
+            </a:r>
+            <a:r>
+              <a:rPr lang="en-US" dirty="0" err="1">
+                <a:latin typeface="Consolas" pitchFamily="49" charset="0"/>
+                <a:cs typeface="Consolas" pitchFamily="49" charset="0"/>
+              </a:rPr>
+              <a:t>IfStmt</a:t>
+            </a:r>
+            <a:endParaRPr lang="en-US" dirty="0">
+              <a:latin typeface="Consolas" pitchFamily="49" charset="0"/>
+              <a:cs typeface="Consolas" pitchFamily="49" charset="0"/>
+            </a:endParaRPr>
+          </a:p>
+        </p:txBody>
+      </p:sp>
+      <p:sp>
+        <p:nvSpPr>
+          <p:cNvPr id="37891" name="Content Placeholder 2"/>
           <p:cNvSpPr>
             <a:spLocks noGrp="1"/>
           </p:cNvSpPr>
@@ -19236,67 +19199,220 @@
           <a:p>
             <a:r>
               <a:rPr lang="en-US" dirty="0"/>
-              <a:t>An assembler translates from assembly language to machine code.</a:t>
-            </a:r>
-          </a:p>
-          <a:p>
-            <a:r>
-              <a:rPr lang="en-US" dirty="0"/>
-              <a:t>A disassembler is a program that translates from machine code (binary file) back to assembly language (text file).</a:t>
-            </a:r>
-          </a:p>
-          <a:p>
-            <a:r>
-              <a:rPr lang="en-US" dirty="0"/>
-              <a:t>A disassembler for CVM has been provided.</a:t>
+              <a:t>Grammar Rule</a:t>
             </a:r>
           </a:p>
           <a:p>
             <a:pPr lvl="1">
-              <a:buNone/>
-            </a:pPr>
-            <a:r>
-              <a:rPr lang="en-US" dirty="0"/>
-              <a:t>(see </a:t>
-            </a:r>
-            <a:r>
-              <a:rPr lang="en-US" dirty="0" err="1">
-                <a:latin typeface="Consolas" pitchFamily="49" charset="0"/>
-                <a:cs typeface="Consolas" pitchFamily="49" charset="0"/>
-              </a:rPr>
-              <a:t>edu.citadel</a:t>
-            </a:r>
-            <a:r>
-              <a:rPr lang="en-US" err="1">
-                <a:latin typeface="Consolas" pitchFamily="49" charset="0"/>
-                <a:cs typeface="Consolas" pitchFamily="49" charset="0"/>
-              </a:rPr>
-              <a:t>.</a:t>
-            </a:r>
-            <a:r>
-              <a:rPr lang="en-US">
-                <a:latin typeface="Consolas" pitchFamily="49" charset="0"/>
-                <a:cs typeface="Consolas" pitchFamily="49" charset="0"/>
-              </a:rPr>
-              <a:t>cvm</a:t>
-            </a:r>
-            <a:r>
-              <a:rPr lang="en-US" dirty="0" err="1">
-                <a:latin typeface="Consolas" pitchFamily="49" charset="0"/>
-                <a:cs typeface="Consolas" pitchFamily="49" charset="0"/>
-              </a:rPr>
-              <a:t>.Disassembler</a:t>
-            </a:r>
-            <a:r>
-              <a:rPr lang="en-US" dirty="0"/>
-              <a:t>)</a:t>
-            </a:r>
-          </a:p>
-        </p:txBody>
-      </p:sp>
-      <p:sp>
-        <p:nvSpPr>
-          <p:cNvPr id="4" name="Footer Placeholder 3"/>
+              <a:buFontTx/>
+              <a:buNone/>
+            </a:pPr>
+            <a:r>
+              <a:rPr lang="en-US" sz="1800" dirty="0" err="1">
+                <a:latin typeface="Consolas" pitchFamily="49" charset="0"/>
+                <a:cs typeface="Consolas" pitchFamily="49" charset="0"/>
+              </a:rPr>
+              <a:t>ifStmt</a:t>
+            </a:r>
+            <a:r>
+              <a:rPr lang="en-US" sz="1800" dirty="0">
+                <a:latin typeface="Consolas" pitchFamily="49" charset="0"/>
+                <a:cs typeface="Consolas" pitchFamily="49" charset="0"/>
+              </a:rPr>
+              <a:t> = "if" </a:t>
+            </a:r>
+            <a:r>
+              <a:rPr lang="en-US" sz="1800" dirty="0" err="1">
+                <a:latin typeface="Consolas" pitchFamily="49" charset="0"/>
+                <a:cs typeface="Consolas" pitchFamily="49" charset="0"/>
+              </a:rPr>
+              <a:t>booleanExpr</a:t>
+            </a:r>
+            <a:r>
+              <a:rPr lang="en-US" sz="1800" dirty="0">
+                <a:latin typeface="Consolas" pitchFamily="49" charset="0"/>
+                <a:cs typeface="Consolas" pitchFamily="49" charset="0"/>
+              </a:rPr>
+              <a:t> "then" statement</a:t>
+            </a:r>
+          </a:p>
+          <a:p>
+            <a:pPr lvl="1">
+              <a:spcBef>
+                <a:spcPts val="200"/>
+              </a:spcBef>
+              <a:buFontTx/>
+              <a:buNone/>
+            </a:pPr>
+            <a:r>
+              <a:rPr lang="en-US" sz="1800" dirty="0">
+                <a:latin typeface="Consolas" pitchFamily="49" charset="0"/>
+                <a:cs typeface="Consolas" pitchFamily="49" charset="0"/>
+              </a:rPr>
+              <a:t>         [ "else" statement ] .</a:t>
+            </a:r>
+          </a:p>
+          <a:p>
+            <a:r>
+              <a:rPr lang="en-US" dirty="0"/>
+              <a:t>Code generation template for an </a:t>
+            </a:r>
+            <a:r>
+              <a:rPr lang="en-US" dirty="0">
+                <a:latin typeface="Consolas" pitchFamily="49" charset="0"/>
+                <a:cs typeface="Consolas" pitchFamily="49" charset="0"/>
+              </a:rPr>
+              <a:t>if</a:t>
+            </a:r>
+            <a:r>
+              <a:rPr lang="en-US" dirty="0"/>
+              <a:t> statement </a:t>
+            </a:r>
+          </a:p>
+          <a:p>
+            <a:pPr lvl="1">
+              <a:buFontTx/>
+              <a:buNone/>
+            </a:pPr>
+            <a:r>
+              <a:rPr lang="en-US" sz="1800" dirty="0">
+                <a:latin typeface="Consolas" pitchFamily="49" charset="0"/>
+                <a:cs typeface="Consolas" pitchFamily="49" charset="0"/>
+              </a:rPr>
+              <a:t>    ...  // emit code that will branch to L1 if</a:t>
+            </a:r>
+          </a:p>
+          <a:p>
+            <a:pPr lvl="1">
+              <a:spcBef>
+                <a:spcPts val="200"/>
+              </a:spcBef>
+              <a:buFontTx/>
+              <a:buNone/>
+            </a:pPr>
+            <a:r>
+              <a:rPr lang="en-US" sz="1800" dirty="0">
+                <a:latin typeface="Consolas" pitchFamily="49" charset="0"/>
+                <a:cs typeface="Consolas" pitchFamily="49" charset="0"/>
+              </a:rPr>
+              <a:t>         //     the </a:t>
+            </a:r>
+            <a:r>
+              <a:rPr lang="en-US" sz="1800" dirty="0" err="1">
+                <a:latin typeface="Consolas" pitchFamily="49" charset="0"/>
+                <a:cs typeface="Consolas" pitchFamily="49" charset="0"/>
+              </a:rPr>
+              <a:t>boolean</a:t>
+            </a:r>
+            <a:r>
+              <a:rPr lang="en-US" sz="1800" dirty="0">
+                <a:latin typeface="Consolas" pitchFamily="49" charset="0"/>
+                <a:cs typeface="Consolas" pitchFamily="49" charset="0"/>
+              </a:rPr>
+              <a:t> expression is false</a:t>
+            </a:r>
+          </a:p>
+          <a:p>
+            <a:pPr lvl="1">
+              <a:spcBef>
+                <a:spcPts val="200"/>
+              </a:spcBef>
+              <a:buFontTx/>
+              <a:buNone/>
+            </a:pPr>
+            <a:r>
+              <a:rPr lang="en-US" sz="1800" dirty="0">
+                <a:latin typeface="Consolas" pitchFamily="49" charset="0"/>
+                <a:cs typeface="Consolas" pitchFamily="49" charset="0"/>
+              </a:rPr>
+              <a:t>    ...  // emit code for then statement</a:t>
+            </a:r>
+          </a:p>
+          <a:p>
+            <a:pPr lvl="1">
+              <a:spcBef>
+                <a:spcPts val="200"/>
+              </a:spcBef>
+              <a:buFontTx/>
+              <a:buNone/>
+            </a:pPr>
+            <a:r>
+              <a:rPr lang="en-US" sz="1800" dirty="0">
+                <a:latin typeface="Consolas" pitchFamily="49" charset="0"/>
+                <a:cs typeface="Consolas" pitchFamily="49" charset="0"/>
+              </a:rPr>
+              <a:t>    ...  // if else statement is not null, emit "BR L2"</a:t>
+            </a:r>
+          </a:p>
+          <a:p>
+            <a:pPr lvl="1">
+              <a:spcBef>
+                <a:spcPts val="200"/>
+              </a:spcBef>
+              <a:buFontTx/>
+              <a:buNone/>
+            </a:pPr>
+            <a:r>
+              <a:rPr lang="en-US" sz="1800" dirty="0">
+                <a:latin typeface="Consolas" pitchFamily="49" charset="0"/>
+                <a:cs typeface="Consolas" pitchFamily="49" charset="0"/>
+              </a:rPr>
+              <a:t>L1:</a:t>
+            </a:r>
+          </a:p>
+          <a:p>
+            <a:pPr lvl="1">
+              <a:spcBef>
+                <a:spcPts val="200"/>
+              </a:spcBef>
+              <a:buFontTx/>
+              <a:buNone/>
+            </a:pPr>
+            <a:r>
+              <a:rPr lang="en-US" sz="1800" dirty="0">
+                <a:latin typeface="Consolas" pitchFamily="49" charset="0"/>
+                <a:cs typeface="Consolas" pitchFamily="49" charset="0"/>
+              </a:rPr>
+              <a:t>    ...  // if else statement is not null</a:t>
+            </a:r>
+          </a:p>
+          <a:p>
+            <a:pPr lvl="1">
+              <a:spcBef>
+                <a:spcPts val="200"/>
+              </a:spcBef>
+              <a:buFontTx/>
+              <a:buNone/>
+            </a:pPr>
+            <a:r>
+              <a:rPr lang="en-US" sz="1800" dirty="0">
+                <a:latin typeface="Consolas" pitchFamily="49" charset="0"/>
+                <a:cs typeface="Consolas" pitchFamily="49" charset="0"/>
+              </a:rPr>
+              <a:t>    ...  //     emit code for else statement</a:t>
+            </a:r>
+          </a:p>
+          <a:p>
+            <a:pPr lvl="1">
+              <a:spcBef>
+                <a:spcPts val="200"/>
+              </a:spcBef>
+              <a:buFontTx/>
+              <a:buNone/>
+            </a:pPr>
+            <a:r>
+              <a:rPr lang="en-US" sz="1800" dirty="0">
+                <a:latin typeface="Consolas" pitchFamily="49" charset="0"/>
+                <a:cs typeface="Consolas" pitchFamily="49" charset="0"/>
+              </a:rPr>
+              <a:t>L2:</a:t>
+            </a:r>
+          </a:p>
+        </p:txBody>
+      </p:sp>
+      <p:sp>
+        <p:nvSpPr>
+          <p:cNvPr id="37892" name="Footer Placeholder 3"/>
           <p:cNvSpPr>
             <a:spLocks noGrp="1"/>
           </p:cNvSpPr>
@@ -19304,14 +19420,13 @@
             <p:ph type="ftr" sz="quarter" idx="10"/>
           </p:nvPr>
         </p:nvSpPr>
-        <p:spPr/>
-        <p:txBody>
-          <a:bodyPr/>
-          <a:lstStyle/>
-          <a:p>
-            <a:pPr>
-              <a:defRPr/>
-            </a:pPr>
+        <p:spPr>
+          <a:noFill/>
+        </p:spPr>
+        <p:txBody>
+          <a:bodyPr/>
+          <a:lstStyle/>
+          <a:p>
             <a:r>
               <a:rPr lang="en-US"/>
               <a:t>©SoftMoore Consulting</a:t>
@@ -19321,7 +19436,7 @@
       </p:sp>
       <p:sp>
         <p:nvSpPr>
-          <p:cNvPr id="5" name="Slide Number Placeholder 4"/>
+          <p:cNvPr id="37893" name="Slide Number Placeholder 4"/>
           <p:cNvSpPr>
             <a:spLocks noGrp="1"/>
           </p:cNvSpPr>
@@ -19329,23 +19444,20 @@
             <p:ph type="sldNum" sz="quarter" idx="11"/>
           </p:nvPr>
         </p:nvSpPr>
-        <p:spPr/>
-        <p:txBody>
-          <a:bodyPr/>
-          <a:lstStyle/>
-          <a:p>
-            <a:pPr>
-              <a:defRPr/>
-            </a:pPr>
+        <p:spPr>
+          <a:noFill/>
+        </p:spPr>
+        <p:txBody>
+          <a:bodyPr/>
+          <a:lstStyle/>
+          <a:p>
             <a:r>
               <a:rPr lang="en-US"/>
               <a:t>Slide </a:t>
             </a:r>
-            <a:fld id="{38CE0C63-332F-4B15-A236-51967A3210C4}" type="slidenum">
+            <a:fld id="{129B5465-4DE8-4C32-ACFF-34F02D62CEF2}" type="slidenum">
               <a:rPr lang="en-US" smtClean="0"/>
-              <a:pPr>
-                <a:defRPr/>
-              </a:pPr>
+              <a:pPr/>
               <a:t>49</a:t>
             </a:fld>
             <a:endParaRPr lang="en-US"/>
@@ -19750,8 +19862,8 @@
           <a:lstStyle/>
           <a:p>
             <a:r>
-              <a:rPr lang="en-US" sz="2900" dirty="0"/>
-              <a:t>Code Generation Example: Source Code</a:t>
+              <a:rPr lang="en-US" dirty="0"/>
+              <a:t>Disassembler</a:t>
             </a:r>
           </a:p>
         </p:txBody>
@@ -19768,191 +19880,65 @@
         </p:nvSpPr>
         <p:spPr/>
         <p:txBody>
-          <a:bodyPr tIns="91440"/>
-          <a:lstStyle/>
-          <a:p>
-            <a:pPr marL="274320" indent="0">
-              <a:spcBef>
-                <a:spcPts val="0"/>
-              </a:spcBef>
-              <a:buNone/>
-            </a:pPr>
-            <a:r>
-              <a:rPr lang="en-US" sz="1800" dirty="0">
-                <a:latin typeface="Consolas" pitchFamily="49" charset="0"/>
-                <a:cs typeface="Consolas" pitchFamily="49" charset="0"/>
-              </a:rPr>
-              <a:t>var x : Integer;</a:t>
-            </a:r>
-          </a:p>
-          <a:p>
-            <a:pPr marL="274320" indent="0">
-              <a:spcBef>
-                <a:spcPts val="0"/>
-              </a:spcBef>
-              <a:buNone/>
-            </a:pPr>
-            <a:r>
-              <a:rPr lang="en-US" sz="1800" dirty="0">
-                <a:latin typeface="Consolas" pitchFamily="49" charset="0"/>
-                <a:cs typeface="Consolas" pitchFamily="49" charset="0"/>
-              </a:rPr>
-              <a:t>const n := 5;</a:t>
-            </a:r>
-          </a:p>
-          <a:p>
-            <a:pPr marL="274320" indent="0">
-              <a:spcBef>
-                <a:spcPts val="0"/>
-              </a:spcBef>
-              <a:buNone/>
-            </a:pPr>
-            <a:endParaRPr lang="en-US" sz="1800" dirty="0">
-              <a:latin typeface="Consolas" pitchFamily="49" charset="0"/>
-              <a:cs typeface="Consolas" pitchFamily="49" charset="0"/>
-            </a:endParaRPr>
-          </a:p>
-          <a:p>
-            <a:pPr marL="274320" indent="0">
-              <a:spcBef>
-                <a:spcPts val="0"/>
-              </a:spcBef>
-              <a:buNone/>
-            </a:pPr>
-            <a:r>
-              <a:rPr lang="en-US" sz="1800" dirty="0">
-                <a:latin typeface="Consolas" pitchFamily="49" charset="0"/>
-                <a:cs typeface="Consolas" pitchFamily="49" charset="0"/>
-              </a:rPr>
-              <a:t>proc main()</a:t>
-            </a:r>
-          </a:p>
-          <a:p>
-            <a:pPr marL="274320" indent="0">
-              <a:spcBef>
-                <a:spcPts val="0"/>
-              </a:spcBef>
-              <a:buNone/>
-            </a:pPr>
-            <a:r>
-              <a:rPr lang="en-US" sz="1800" dirty="0">
-                <a:latin typeface="Consolas" pitchFamily="49" charset="0"/>
-                <a:cs typeface="Consolas" pitchFamily="49" charset="0"/>
-              </a:rPr>
-              <a:t>  {</a:t>
-            </a:r>
-          </a:p>
-          <a:p>
-            <a:pPr marL="274320" indent="0">
-              <a:spcBef>
-                <a:spcPts val="0"/>
-              </a:spcBef>
-              <a:buNone/>
-            </a:pPr>
-            <a:r>
-              <a:rPr lang="en-US" sz="1800" dirty="0">
-                <a:latin typeface="Consolas" pitchFamily="49" charset="0"/>
-                <a:cs typeface="Consolas" pitchFamily="49" charset="0"/>
-              </a:rPr>
-              <a:t>    x := 1;</a:t>
-            </a:r>
-          </a:p>
-          <a:p>
-            <a:pPr marL="274320" indent="0">
-              <a:spcBef>
-                <a:spcPts val="0"/>
-              </a:spcBef>
-              <a:buNone/>
-            </a:pPr>
-            <a:endParaRPr lang="en-US" sz="1800" dirty="0">
-              <a:latin typeface="Consolas" pitchFamily="49" charset="0"/>
-              <a:cs typeface="Consolas" pitchFamily="49" charset="0"/>
-            </a:endParaRPr>
-          </a:p>
-          <a:p>
-            <a:pPr marL="274320" indent="0">
-              <a:spcBef>
-                <a:spcPts val="0"/>
-              </a:spcBef>
-              <a:buNone/>
-            </a:pPr>
-            <a:r>
-              <a:rPr lang="en-US" sz="1800" dirty="0">
-                <a:latin typeface="Consolas" pitchFamily="49" charset="0"/>
-                <a:cs typeface="Consolas" pitchFamily="49" charset="0"/>
-              </a:rPr>
-              <a:t>    while x &lt;= n loop</a:t>
-            </a:r>
-          </a:p>
-          <a:p>
-            <a:pPr marL="274320" indent="0">
-              <a:spcBef>
-                <a:spcPts val="0"/>
-              </a:spcBef>
-              <a:buNone/>
-            </a:pPr>
-            <a:r>
-              <a:rPr lang="en-US" sz="1800" dirty="0">
-                <a:latin typeface="Consolas" pitchFamily="49" charset="0"/>
-                <a:cs typeface="Consolas" pitchFamily="49" charset="0"/>
-              </a:rPr>
-              <a:t>        x := x + 1;</a:t>
-            </a:r>
-          </a:p>
-          <a:p>
-            <a:pPr marL="274320" indent="0">
-              <a:spcBef>
-                <a:spcPts val="0"/>
-              </a:spcBef>
-              <a:buNone/>
-            </a:pPr>
-            <a:endParaRPr lang="en-US" sz="1800" dirty="0">
-              <a:latin typeface="Consolas" pitchFamily="49" charset="0"/>
-              <a:cs typeface="Consolas" pitchFamily="49" charset="0"/>
-            </a:endParaRPr>
-          </a:p>
-          <a:p>
-            <a:pPr marL="274320" indent="0">
-              <a:spcBef>
-                <a:spcPts val="0"/>
-              </a:spcBef>
-              <a:buNone/>
-            </a:pPr>
-            <a:r>
-              <a:rPr lang="en-US" sz="1800" dirty="0">
-                <a:latin typeface="Consolas" pitchFamily="49" charset="0"/>
-                <a:cs typeface="Consolas" pitchFamily="49" charset="0"/>
-              </a:rPr>
-              <a:t>    </a:t>
-            </a:r>
-            <a:r>
-              <a:rPr lang="en-US" sz="1800" dirty="0" err="1">
-                <a:latin typeface="Consolas" pitchFamily="49" charset="0"/>
-                <a:cs typeface="Consolas" pitchFamily="49" charset="0"/>
-              </a:rPr>
-              <a:t>writeln</a:t>
-            </a:r>
-            <a:r>
-              <a:rPr lang="en-US" sz="1800" dirty="0">
-                <a:latin typeface="Consolas" pitchFamily="49" charset="0"/>
-                <a:cs typeface="Consolas" pitchFamily="49" charset="0"/>
-              </a:rPr>
-              <a:t> "x = ", x;</a:t>
-            </a:r>
-          </a:p>
-          <a:p>
-            <a:pPr marL="274320" indent="0">
-              <a:spcBef>
-                <a:spcPts val="0"/>
-              </a:spcBef>
-              <a:buNone/>
-            </a:pPr>
-            <a:r>
-              <a:rPr lang="en-US" sz="1800" dirty="0">
-                <a:latin typeface="Consolas" pitchFamily="49" charset="0"/>
-                <a:cs typeface="Consolas" pitchFamily="49" charset="0"/>
-              </a:rPr>
-              <a:t>  }</a:t>
+          <a:bodyPr/>
+          <a:lstStyle/>
+          <a:p>
+            <a:r>
+              <a:rPr lang="en-US" dirty="0"/>
+              <a:t>An assembler translates from assembly language to machine code.</a:t>
+            </a:r>
+          </a:p>
+          <a:p>
+            <a:r>
+              <a:rPr lang="en-US" dirty="0"/>
+              <a:t>A disassembler is a program that translates from machine code (binary file) back to assembly language (text file).</a:t>
+            </a:r>
+          </a:p>
+          <a:p>
+            <a:r>
+              <a:rPr lang="en-US" dirty="0"/>
+              <a:t>A disassembler for CVM has been provided.</a:t>
+            </a:r>
+          </a:p>
+          <a:p>
+            <a:pPr lvl="1">
+              <a:buNone/>
+            </a:pPr>
+            <a:r>
+              <a:rPr lang="en-US" dirty="0"/>
+              <a:t>(see </a:t>
+            </a:r>
+            <a:r>
+              <a:rPr lang="en-US" dirty="0" err="1">
+                <a:latin typeface="Consolas" pitchFamily="49" charset="0"/>
+                <a:cs typeface="Consolas" pitchFamily="49" charset="0"/>
+              </a:rPr>
+              <a:t>edu.citadel</a:t>
+            </a:r>
+            <a:r>
+              <a:rPr lang="en-US" err="1">
+                <a:latin typeface="Consolas" pitchFamily="49" charset="0"/>
+                <a:cs typeface="Consolas" pitchFamily="49" charset="0"/>
+              </a:rPr>
+              <a:t>.</a:t>
+            </a:r>
+            <a:r>
+              <a:rPr lang="en-US">
+                <a:latin typeface="Consolas" pitchFamily="49" charset="0"/>
+                <a:cs typeface="Consolas" pitchFamily="49" charset="0"/>
+              </a:rPr>
+              <a:t>cvm</a:t>
+            </a:r>
+            <a:r>
+              <a:rPr lang="en-US" dirty="0" err="1">
+                <a:latin typeface="Consolas" pitchFamily="49" charset="0"/>
+                <a:cs typeface="Consolas" pitchFamily="49" charset="0"/>
+              </a:rPr>
+              <a:t>.Disassembler</a:t>
+            </a:r>
+            <a:r>
+              <a:rPr lang="en-US" dirty="0"/>
+              <a:t>)</a:t>
             </a:r>
           </a:p>
         </p:txBody>
@@ -20056,6 +20042,312 @@
           <a:lstStyle/>
           <a:p>
             <a:r>
+              <a:rPr lang="en-US" sz="2900" dirty="0"/>
+              <a:t>Code Generation Example: Source Code</a:t>
+            </a:r>
+          </a:p>
+        </p:txBody>
+      </p:sp>
+      <p:sp>
+        <p:nvSpPr>
+          <p:cNvPr id="3" name="Content Placeholder 2"/>
+          <p:cNvSpPr>
+            <a:spLocks noGrp="1"/>
+          </p:cNvSpPr>
+          <p:nvPr>
+            <p:ph idx="1"/>
+          </p:nvPr>
+        </p:nvSpPr>
+        <p:spPr/>
+        <p:txBody>
+          <a:bodyPr tIns="91440"/>
+          <a:lstStyle/>
+          <a:p>
+            <a:pPr marL="274320" indent="0">
+              <a:spcBef>
+                <a:spcPts val="0"/>
+              </a:spcBef>
+              <a:buNone/>
+            </a:pPr>
+            <a:r>
+              <a:rPr lang="en-US" sz="1800" dirty="0">
+                <a:latin typeface="Consolas" pitchFamily="49" charset="0"/>
+                <a:cs typeface="Consolas" pitchFamily="49" charset="0"/>
+              </a:rPr>
+              <a:t>var x : Integer;</a:t>
+            </a:r>
+          </a:p>
+          <a:p>
+            <a:pPr marL="274320" indent="0">
+              <a:spcBef>
+                <a:spcPts val="0"/>
+              </a:spcBef>
+              <a:buNone/>
+            </a:pPr>
+            <a:r>
+              <a:rPr lang="en-US" sz="1800" dirty="0">
+                <a:latin typeface="Consolas" pitchFamily="49" charset="0"/>
+                <a:cs typeface="Consolas" pitchFamily="49" charset="0"/>
+              </a:rPr>
+              <a:t>const n := 5;</a:t>
+            </a:r>
+          </a:p>
+          <a:p>
+            <a:pPr marL="274320" indent="0">
+              <a:spcBef>
+                <a:spcPts val="0"/>
+              </a:spcBef>
+              <a:buNone/>
+            </a:pPr>
+            <a:endParaRPr lang="en-US" sz="1800" dirty="0">
+              <a:latin typeface="Consolas" pitchFamily="49" charset="0"/>
+              <a:cs typeface="Consolas" pitchFamily="49" charset="0"/>
+            </a:endParaRPr>
+          </a:p>
+          <a:p>
+            <a:pPr marL="274320" indent="0">
+              <a:spcBef>
+                <a:spcPts val="0"/>
+              </a:spcBef>
+              <a:buNone/>
+            </a:pPr>
+            <a:r>
+              <a:rPr lang="en-US" sz="1800" dirty="0">
+                <a:latin typeface="Consolas" pitchFamily="49" charset="0"/>
+                <a:cs typeface="Consolas" pitchFamily="49" charset="0"/>
+              </a:rPr>
+              <a:t>proc main()</a:t>
+            </a:r>
+          </a:p>
+          <a:p>
+            <a:pPr marL="274320" indent="0">
+              <a:spcBef>
+                <a:spcPts val="0"/>
+              </a:spcBef>
+              <a:buNone/>
+            </a:pPr>
+            <a:r>
+              <a:rPr lang="en-US" sz="1800" dirty="0">
+                <a:latin typeface="Consolas" pitchFamily="49" charset="0"/>
+                <a:cs typeface="Consolas" pitchFamily="49" charset="0"/>
+              </a:rPr>
+              <a:t>  {</a:t>
+            </a:r>
+          </a:p>
+          <a:p>
+            <a:pPr marL="274320" indent="0">
+              <a:spcBef>
+                <a:spcPts val="0"/>
+              </a:spcBef>
+              <a:buNone/>
+            </a:pPr>
+            <a:r>
+              <a:rPr lang="en-US" sz="1800" dirty="0">
+                <a:latin typeface="Consolas" pitchFamily="49" charset="0"/>
+                <a:cs typeface="Consolas" pitchFamily="49" charset="0"/>
+              </a:rPr>
+              <a:t>    x := 1;</a:t>
+            </a:r>
+          </a:p>
+          <a:p>
+            <a:pPr marL="274320" indent="0">
+              <a:spcBef>
+                <a:spcPts val="0"/>
+              </a:spcBef>
+              <a:buNone/>
+            </a:pPr>
+            <a:endParaRPr lang="en-US" sz="1800" dirty="0">
+              <a:latin typeface="Consolas" pitchFamily="49" charset="0"/>
+              <a:cs typeface="Consolas" pitchFamily="49" charset="0"/>
+            </a:endParaRPr>
+          </a:p>
+          <a:p>
+            <a:pPr marL="274320" indent="0">
+              <a:spcBef>
+                <a:spcPts val="0"/>
+              </a:spcBef>
+              <a:buNone/>
+            </a:pPr>
+            <a:r>
+              <a:rPr lang="en-US" sz="1800" dirty="0">
+                <a:latin typeface="Consolas" pitchFamily="49" charset="0"/>
+                <a:cs typeface="Consolas" pitchFamily="49" charset="0"/>
+              </a:rPr>
+              <a:t>    while x &lt;= n loop</a:t>
+            </a:r>
+          </a:p>
+          <a:p>
+            <a:pPr marL="274320" indent="0">
+              <a:spcBef>
+                <a:spcPts val="0"/>
+              </a:spcBef>
+              <a:buNone/>
+            </a:pPr>
+            <a:r>
+              <a:rPr lang="en-US" sz="1800" dirty="0">
+                <a:latin typeface="Consolas" pitchFamily="49" charset="0"/>
+                <a:cs typeface="Consolas" pitchFamily="49" charset="0"/>
+              </a:rPr>
+              <a:t>        x := x + 1;</a:t>
+            </a:r>
+          </a:p>
+          <a:p>
+            <a:pPr marL="274320" indent="0">
+              <a:spcBef>
+                <a:spcPts val="0"/>
+              </a:spcBef>
+              <a:buNone/>
+            </a:pPr>
+            <a:endParaRPr lang="en-US" sz="1800" dirty="0">
+              <a:latin typeface="Consolas" pitchFamily="49" charset="0"/>
+              <a:cs typeface="Consolas" pitchFamily="49" charset="0"/>
+            </a:endParaRPr>
+          </a:p>
+          <a:p>
+            <a:pPr marL="274320" indent="0">
+              <a:spcBef>
+                <a:spcPts val="0"/>
+              </a:spcBef>
+              <a:buNone/>
+            </a:pPr>
+            <a:r>
+              <a:rPr lang="en-US" sz="1800" dirty="0">
+                <a:latin typeface="Consolas" pitchFamily="49" charset="0"/>
+                <a:cs typeface="Consolas" pitchFamily="49" charset="0"/>
+              </a:rPr>
+              <a:t>    </a:t>
+            </a:r>
+            <a:r>
+              <a:rPr lang="en-US" sz="1800" dirty="0" err="1">
+                <a:latin typeface="Consolas" pitchFamily="49" charset="0"/>
+                <a:cs typeface="Consolas" pitchFamily="49" charset="0"/>
+              </a:rPr>
+              <a:t>writeln</a:t>
+            </a:r>
+            <a:r>
+              <a:rPr lang="en-US" sz="1800" dirty="0">
+                <a:latin typeface="Consolas" pitchFamily="49" charset="0"/>
+                <a:cs typeface="Consolas" pitchFamily="49" charset="0"/>
+              </a:rPr>
+              <a:t> "x = ", x;</a:t>
+            </a:r>
+          </a:p>
+          <a:p>
+            <a:pPr marL="274320" indent="0">
+              <a:spcBef>
+                <a:spcPts val="0"/>
+              </a:spcBef>
+              <a:buNone/>
+            </a:pPr>
+            <a:r>
+              <a:rPr lang="en-US" sz="1800" dirty="0">
+                <a:latin typeface="Consolas" pitchFamily="49" charset="0"/>
+                <a:cs typeface="Consolas" pitchFamily="49" charset="0"/>
+              </a:rPr>
+              <a:t>  }</a:t>
+            </a:r>
+          </a:p>
+        </p:txBody>
+      </p:sp>
+      <p:sp>
+        <p:nvSpPr>
+          <p:cNvPr id="4" name="Footer Placeholder 3"/>
+          <p:cNvSpPr>
+            <a:spLocks noGrp="1"/>
+          </p:cNvSpPr>
+          <p:nvPr>
+            <p:ph type="ftr" sz="quarter" idx="10"/>
+          </p:nvPr>
+        </p:nvSpPr>
+        <p:spPr/>
+        <p:txBody>
+          <a:bodyPr/>
+          <a:lstStyle/>
+          <a:p>
+            <a:pPr>
+              <a:defRPr/>
+            </a:pPr>
+            <a:r>
+              <a:rPr lang="en-US"/>
+              <a:t>©SoftMoore Consulting</a:t>
+            </a:r>
+          </a:p>
+        </p:txBody>
+      </p:sp>
+      <p:sp>
+        <p:nvSpPr>
+          <p:cNvPr id="5" name="Slide Number Placeholder 4"/>
+          <p:cNvSpPr>
+            <a:spLocks noGrp="1"/>
+          </p:cNvSpPr>
+          <p:nvPr>
+            <p:ph type="sldNum" sz="quarter" idx="11"/>
+          </p:nvPr>
+        </p:nvSpPr>
+        <p:spPr/>
+        <p:txBody>
+          <a:bodyPr/>
+          <a:lstStyle/>
+          <a:p>
+            <a:pPr>
+              <a:defRPr/>
+            </a:pPr>
+            <a:r>
+              <a:rPr lang="en-US"/>
+              <a:t>Slide </a:t>
+            </a:r>
+            <a:fld id="{38CE0C63-332F-4B15-A236-51967A3210C4}" type="slidenum">
+              <a:rPr lang="en-US" smtClean="0"/>
+              <a:pPr>
+                <a:defRPr/>
+              </a:pPr>
+              <a:t>51</a:t>
+            </a:fld>
+            <a:endParaRPr lang="en-US"/>
+          </a:p>
+        </p:txBody>
+      </p:sp>
+    </p:spTree>
+  </p:cSld>
+  <p:clrMapOvr>
+    <a:masterClrMapping/>
+  </p:clrMapOvr>
+</p:sld>
+</file>
+
+<file path=ppt/slides/slide52.xml><?xml version="1.0" encoding="utf-8"?>
+<p:sld xmlns:a="http://schemas.openxmlformats.org/drawingml/2006/main" xmlns:r="http://schemas.openxmlformats.org/officeDocument/2006/relationships" xmlns:p="http://schemas.openxmlformats.org/presentationml/2006/main">
+  <p:cSld>
+    <p:spTree>
+      <p:nvGrpSpPr>
+        <p:cNvPr id="1" name=""/>
+        <p:cNvGrpSpPr/>
+        <p:nvPr/>
+      </p:nvGrpSpPr>
+      <p:grpSpPr>
+        <a:xfrm>
+          <a:off x="0" y="0"/>
+          <a:ext cx="0" cy="0"/>
+          <a:chOff x="0" y="0"/>
+          <a:chExt cx="0" cy="0"/>
+        </a:xfrm>
+      </p:grpSpPr>
+      <p:sp>
+        <p:nvSpPr>
+          <p:cNvPr id="2" name="Title 1"/>
+          <p:cNvSpPr>
+            <a:spLocks noGrp="1"/>
+          </p:cNvSpPr>
+          <p:nvPr>
+            <p:ph type="title"/>
+          </p:nvPr>
+        </p:nvSpPr>
+        <p:spPr/>
+        <p:txBody>
+          <a:bodyPr/>
+          <a:lstStyle/>
+          <a:p>
+            <a:r>
               <a:rPr lang="en-US" dirty="0"/>
               <a:t>Code Generation Example:</a:t>
             </a:r>
@@ -20515,7 +20807,7 @@
               <a:pPr>
                 <a:defRPr/>
               </a:pPr>
-              <a:t>51</a:t>
+              <a:t>52</a:t>
             </a:fld>
             <a:endParaRPr lang="en-US"/>
           </a:p>
@@ -21046,7 +21338,7 @@
 </p:sld>
 </file>
 
-<file path=ppt/slides/slide52.xml><?xml version="1.0" encoding="utf-8"?>
+<file path=ppt/slides/slide53.xml><?xml version="1.0" encoding="utf-8"?>
 <p:sld xmlns:a="http://schemas.openxmlformats.org/drawingml/2006/main" xmlns:r="http://schemas.openxmlformats.org/officeDocument/2006/relationships" xmlns:p="http://schemas.openxmlformats.org/presentationml/2006/main">
   <p:cSld>
     <p:spTree>
@@ -21745,7 +22037,7 @@
               <a:pPr>
                 <a:defRPr/>
               </a:pPr>
-              <a:t>52</a:t>
+              <a:t>53</a:t>
             </a:fld>
             <a:endParaRPr lang="en-US"/>
           </a:p>

--- a/PowerPoints/11 - Code Generation.pptx
+++ b/PowerPoints/11 - Code Generation.pptx
@@ -12852,7 +12852,7 @@
               <a:t>        emit("LDCB " + </a:t>
             </a:r>
             <a:r>
-              <a:rPr lang="en-US" sz="1800">
+              <a:rPr lang="en-US" sz="1800" dirty="0" err="1">
                 <a:latin typeface="Consolas" pitchFamily="49" charset="0"/>
                 <a:cs typeface="Consolas" pitchFamily="49" charset="0"/>
               </a:rPr>
@@ -12967,14 +12967,28 @@
                 <a:latin typeface="Consolas" pitchFamily="49" charset="0"/>
                 <a:cs typeface="Consolas" pitchFamily="49" charset="0"/>
               </a:rPr>
-              <a:t> == </a:t>
+              <a:t> </a:t>
             </a:r>
             <a:r>
               <a:rPr lang="en-US" sz="1800" dirty="0" err="1">
                 <a:latin typeface="Consolas" pitchFamily="49" charset="0"/>
                 <a:cs typeface="Consolas" pitchFamily="49" charset="0"/>
               </a:rPr>
-              <a:t>Type.String</a:t>
+              <a:t>instanceof</a:t>
+            </a:r>
+            <a:r>
+              <a:rPr lang="en-US" sz="1800" dirty="0">
+                <a:latin typeface="Consolas" pitchFamily="49" charset="0"/>
+                <a:cs typeface="Consolas" pitchFamily="49" charset="0"/>
+              </a:rPr>
+              <a:t> </a:t>
+            </a:r>
+            <a:r>
+              <a:rPr lang="en-US" sz="1800" dirty="0" err="1">
+                <a:latin typeface="Consolas" pitchFamily="49" charset="0"/>
+                <a:cs typeface="Consolas" pitchFamily="49" charset="0"/>
+              </a:rPr>
+              <a:t>StringType</a:t>
             </a:r>
             <a:r>
               <a:rPr lang="en-US" sz="1800" dirty="0">
@@ -13959,7 +13973,7 @@
           <a:p>
             <a:r>
               <a:rPr lang="en-US" dirty="0"/>
-              <a:t>A binary expression contains an operator and one operand, where the operand is an expression.</a:t>
+              <a:t>A unary expression contains an operator and one operand, where the operand is an expression.</a:t>
             </a:r>
           </a:p>
           <a:p>
@@ -22102,7 +22116,7 @@
         </p:nvSpPr>
         <p:spPr>
           <a:xfrm>
-            <a:off x="458788" y="1363663"/>
+            <a:off x="458787" y="1363663"/>
             <a:ext cx="8321040" cy="4935537"/>
           </a:xfrm>
         </p:spPr>

--- a/PowerPoints/11 - Code Generation.pptx
+++ b/PowerPoints/11 - Code Generation.pptx
@@ -17063,7 +17063,19 @@
               <a:rPr lang="en-US" sz="1800" dirty="0">
                 <a:latin typeface="Consolas" panose="020B0609020204030204" pitchFamily="49" charset="0"/>
               </a:rPr>
-              <a:t> = "{" statement "}" .</a:t>
+              <a:t> = </a:t>
+            </a:r>
+            <a:r>
+              <a:rPr lang="en-US" sz="1800">
+                <a:latin typeface="Consolas" panose="020B0609020204030204" pitchFamily="49" charset="0"/>
+              </a:rPr>
+              <a:t>"{" statements </a:t>
+            </a:r>
+            <a:r>
+              <a:rPr lang="en-US" sz="1800" dirty="0">
+                <a:latin typeface="Consolas" panose="020B0609020204030204" pitchFamily="49" charset="0"/>
+              </a:rPr>
+              <a:t>"}" .</a:t>
             </a:r>
           </a:p>
           <a:p>
